--- a/vue技术内幕之数组双向绑定.pptx
+++ b/vue技术内幕之数组双向绑定.pptx
@@ -5,34 +5,37 @@
     <p:sldMasterId id="2147483648" r:id="rId1"/>
   </p:sldMasterIdLst>
   <p:notesMasterIdLst>
-    <p:notesMasterId r:id="rId24"/>
+    <p:notesMasterId r:id="rId27"/>
   </p:notesMasterIdLst>
   <p:handoutMasterIdLst>
-    <p:handoutMasterId r:id="rId25"/>
+    <p:handoutMasterId r:id="rId28"/>
   </p:handoutMasterIdLst>
   <p:sldIdLst>
     <p:sldId id="280" r:id="rId2"/>
     <p:sldId id="292" r:id="rId3"/>
     <p:sldId id="326" r:id="rId4"/>
-    <p:sldId id="327" r:id="rId5"/>
-    <p:sldId id="329" r:id="rId6"/>
-    <p:sldId id="330" r:id="rId7"/>
-    <p:sldId id="336" r:id="rId8"/>
-    <p:sldId id="337" r:id="rId9"/>
-    <p:sldId id="339" r:id="rId10"/>
-    <p:sldId id="357" r:id="rId11"/>
-    <p:sldId id="360" r:id="rId12"/>
-    <p:sldId id="341" r:id="rId13"/>
-    <p:sldId id="342" r:id="rId14"/>
-    <p:sldId id="343" r:id="rId15"/>
-    <p:sldId id="344" r:id="rId16"/>
-    <p:sldId id="345" r:id="rId17"/>
-    <p:sldId id="346" r:id="rId18"/>
-    <p:sldId id="308" r:id="rId19"/>
-    <p:sldId id="373" r:id="rId20"/>
-    <p:sldId id="380" r:id="rId21"/>
-    <p:sldId id="391" r:id="rId22"/>
-    <p:sldId id="281" r:id="rId23"/>
+    <p:sldId id="394" r:id="rId5"/>
+    <p:sldId id="392" r:id="rId6"/>
+    <p:sldId id="393" r:id="rId7"/>
+    <p:sldId id="327" r:id="rId8"/>
+    <p:sldId id="329" r:id="rId9"/>
+    <p:sldId id="330" r:id="rId10"/>
+    <p:sldId id="336" r:id="rId11"/>
+    <p:sldId id="337" r:id="rId12"/>
+    <p:sldId id="339" r:id="rId13"/>
+    <p:sldId id="357" r:id="rId14"/>
+    <p:sldId id="360" r:id="rId15"/>
+    <p:sldId id="341" r:id="rId16"/>
+    <p:sldId id="342" r:id="rId17"/>
+    <p:sldId id="343" r:id="rId18"/>
+    <p:sldId id="344" r:id="rId19"/>
+    <p:sldId id="345" r:id="rId20"/>
+    <p:sldId id="346" r:id="rId21"/>
+    <p:sldId id="308" r:id="rId22"/>
+    <p:sldId id="373" r:id="rId23"/>
+    <p:sldId id="380" r:id="rId24"/>
+    <p:sldId id="391" r:id="rId25"/>
+    <p:sldId id="281" r:id="rId26"/>
   </p:sldIdLst>
   <p:sldSz cx="10693400" cy="5940425"/>
   <p:notesSz cx="6858000" cy="9144000"/>
@@ -7439,25 +7442,25 @@
         <a:lstStyle/>
         <a:p>
           <a:r>
-            <a:rPr lang="en-US" altLang="zh-Hans" sz="2400" dirty="0" err="1">
+            <a:rPr lang="zh-Hans" altLang="en-US" sz="2400" dirty="0">
+              <a:latin typeface="微软雅黑" panose="020B0503020204020204" pitchFamily="34" charset="-122"/>
+              <a:ea typeface="微软雅黑" panose="020B0503020204020204" pitchFamily="34" charset="-122"/>
+            </a:rPr>
+            <a:t>简述</a:t>
+          </a:r>
+          <a:r>
+            <a:rPr lang="en-US" altLang="zh-Hans" sz="2400" dirty="0">
               <a:latin typeface="微软雅黑" panose="020B0503020204020204" pitchFamily="34" charset="-122"/>
               <a:ea typeface="微软雅黑" panose="020B0503020204020204" pitchFamily="34" charset="-122"/>
             </a:rPr>
             <a:t>Vue</a:t>
           </a:r>
           <a:r>
-            <a:rPr lang="zh-Hans" altLang="en-US" sz="2400">
-              <a:latin typeface="微软雅黑" panose="020B0503020204020204" pitchFamily="34" charset="-122"/>
-              <a:ea typeface="微软雅黑" panose="020B0503020204020204" pitchFamily="34" charset="-122"/>
-            </a:rPr>
-            <a:t>双向绑定</a:t>
-          </a:r>
-          <a:r>
             <a:rPr lang="zh-Hans" altLang="en-US" sz="2400" dirty="0">
               <a:latin typeface="微软雅黑" panose="020B0503020204020204" pitchFamily="34" charset="-122"/>
               <a:ea typeface="微软雅黑" panose="020B0503020204020204" pitchFamily="34" charset="-122"/>
             </a:rPr>
-            <a:t>原理</a:t>
+            <a:t>双向绑定原理</a:t>
           </a:r>
           <a:endParaRPr lang="zh-CN" altLang="en-US" sz="2400" dirty="0">
             <a:latin typeface="微软雅黑" panose="020B0503020204020204" pitchFamily="34" charset="-122"/>
@@ -7511,12 +7514,23 @@
         <a:lstStyle/>
         <a:p>
           <a:r>
-            <a:rPr lang="zh-CN" altLang="en-US" sz="2400" dirty="0">
+            <a:rPr lang="en-US" altLang="zh-Hans" sz="2400" dirty="0">
               <a:latin typeface="微软雅黑" panose="020B0503020204020204" pitchFamily="34" charset="-122"/>
               <a:ea typeface="微软雅黑" panose="020B0503020204020204" pitchFamily="34" charset="-122"/>
             </a:rPr>
-            <a:t>通天塔</a:t>
+            <a:t>Vue</a:t>
           </a:r>
+          <a:r>
+            <a:rPr lang="zh-Hans" altLang="en-US" sz="2400" dirty="0">
+              <a:latin typeface="微软雅黑" panose="020B0503020204020204" pitchFamily="34" charset="-122"/>
+              <a:ea typeface="微软雅黑" panose="020B0503020204020204" pitchFamily="34" charset="-122"/>
+            </a:rPr>
+            <a:t>数组使用注意事项</a:t>
+          </a:r>
+          <a:endParaRPr lang="zh-CN" altLang="en-US" sz="2400" dirty="0">
+            <a:latin typeface="微软雅黑" panose="020B0503020204020204" pitchFamily="34" charset="-122"/>
+            <a:ea typeface="微软雅黑" panose="020B0503020204020204" pitchFamily="34" charset="-122"/>
+          </a:endParaRPr>
         </a:p>
       </dgm:t>
     </dgm:pt>
@@ -7560,12 +7574,16 @@
         <a:lstStyle/>
         <a:p>
           <a:r>
-            <a:rPr lang="zh-CN" altLang="en-US" sz="2400" dirty="0">
+            <a:rPr lang="zh-Hans" altLang="en-US" sz="2400" dirty="0">
               <a:latin typeface="微软雅黑" panose="020B0503020204020204" pitchFamily="34" charset="-122"/>
               <a:ea typeface="微软雅黑" panose="020B0503020204020204" pitchFamily="34" charset="-122"/>
             </a:rPr>
-            <a:t>首页</a:t>
+            <a:t>数组双向绑定实现及其特殊性</a:t>
           </a:r>
+          <a:endParaRPr lang="zh-CN" altLang="en-US" sz="2400" dirty="0">
+            <a:latin typeface="微软雅黑" panose="020B0503020204020204" pitchFamily="34" charset="-122"/>
+            <a:ea typeface="微软雅黑" panose="020B0503020204020204" pitchFamily="34" charset="-122"/>
+          </a:endParaRPr>
         </a:p>
       </dgm:t>
     </dgm:pt>
@@ -7889,25 +7907,25 @@
             <a:buNone/>
           </a:pPr>
           <a:r>
-            <a:rPr lang="en-US" altLang="zh-Hans" sz="2400" kern="1200" dirty="0" err="1">
+            <a:rPr lang="zh-Hans" altLang="en-US" sz="2400" kern="1200" dirty="0">
+              <a:latin typeface="微软雅黑" panose="020B0503020204020204" pitchFamily="34" charset="-122"/>
+              <a:ea typeface="微软雅黑" panose="020B0503020204020204" pitchFamily="34" charset="-122"/>
+            </a:rPr>
+            <a:t>简述</a:t>
+          </a:r>
+          <a:r>
+            <a:rPr lang="en-US" altLang="zh-Hans" sz="2400" kern="1200" dirty="0">
               <a:latin typeface="微软雅黑" panose="020B0503020204020204" pitchFamily="34" charset="-122"/>
               <a:ea typeface="微软雅黑" panose="020B0503020204020204" pitchFamily="34" charset="-122"/>
             </a:rPr>
             <a:t>Vue</a:t>
           </a:r>
           <a:r>
-            <a:rPr lang="zh-Hans" altLang="en-US" sz="2400" kern="1200">
-              <a:latin typeface="微软雅黑" panose="020B0503020204020204" pitchFamily="34" charset="-122"/>
-              <a:ea typeface="微软雅黑" panose="020B0503020204020204" pitchFamily="34" charset="-122"/>
-            </a:rPr>
-            <a:t>双向绑定</a:t>
-          </a:r>
-          <a:r>
             <a:rPr lang="zh-Hans" altLang="en-US" sz="2400" kern="1200" dirty="0">
               <a:latin typeface="微软雅黑" panose="020B0503020204020204" pitchFamily="34" charset="-122"/>
               <a:ea typeface="微软雅黑" panose="020B0503020204020204" pitchFamily="34" charset="-122"/>
             </a:rPr>
-            <a:t>原理</a:t>
+            <a:t>双向绑定原理</a:t>
           </a:r>
           <a:endParaRPr lang="zh-CN" altLang="en-US" sz="2400" kern="1200" dirty="0">
             <a:latin typeface="微软雅黑" panose="020B0503020204020204" pitchFamily="34" charset="-122"/>
@@ -8027,12 +8045,16 @@
             <a:buNone/>
           </a:pPr>
           <a:r>
-            <a:rPr lang="zh-CN" altLang="en-US" sz="2400" kern="1200" dirty="0">
+            <a:rPr lang="zh-Hans" altLang="en-US" sz="2400" kern="1200" dirty="0">
               <a:latin typeface="微软雅黑" panose="020B0503020204020204" pitchFamily="34" charset="-122"/>
               <a:ea typeface="微软雅黑" panose="020B0503020204020204" pitchFamily="34" charset="-122"/>
             </a:rPr>
-            <a:t>首页</a:t>
+            <a:t>数组双向绑定实现及其特殊性</a:t>
           </a:r>
+          <a:endParaRPr lang="zh-CN" altLang="en-US" sz="2400" kern="1200" dirty="0">
+            <a:latin typeface="微软雅黑" panose="020B0503020204020204" pitchFamily="34" charset="-122"/>
+            <a:ea typeface="微软雅黑" panose="020B0503020204020204" pitchFamily="34" charset="-122"/>
+          </a:endParaRPr>
         </a:p>
       </dsp:txBody>
       <dsp:txXfrm>
@@ -8142,12 +8164,23 @@
             <a:buNone/>
           </a:pPr>
           <a:r>
-            <a:rPr lang="zh-CN" altLang="en-US" sz="2400" kern="1200" dirty="0">
+            <a:rPr lang="en-US" altLang="zh-Hans" sz="2400" kern="1200" dirty="0">
               <a:latin typeface="微软雅黑" panose="020B0503020204020204" pitchFamily="34" charset="-122"/>
               <a:ea typeface="微软雅黑" panose="020B0503020204020204" pitchFamily="34" charset="-122"/>
             </a:rPr>
-            <a:t>通天塔</a:t>
+            <a:t>Vue</a:t>
           </a:r>
+          <a:r>
+            <a:rPr lang="zh-Hans" altLang="en-US" sz="2400" kern="1200" dirty="0">
+              <a:latin typeface="微软雅黑" panose="020B0503020204020204" pitchFamily="34" charset="-122"/>
+              <a:ea typeface="微软雅黑" panose="020B0503020204020204" pitchFamily="34" charset="-122"/>
+            </a:rPr>
+            <a:t>数组使用注意事项</a:t>
+          </a:r>
+          <a:endParaRPr lang="zh-CN" altLang="en-US" sz="2400" kern="1200" dirty="0">
+            <a:latin typeface="微软雅黑" panose="020B0503020204020204" pitchFamily="34" charset="-122"/>
+            <a:ea typeface="微软雅黑" panose="020B0503020204020204" pitchFamily="34" charset="-122"/>
+          </a:endParaRPr>
         </a:p>
       </dsp:txBody>
       <dsp:txXfrm>
@@ -10123,7 +10156,7 @@
                   <a:prstClr val="black"/>
                 </a:solidFill>
               </a:rPr>
-              <a:t>10</a:t>
+              <a:t>13</a:t>
             </a:fld>
             <a:endParaRPr lang="zh-CN" altLang="en-US">
               <a:solidFill>
@@ -10216,7 +10249,7 @@
                 </a:solidFill>
               </a:rPr>
               <a:pPr/>
-              <a:t>14</a:t>
+              <a:t>17</a:t>
             </a:fld>
             <a:endParaRPr lang="zh-CN" altLang="en-US">
               <a:solidFill>
@@ -10315,7 +10348,7 @@
                 </a:solidFill>
               </a:rPr>
               <a:pPr/>
-              <a:t>16</a:t>
+              <a:t>19</a:t>
             </a:fld>
             <a:endParaRPr lang="zh-CN" altLang="en-US">
               <a:solidFill>
@@ -10605,7 +10638,7 @@
           <a:p>
             <a:fld id="{C8DD73D5-163E-4231-997C-6C12A12D630C}" type="slidenum">
               <a:rPr lang="zh-CN" altLang="en-US" smtClean="0"/>
-              <a:t>19</a:t>
+              <a:t>22</a:t>
             </a:fld>
             <a:endParaRPr lang="zh-CN" altLang="en-US"/>
           </a:p>
@@ -12233,35 +12266,32 @@
           <a:p>
             <a:pPr algn="ctr"/>
             <a:r>
-              <a:rPr lang="zh-CN" altLang="en-US" sz="4800" b="1" dirty="0">
+              <a:rPr lang="en-US" altLang="zh-Hans" sz="4800" b="1" dirty="0">
                 <a:solidFill>
                   <a:schemeClr val="bg1"/>
                 </a:solidFill>
                 <a:latin typeface="微软雅黑" pitchFamily="34" charset="-122"/>
                 <a:ea typeface="微软雅黑" pitchFamily="34" charset="-122"/>
               </a:rPr>
-              <a:t>需求</a:t>
+              <a:t>Vue</a:t>
             </a:r>
             <a:r>
-              <a:rPr lang="en-US" altLang="zh-CN" sz="4800" b="1" dirty="0">
+              <a:rPr lang="zh-Hans" altLang="en-US" sz="4800" b="1" dirty="0">
                 <a:solidFill>
                   <a:schemeClr val="bg1"/>
                 </a:solidFill>
                 <a:latin typeface="微软雅黑" pitchFamily="34" charset="-122"/>
                 <a:ea typeface="微软雅黑" pitchFamily="34" charset="-122"/>
               </a:rPr>
-              <a:t>/</a:t>
+              <a:t>技术内幕之数组双向绑定</a:t>
             </a:r>
-            <a:r>
-              <a:rPr lang="zh-CN" altLang="en-US" sz="4800" b="1" dirty="0">
-                <a:solidFill>
-                  <a:schemeClr val="bg1"/>
-                </a:solidFill>
-                <a:latin typeface="微软雅黑" pitchFamily="34" charset="-122"/>
-                <a:ea typeface="微软雅黑" pitchFamily="34" charset="-122"/>
-              </a:rPr>
-              <a:t>数据汇报</a:t>
-            </a:r>
+            <a:endParaRPr lang="zh-CN" altLang="en-US" sz="4800" b="1" dirty="0">
+              <a:solidFill>
+                <a:schemeClr val="bg1"/>
+              </a:solidFill>
+              <a:latin typeface="微软雅黑" pitchFamily="34" charset="-122"/>
+              <a:ea typeface="微软雅黑" pitchFamily="34" charset="-122"/>
+            </a:endParaRPr>
           </a:p>
         </p:txBody>
       </p:sp>
@@ -12305,7 +12335,17 @@
                 <a:latin typeface="微软雅黑" pitchFamily="34" charset="-122"/>
                 <a:ea typeface="微软雅黑" pitchFamily="34" charset="-122"/>
               </a:rPr>
-              <a:t>2018</a:t>
+              <a:t>201</a:t>
+            </a:r>
+            <a:r>
+              <a:rPr lang="en-US" altLang="zh-Hans" sz="2000" dirty="0">
+                <a:solidFill>
+                  <a:schemeClr val="bg1"/>
+                </a:solidFill>
+                <a:latin typeface="微软雅黑" pitchFamily="34" charset="-122"/>
+                <a:ea typeface="微软雅黑" pitchFamily="34" charset="-122"/>
+              </a:rPr>
+              <a:t>9</a:t>
             </a:r>
             <a:r>
               <a:rPr lang="zh-CN" altLang="en-US" sz="2000" dirty="0">
@@ -12325,7 +12365,17 @@
                 <a:latin typeface="微软雅黑" pitchFamily="34" charset="-122"/>
                 <a:ea typeface="微软雅黑" pitchFamily="34" charset="-122"/>
               </a:rPr>
-              <a:t>06</a:t>
+              <a:t>0</a:t>
+            </a:r>
+            <a:r>
+              <a:rPr lang="en-US" altLang="zh-Hans" sz="2000" dirty="0">
+                <a:solidFill>
+                  <a:schemeClr val="bg1"/>
+                </a:solidFill>
+                <a:latin typeface="微软雅黑" pitchFamily="34" charset="-122"/>
+                <a:ea typeface="微软雅黑" pitchFamily="34" charset="-122"/>
+              </a:rPr>
+              <a:t>4</a:t>
             </a:r>
             <a:r>
               <a:rPr lang="zh-CN" altLang="en-US" sz="2000" dirty="0">
@@ -12345,7 +12395,17 @@
                 <a:latin typeface="微软雅黑" pitchFamily="34" charset="-122"/>
                 <a:ea typeface="微软雅黑" pitchFamily="34" charset="-122"/>
               </a:rPr>
-              <a:t>21</a:t>
+              <a:t>2</a:t>
+            </a:r>
+            <a:r>
+              <a:rPr lang="en-US" altLang="zh-Hans" sz="2000" dirty="0">
+                <a:solidFill>
+                  <a:schemeClr val="bg1"/>
+                </a:solidFill>
+                <a:latin typeface="微软雅黑" pitchFamily="34" charset="-122"/>
+                <a:ea typeface="微软雅黑" pitchFamily="34" charset="-122"/>
+              </a:rPr>
+              <a:t>0</a:t>
             </a:r>
             <a:r>
               <a:rPr lang="zh-CN" altLang="en-US" sz="2000" dirty="0">
@@ -12599,6 +12659,1772 @@
 </file>
 
 <file path=ppt/slides/slide10.xml><?xml version="1.0" encoding="utf-8"?>
+<p:sld xmlns:a="http://schemas.openxmlformats.org/drawingml/2006/main" xmlns:r="http://schemas.openxmlformats.org/officeDocument/2006/relationships" xmlns:p="http://schemas.openxmlformats.org/presentationml/2006/main">
+  <p:cSld>
+    <p:spTree>
+      <p:nvGrpSpPr>
+        <p:cNvPr id="1" name=""/>
+        <p:cNvGrpSpPr/>
+        <p:nvPr/>
+      </p:nvGrpSpPr>
+      <p:grpSpPr>
+        <a:xfrm>
+          <a:off x="0" y="0"/>
+          <a:ext cx="0" cy="0"/>
+          <a:chOff x="0" y="0"/>
+          <a:chExt cx="0" cy="0"/>
+        </a:xfrm>
+      </p:grpSpPr>
+      <p:sp>
+        <p:nvSpPr>
+          <p:cNvPr id="13" name="内容占位符 2"/>
+          <p:cNvSpPr txBox="1">
+            <a:spLocks/>
+          </p:cNvSpPr>
+          <p:nvPr/>
+        </p:nvSpPr>
+        <p:spPr>
+          <a:xfrm>
+            <a:off x="-1" y="957943"/>
+            <a:ext cx="10753195" cy="4571646"/>
+          </a:xfrm>
+          <a:prstGeom prst="rect">
+            <a:avLst/>
+          </a:prstGeom>
+        </p:spPr>
+        <p:txBody>
+          <a:bodyPr>
+            <a:normAutofit/>
+          </a:bodyPr>
+          <a:lstStyle>
+            <a:lvl1pPr marL="205740" indent="-205740" algn="l" defTabSz="822325" rtl="0" eaLnBrk="1" latinLnBrk="0" hangingPunct="1">
+              <a:lnSpc>
+                <a:spcPct val="90000"/>
+              </a:lnSpc>
+              <a:spcBef>
+                <a:spcPts val="900"/>
+              </a:spcBef>
+              <a:buFont typeface="Arial" pitchFamily="34" charset="0"/>
+              <a:buChar char="•"/>
+              <a:defRPr sz="2500" kern="1200">
+                <a:solidFill>
+                  <a:schemeClr val="tx1"/>
+                </a:solidFill>
+                <a:latin typeface="+mn-lt"/>
+                <a:ea typeface="+mn-ea"/>
+                <a:cs typeface="+mn-cs"/>
+              </a:defRPr>
+            </a:lvl1pPr>
+            <a:lvl2pPr marL="616585" indent="-205740" algn="l" defTabSz="822325" rtl="0" eaLnBrk="1" latinLnBrk="0" hangingPunct="1">
+              <a:lnSpc>
+                <a:spcPct val="90000"/>
+              </a:lnSpc>
+              <a:spcBef>
+                <a:spcPts val="450"/>
+              </a:spcBef>
+              <a:buFont typeface="Arial" pitchFamily="34" charset="0"/>
+              <a:buChar char="•"/>
+              <a:defRPr sz="2200" kern="1200">
+                <a:solidFill>
+                  <a:schemeClr val="tx1"/>
+                </a:solidFill>
+                <a:latin typeface="+mn-lt"/>
+                <a:ea typeface="+mn-ea"/>
+                <a:cs typeface="+mn-cs"/>
+              </a:defRPr>
+            </a:lvl2pPr>
+            <a:lvl3pPr marL="1028065" indent="-205740" algn="l" defTabSz="822325" rtl="0" eaLnBrk="1" latinLnBrk="0" hangingPunct="1">
+              <a:lnSpc>
+                <a:spcPct val="90000"/>
+              </a:lnSpc>
+              <a:spcBef>
+                <a:spcPts val="450"/>
+              </a:spcBef>
+              <a:buFont typeface="Arial" pitchFamily="34" charset="0"/>
+              <a:buChar char="•"/>
+              <a:defRPr sz="1800" kern="1200">
+                <a:solidFill>
+                  <a:schemeClr val="tx1"/>
+                </a:solidFill>
+                <a:latin typeface="+mn-lt"/>
+                <a:ea typeface="+mn-ea"/>
+                <a:cs typeface="+mn-cs"/>
+              </a:defRPr>
+            </a:lvl3pPr>
+            <a:lvl4pPr marL="1439545" indent="-205740" algn="l" defTabSz="822325" rtl="0" eaLnBrk="1" latinLnBrk="0" hangingPunct="1">
+              <a:lnSpc>
+                <a:spcPct val="90000"/>
+              </a:lnSpc>
+              <a:spcBef>
+                <a:spcPts val="450"/>
+              </a:spcBef>
+              <a:buFont typeface="Arial" pitchFamily="34" charset="0"/>
+              <a:buChar char="•"/>
+              <a:defRPr sz="1600" kern="1200">
+                <a:solidFill>
+                  <a:schemeClr val="tx1"/>
+                </a:solidFill>
+                <a:latin typeface="+mn-lt"/>
+                <a:ea typeface="+mn-ea"/>
+                <a:cs typeface="+mn-cs"/>
+              </a:defRPr>
+            </a:lvl4pPr>
+            <a:lvl5pPr marL="1850390" indent="-205740" algn="l" defTabSz="822325" rtl="0" eaLnBrk="1" latinLnBrk="0" hangingPunct="1">
+              <a:lnSpc>
+                <a:spcPct val="90000"/>
+              </a:lnSpc>
+              <a:spcBef>
+                <a:spcPts val="450"/>
+              </a:spcBef>
+              <a:buFont typeface="Arial" pitchFamily="34" charset="0"/>
+              <a:buChar char="•"/>
+              <a:defRPr sz="1600" kern="1200">
+                <a:solidFill>
+                  <a:schemeClr val="tx1"/>
+                </a:solidFill>
+                <a:latin typeface="+mn-lt"/>
+                <a:ea typeface="+mn-ea"/>
+                <a:cs typeface="+mn-cs"/>
+              </a:defRPr>
+            </a:lvl5pPr>
+            <a:lvl6pPr marL="2261870" indent="-205740" algn="l" defTabSz="822325" rtl="0" eaLnBrk="1" latinLnBrk="0" hangingPunct="1">
+              <a:lnSpc>
+                <a:spcPct val="90000"/>
+              </a:lnSpc>
+              <a:spcBef>
+                <a:spcPts val="450"/>
+              </a:spcBef>
+              <a:buFont typeface="Arial" pitchFamily="34" charset="0"/>
+              <a:buChar char="•"/>
+              <a:defRPr sz="1600" kern="1200">
+                <a:solidFill>
+                  <a:schemeClr val="tx1"/>
+                </a:solidFill>
+                <a:latin typeface="+mn-lt"/>
+                <a:ea typeface="+mn-ea"/>
+                <a:cs typeface="+mn-cs"/>
+              </a:defRPr>
+            </a:lvl6pPr>
+            <a:lvl7pPr marL="2673350" indent="-205740" algn="l" defTabSz="822325" rtl="0" eaLnBrk="1" latinLnBrk="0" hangingPunct="1">
+              <a:lnSpc>
+                <a:spcPct val="90000"/>
+              </a:lnSpc>
+              <a:spcBef>
+                <a:spcPts val="450"/>
+              </a:spcBef>
+              <a:buFont typeface="Arial" pitchFamily="34" charset="0"/>
+              <a:buChar char="•"/>
+              <a:defRPr sz="1600" kern="1200">
+                <a:solidFill>
+                  <a:schemeClr val="tx1"/>
+                </a:solidFill>
+                <a:latin typeface="+mn-lt"/>
+                <a:ea typeface="+mn-ea"/>
+                <a:cs typeface="+mn-cs"/>
+              </a:defRPr>
+            </a:lvl7pPr>
+            <a:lvl8pPr marL="3084195" indent="-205740" algn="l" defTabSz="822325" rtl="0" eaLnBrk="1" latinLnBrk="0" hangingPunct="1">
+              <a:lnSpc>
+                <a:spcPct val="90000"/>
+              </a:lnSpc>
+              <a:spcBef>
+                <a:spcPts val="450"/>
+              </a:spcBef>
+              <a:buFont typeface="Arial" pitchFamily="34" charset="0"/>
+              <a:buChar char="•"/>
+              <a:defRPr sz="1600" kern="1200">
+                <a:solidFill>
+                  <a:schemeClr val="tx1"/>
+                </a:solidFill>
+                <a:latin typeface="+mn-lt"/>
+                <a:ea typeface="+mn-ea"/>
+                <a:cs typeface="+mn-cs"/>
+              </a:defRPr>
+            </a:lvl8pPr>
+            <a:lvl9pPr marL="3495675" indent="-205740" algn="l" defTabSz="822325" rtl="0" eaLnBrk="1" latinLnBrk="0" hangingPunct="1">
+              <a:lnSpc>
+                <a:spcPct val="90000"/>
+              </a:lnSpc>
+              <a:spcBef>
+                <a:spcPts val="450"/>
+              </a:spcBef>
+              <a:buFont typeface="Arial" pitchFamily="34" charset="0"/>
+              <a:buChar char="•"/>
+              <a:defRPr sz="1600" kern="1200">
+                <a:solidFill>
+                  <a:schemeClr val="tx1"/>
+                </a:solidFill>
+                <a:latin typeface="+mn-lt"/>
+                <a:ea typeface="+mn-ea"/>
+                <a:cs typeface="+mn-cs"/>
+              </a:defRPr>
+            </a:lvl9pPr>
+          </a:lstStyle>
+          <a:p>
+            <a:pPr marL="457189" indent="-457189">
+              <a:buFont typeface="+mj-lt"/>
+              <a:buAutoNum type="arabicPeriod" startAt="2"/>
+            </a:pPr>
+            <a:endParaRPr lang="en-US" altLang="zh-CN" sz="1900" dirty="0">
+              <a:solidFill>
+                <a:schemeClr val="tx1">
+                  <a:lumMod val="75000"/>
+                  <a:lumOff val="25000"/>
+                </a:schemeClr>
+              </a:solidFill>
+              <a:latin typeface="微软雅黑" panose="020B0503020204020204" pitchFamily="34" charset="-122"/>
+              <a:ea typeface="微软雅黑" panose="020B0503020204020204" pitchFamily="34" charset="-122"/>
+            </a:endParaRPr>
+          </a:p>
+        </p:txBody>
+      </p:sp>
+      <p:sp>
+        <p:nvSpPr>
+          <p:cNvPr id="2" name="文本占位符 1"/>
+          <p:cNvSpPr>
+            <a:spLocks noGrp="1"/>
+          </p:cNvSpPr>
+          <p:nvPr>
+            <p:ph type="body" sz="quarter" idx="10"/>
+          </p:nvPr>
+        </p:nvSpPr>
+        <p:spPr>
+          <a:xfrm>
+            <a:off x="2637934" y="2650015"/>
+            <a:ext cx="5680477" cy="593751"/>
+          </a:xfrm>
+        </p:spPr>
+        <p:txBody>
+          <a:bodyPr anchor="ctr">
+            <a:normAutofit/>
+          </a:bodyPr>
+          <a:lstStyle/>
+          <a:p>
+            <a:pPr marL="457200" indent="-457200" algn="ctr">
+              <a:buFont typeface="Wingdings" panose="05000000000000000000" pitchFamily="2" charset="2"/>
+              <a:buChar char="l"/>
+            </a:pPr>
+            <a:r>
+              <a:rPr lang="zh-CN" altLang="en-US" sz="3200" dirty="0"/>
+              <a:t>营销投放基础平台</a:t>
+            </a:r>
+            <a:r>
+              <a:rPr lang="zh-CN" altLang="en-US" dirty="0"/>
+              <a:t>需求</a:t>
+            </a:r>
+            <a:r>
+              <a:rPr lang="en-US" altLang="zh-CN" dirty="0"/>
+              <a:t>list</a:t>
+            </a:r>
+            <a:endParaRPr lang="zh-CN" altLang="en-US" dirty="0"/>
+          </a:p>
+        </p:txBody>
+      </p:sp>
+    </p:spTree>
+    <p:extLst>
+      <p:ext uri="{BB962C8B-B14F-4D97-AF65-F5344CB8AC3E}">
+        <p14:creationId xmlns:p14="http://schemas.microsoft.com/office/powerpoint/2010/main" val="1170838755"/>
+      </p:ext>
+    </p:extLst>
+  </p:cSld>
+  <p:clrMapOvr>
+    <a:masterClrMapping/>
+  </p:clrMapOvr>
+</p:sld>
+</file>
+
+<file path=ppt/slides/slide11.xml><?xml version="1.0" encoding="utf-8"?>
+<p:sld xmlns:a="http://schemas.openxmlformats.org/drawingml/2006/main" xmlns:r="http://schemas.openxmlformats.org/officeDocument/2006/relationships" xmlns:p="http://schemas.openxmlformats.org/presentationml/2006/main">
+  <p:cSld>
+    <p:spTree>
+      <p:nvGrpSpPr>
+        <p:cNvPr id="1" name=""/>
+        <p:cNvGrpSpPr/>
+        <p:nvPr/>
+      </p:nvGrpSpPr>
+      <p:grpSpPr>
+        <a:xfrm>
+          <a:off x="0" y="0"/>
+          <a:ext cx="0" cy="0"/>
+          <a:chOff x="0" y="0"/>
+          <a:chExt cx="0" cy="0"/>
+        </a:xfrm>
+      </p:grpSpPr>
+      <p:sp>
+        <p:nvSpPr>
+          <p:cNvPr id="12" name="标题 1"/>
+          <p:cNvSpPr txBox="1">
+            <a:spLocks/>
+          </p:cNvSpPr>
+          <p:nvPr/>
+        </p:nvSpPr>
+        <p:spPr>
+          <a:xfrm>
+            <a:off x="0" y="102276"/>
+            <a:ext cx="11521280" cy="562075"/>
+          </a:xfrm>
+          <a:prstGeom prst="rect">
+            <a:avLst/>
+          </a:prstGeom>
+        </p:spPr>
+        <p:txBody>
+          <a:bodyPr/>
+          <a:lstStyle>
+            <a:lvl1pPr algn="l" defTabSz="822325" rtl="0" eaLnBrk="1" latinLnBrk="0" hangingPunct="1">
+              <a:lnSpc>
+                <a:spcPct val="90000"/>
+              </a:lnSpc>
+              <a:spcBef>
+                <a:spcPct val="0"/>
+              </a:spcBef>
+              <a:buNone/>
+              <a:defRPr sz="4000" kern="1200">
+                <a:solidFill>
+                  <a:schemeClr val="tx1"/>
+                </a:solidFill>
+                <a:latin typeface="+mj-lt"/>
+                <a:ea typeface="+mj-ea"/>
+                <a:cs typeface="+mj-cs"/>
+              </a:defRPr>
+            </a:lvl1pPr>
+          </a:lstStyle>
+          <a:p>
+            <a:r>
+              <a:rPr lang="zh-CN" altLang="en-US" sz="2800" b="1" dirty="0">
+                <a:solidFill>
+                  <a:schemeClr val="tx1">
+                    <a:lumMod val="75000"/>
+                    <a:lumOff val="25000"/>
+                  </a:schemeClr>
+                </a:solidFill>
+                <a:latin typeface="微软雅黑" panose="020B0503020204020204" pitchFamily="34" charset="-122"/>
+                <a:ea typeface="微软雅黑" panose="020B0503020204020204" pitchFamily="34" charset="-122"/>
+              </a:rPr>
+              <a:t>需求列表</a:t>
+            </a:r>
+            <a:r>
+              <a:rPr lang="en-US" altLang="zh-CN" sz="2800" b="1" dirty="0">
+                <a:solidFill>
+                  <a:schemeClr val="tx1">
+                    <a:lumMod val="75000"/>
+                    <a:lumOff val="25000"/>
+                  </a:schemeClr>
+                </a:solidFill>
+                <a:latin typeface="微软雅黑" panose="020B0503020204020204" pitchFamily="34" charset="-122"/>
+                <a:ea typeface="微软雅黑" panose="020B0503020204020204" pitchFamily="34" charset="-122"/>
+              </a:rPr>
+              <a:t>-</a:t>
+            </a:r>
+            <a:r>
+              <a:rPr lang="zh-CN" altLang="en-US" sz="2800" b="1" dirty="0">
+                <a:solidFill>
+                  <a:schemeClr val="tx1">
+                    <a:lumMod val="75000"/>
+                    <a:lumOff val="25000"/>
+                  </a:schemeClr>
+                </a:solidFill>
+                <a:latin typeface="微软雅黑" panose="020B0503020204020204" pitchFamily="34" charset="-122"/>
+                <a:ea typeface="微软雅黑" panose="020B0503020204020204" pitchFamily="34" charset="-122"/>
+              </a:rPr>
+              <a:t>平台服务能力</a:t>
+            </a:r>
+            <a:endParaRPr lang="en-US" altLang="zh-CN" sz="2800" b="1" dirty="0">
+              <a:solidFill>
+                <a:schemeClr val="tx1">
+                  <a:lumMod val="75000"/>
+                  <a:lumOff val="25000"/>
+                </a:schemeClr>
+              </a:solidFill>
+              <a:latin typeface="微软雅黑" panose="020B0503020204020204" pitchFamily="34" charset="-122"/>
+              <a:ea typeface="微软雅黑" panose="020B0503020204020204" pitchFamily="34" charset="-122"/>
+            </a:endParaRPr>
+          </a:p>
+        </p:txBody>
+      </p:sp>
+      <p:sp>
+        <p:nvSpPr>
+          <p:cNvPr id="13" name="内容占位符 2"/>
+          <p:cNvSpPr txBox="1">
+            <a:spLocks/>
+          </p:cNvSpPr>
+          <p:nvPr/>
+        </p:nvSpPr>
+        <p:spPr>
+          <a:xfrm>
+            <a:off x="-1" y="957943"/>
+            <a:ext cx="10753195" cy="4571646"/>
+          </a:xfrm>
+          <a:prstGeom prst="rect">
+            <a:avLst/>
+          </a:prstGeom>
+        </p:spPr>
+        <p:txBody>
+          <a:bodyPr>
+            <a:normAutofit/>
+          </a:bodyPr>
+          <a:lstStyle>
+            <a:lvl1pPr marL="205740" indent="-205740" algn="l" defTabSz="822325" rtl="0" eaLnBrk="1" latinLnBrk="0" hangingPunct="1">
+              <a:lnSpc>
+                <a:spcPct val="90000"/>
+              </a:lnSpc>
+              <a:spcBef>
+                <a:spcPts val="900"/>
+              </a:spcBef>
+              <a:buFont typeface="Arial" pitchFamily="34" charset="0"/>
+              <a:buChar char="•"/>
+              <a:defRPr sz="2500" kern="1200">
+                <a:solidFill>
+                  <a:schemeClr val="tx1"/>
+                </a:solidFill>
+                <a:latin typeface="+mn-lt"/>
+                <a:ea typeface="+mn-ea"/>
+                <a:cs typeface="+mn-cs"/>
+              </a:defRPr>
+            </a:lvl1pPr>
+            <a:lvl2pPr marL="616585" indent="-205740" algn="l" defTabSz="822325" rtl="0" eaLnBrk="1" latinLnBrk="0" hangingPunct="1">
+              <a:lnSpc>
+                <a:spcPct val="90000"/>
+              </a:lnSpc>
+              <a:spcBef>
+                <a:spcPts val="450"/>
+              </a:spcBef>
+              <a:buFont typeface="Arial" pitchFamily="34" charset="0"/>
+              <a:buChar char="•"/>
+              <a:defRPr sz="2200" kern="1200">
+                <a:solidFill>
+                  <a:schemeClr val="tx1"/>
+                </a:solidFill>
+                <a:latin typeface="+mn-lt"/>
+                <a:ea typeface="+mn-ea"/>
+                <a:cs typeface="+mn-cs"/>
+              </a:defRPr>
+            </a:lvl2pPr>
+            <a:lvl3pPr marL="1028065" indent="-205740" algn="l" defTabSz="822325" rtl="0" eaLnBrk="1" latinLnBrk="0" hangingPunct="1">
+              <a:lnSpc>
+                <a:spcPct val="90000"/>
+              </a:lnSpc>
+              <a:spcBef>
+                <a:spcPts val="450"/>
+              </a:spcBef>
+              <a:buFont typeface="Arial" pitchFamily="34" charset="0"/>
+              <a:buChar char="•"/>
+              <a:defRPr sz="1800" kern="1200">
+                <a:solidFill>
+                  <a:schemeClr val="tx1"/>
+                </a:solidFill>
+                <a:latin typeface="+mn-lt"/>
+                <a:ea typeface="+mn-ea"/>
+                <a:cs typeface="+mn-cs"/>
+              </a:defRPr>
+            </a:lvl3pPr>
+            <a:lvl4pPr marL="1439545" indent="-205740" algn="l" defTabSz="822325" rtl="0" eaLnBrk="1" latinLnBrk="0" hangingPunct="1">
+              <a:lnSpc>
+                <a:spcPct val="90000"/>
+              </a:lnSpc>
+              <a:spcBef>
+                <a:spcPts val="450"/>
+              </a:spcBef>
+              <a:buFont typeface="Arial" pitchFamily="34" charset="0"/>
+              <a:buChar char="•"/>
+              <a:defRPr sz="1600" kern="1200">
+                <a:solidFill>
+                  <a:schemeClr val="tx1"/>
+                </a:solidFill>
+                <a:latin typeface="+mn-lt"/>
+                <a:ea typeface="+mn-ea"/>
+                <a:cs typeface="+mn-cs"/>
+              </a:defRPr>
+            </a:lvl4pPr>
+            <a:lvl5pPr marL="1850390" indent="-205740" algn="l" defTabSz="822325" rtl="0" eaLnBrk="1" latinLnBrk="0" hangingPunct="1">
+              <a:lnSpc>
+                <a:spcPct val="90000"/>
+              </a:lnSpc>
+              <a:spcBef>
+                <a:spcPts val="450"/>
+              </a:spcBef>
+              <a:buFont typeface="Arial" pitchFamily="34" charset="0"/>
+              <a:buChar char="•"/>
+              <a:defRPr sz="1600" kern="1200">
+                <a:solidFill>
+                  <a:schemeClr val="tx1"/>
+                </a:solidFill>
+                <a:latin typeface="+mn-lt"/>
+                <a:ea typeface="+mn-ea"/>
+                <a:cs typeface="+mn-cs"/>
+              </a:defRPr>
+            </a:lvl5pPr>
+            <a:lvl6pPr marL="2261870" indent="-205740" algn="l" defTabSz="822325" rtl="0" eaLnBrk="1" latinLnBrk="0" hangingPunct="1">
+              <a:lnSpc>
+                <a:spcPct val="90000"/>
+              </a:lnSpc>
+              <a:spcBef>
+                <a:spcPts val="450"/>
+              </a:spcBef>
+              <a:buFont typeface="Arial" pitchFamily="34" charset="0"/>
+              <a:buChar char="•"/>
+              <a:defRPr sz="1600" kern="1200">
+                <a:solidFill>
+                  <a:schemeClr val="tx1"/>
+                </a:solidFill>
+                <a:latin typeface="+mn-lt"/>
+                <a:ea typeface="+mn-ea"/>
+                <a:cs typeface="+mn-cs"/>
+              </a:defRPr>
+            </a:lvl6pPr>
+            <a:lvl7pPr marL="2673350" indent="-205740" algn="l" defTabSz="822325" rtl="0" eaLnBrk="1" latinLnBrk="0" hangingPunct="1">
+              <a:lnSpc>
+                <a:spcPct val="90000"/>
+              </a:lnSpc>
+              <a:spcBef>
+                <a:spcPts val="450"/>
+              </a:spcBef>
+              <a:buFont typeface="Arial" pitchFamily="34" charset="0"/>
+              <a:buChar char="•"/>
+              <a:defRPr sz="1600" kern="1200">
+                <a:solidFill>
+                  <a:schemeClr val="tx1"/>
+                </a:solidFill>
+                <a:latin typeface="+mn-lt"/>
+                <a:ea typeface="+mn-ea"/>
+                <a:cs typeface="+mn-cs"/>
+              </a:defRPr>
+            </a:lvl7pPr>
+            <a:lvl8pPr marL="3084195" indent="-205740" algn="l" defTabSz="822325" rtl="0" eaLnBrk="1" latinLnBrk="0" hangingPunct="1">
+              <a:lnSpc>
+                <a:spcPct val="90000"/>
+              </a:lnSpc>
+              <a:spcBef>
+                <a:spcPts val="450"/>
+              </a:spcBef>
+              <a:buFont typeface="Arial" pitchFamily="34" charset="0"/>
+              <a:buChar char="•"/>
+              <a:defRPr sz="1600" kern="1200">
+                <a:solidFill>
+                  <a:schemeClr val="tx1"/>
+                </a:solidFill>
+                <a:latin typeface="+mn-lt"/>
+                <a:ea typeface="+mn-ea"/>
+                <a:cs typeface="+mn-cs"/>
+              </a:defRPr>
+            </a:lvl8pPr>
+            <a:lvl9pPr marL="3495675" indent="-205740" algn="l" defTabSz="822325" rtl="0" eaLnBrk="1" latinLnBrk="0" hangingPunct="1">
+              <a:lnSpc>
+                <a:spcPct val="90000"/>
+              </a:lnSpc>
+              <a:spcBef>
+                <a:spcPts val="450"/>
+              </a:spcBef>
+              <a:buFont typeface="Arial" pitchFamily="34" charset="0"/>
+              <a:buChar char="•"/>
+              <a:defRPr sz="1600" kern="1200">
+                <a:solidFill>
+                  <a:schemeClr val="tx1"/>
+                </a:solidFill>
+                <a:latin typeface="+mn-lt"/>
+                <a:ea typeface="+mn-ea"/>
+                <a:cs typeface="+mn-cs"/>
+              </a:defRPr>
+            </a:lvl9pPr>
+          </a:lstStyle>
+          <a:p>
+            <a:pPr marL="457189" indent="-457189">
+              <a:buFont typeface="+mj-lt"/>
+              <a:buAutoNum type="arabicPeriod" startAt="2"/>
+            </a:pPr>
+            <a:endParaRPr lang="en-US" altLang="zh-CN" sz="1900" dirty="0">
+              <a:solidFill>
+                <a:schemeClr val="tx1">
+                  <a:lumMod val="75000"/>
+                  <a:lumOff val="25000"/>
+                </a:schemeClr>
+              </a:solidFill>
+              <a:latin typeface="微软雅黑" panose="020B0503020204020204" pitchFamily="34" charset="-122"/>
+              <a:ea typeface="微软雅黑" panose="020B0503020204020204" pitchFamily="34" charset="-122"/>
+            </a:endParaRPr>
+          </a:p>
+        </p:txBody>
+      </p:sp>
+      <p:graphicFrame>
+        <p:nvGraphicFramePr>
+          <p:cNvPr id="2" name="表格 1"/>
+          <p:cNvGraphicFramePr>
+            <a:graphicFrameLocks noGrp="1"/>
+          </p:cNvGraphicFramePr>
+          <p:nvPr>
+            <p:extLst>
+              <p:ext uri="{D42A27DB-BD31-4B8C-83A1-F6EECF244321}">
+                <p14:modId xmlns:p14="http://schemas.microsoft.com/office/powerpoint/2010/main" val="2572845227"/>
+              </p:ext>
+            </p:extLst>
+          </p:nvPr>
+        </p:nvGraphicFramePr>
+        <p:xfrm>
+          <a:off x="455383" y="957943"/>
+          <a:ext cx="9842426" cy="938496"/>
+        </p:xfrm>
+        <a:graphic>
+          <a:graphicData uri="http://schemas.openxmlformats.org/drawingml/2006/table">
+            <a:tbl>
+              <a:tblPr firstRow="1" bandRow="1">
+                <a:tableStyleId>{72833802-FEF1-4C79-8D5D-14CF1EAF98D9}</a:tableStyleId>
+              </a:tblPr>
+              <a:tblGrid>
+                <a:gridCol w="680748">
+                  <a:extLst>
+                    <a:ext uri="{9D8B030D-6E8A-4147-A177-3AD203B41FA5}">
+                      <a16:colId xmlns:a16="http://schemas.microsoft.com/office/drawing/2014/main" val="20000"/>
+                    </a:ext>
+                  </a:extLst>
+                </a:gridCol>
+                <a:gridCol w="3138391">
+                  <a:extLst>
+                    <a:ext uri="{9D8B030D-6E8A-4147-A177-3AD203B41FA5}">
+                      <a16:colId xmlns:a16="http://schemas.microsoft.com/office/drawing/2014/main" val="20001"/>
+                    </a:ext>
+                  </a:extLst>
+                </a:gridCol>
+                <a:gridCol w="3340585">
+                  <a:extLst>
+                    <a:ext uri="{9D8B030D-6E8A-4147-A177-3AD203B41FA5}">
+                      <a16:colId xmlns:a16="http://schemas.microsoft.com/office/drawing/2014/main" val="20002"/>
+                    </a:ext>
+                  </a:extLst>
+                </a:gridCol>
+                <a:gridCol w="1373891">
+                  <a:extLst>
+                    <a:ext uri="{9D8B030D-6E8A-4147-A177-3AD203B41FA5}">
+                      <a16:colId xmlns:a16="http://schemas.microsoft.com/office/drawing/2014/main" val="20003"/>
+                    </a:ext>
+                  </a:extLst>
+                </a:gridCol>
+                <a:gridCol w="1308811">
+                  <a:extLst>
+                    <a:ext uri="{9D8B030D-6E8A-4147-A177-3AD203B41FA5}">
+                      <a16:colId xmlns:a16="http://schemas.microsoft.com/office/drawing/2014/main" val="20004"/>
+                    </a:ext>
+                  </a:extLst>
+                </a:gridCol>
+              </a:tblGrid>
+              <a:tr h="469248">
+                <a:tc>
+                  <a:txBody>
+                    <a:bodyPr/>
+                    <a:lstStyle/>
+                    <a:p>
+                      <a:pPr algn="ctr"/>
+                      <a:r>
+                        <a:rPr lang="zh-CN" altLang="en-US" dirty="0">
+                          <a:latin typeface="微软雅黑" panose="020B0503020204020204" pitchFamily="34" charset="-122"/>
+                          <a:ea typeface="微软雅黑" panose="020B0503020204020204" pitchFamily="34" charset="-122"/>
+                        </a:rPr>
+                        <a:t>编号</a:t>
+                      </a:r>
+                    </a:p>
+                  </a:txBody>
+                  <a:tcPr anchor="ctr">
+                    <a:lnL w="3175" cap="flat" cmpd="sng" algn="ctr">
+                      <a:solidFill>
+                        <a:srgbClr val="C00000"/>
+                      </a:solidFill>
+                      <a:prstDash val="solid"/>
+                      <a:round/>
+                      <a:headEnd type="none" w="med" len="med"/>
+                      <a:tailEnd type="none" w="med" len="med"/>
+                    </a:lnL>
+                    <a:lnR w="3175" cap="flat" cmpd="sng" algn="ctr">
+                      <a:solidFill>
+                        <a:srgbClr val="C00000"/>
+                      </a:solidFill>
+                      <a:prstDash val="solid"/>
+                      <a:round/>
+                      <a:headEnd type="none" w="med" len="med"/>
+                      <a:tailEnd type="none" w="med" len="med"/>
+                    </a:lnR>
+                    <a:lnT w="3175" cap="flat" cmpd="sng" algn="ctr">
+                      <a:solidFill>
+                        <a:srgbClr val="C00000"/>
+                      </a:solidFill>
+                      <a:prstDash val="solid"/>
+                      <a:round/>
+                      <a:headEnd type="none" w="med" len="med"/>
+                      <a:tailEnd type="none" w="med" len="med"/>
+                    </a:lnT>
+                    <a:lnB w="3175" cap="flat" cmpd="sng" algn="ctr">
+                      <a:solidFill>
+                        <a:srgbClr val="C00000"/>
+                      </a:solidFill>
+                      <a:prstDash val="solid"/>
+                      <a:round/>
+                      <a:headEnd type="none" w="med" len="med"/>
+                      <a:tailEnd type="none" w="med" len="med"/>
+                    </a:lnB>
+                    <a:solidFill>
+                      <a:srgbClr val="C00000"/>
+                    </a:solidFill>
+                  </a:tcPr>
+                </a:tc>
+                <a:tc>
+                  <a:txBody>
+                    <a:bodyPr/>
+                    <a:lstStyle/>
+                    <a:p>
+                      <a:pPr algn="ctr"/>
+                      <a:r>
+                        <a:rPr lang="zh-CN" altLang="en-US">
+                          <a:latin typeface="微软雅黑" panose="020B0503020204020204" pitchFamily="34" charset="-122"/>
+                          <a:ea typeface="微软雅黑" panose="020B0503020204020204" pitchFamily="34" charset="-122"/>
+                        </a:rPr>
+                        <a:t>需求名称</a:t>
+                      </a:r>
+                      <a:endParaRPr lang="zh-CN" altLang="en-US" dirty="0">
+                        <a:latin typeface="微软雅黑" panose="020B0503020204020204" pitchFamily="34" charset="-122"/>
+                        <a:ea typeface="微软雅黑" panose="020B0503020204020204" pitchFamily="34" charset="-122"/>
+                      </a:endParaRPr>
+                    </a:p>
+                  </a:txBody>
+                  <a:tcPr anchor="ctr">
+                    <a:lnL w="3175" cap="flat" cmpd="sng" algn="ctr">
+                      <a:solidFill>
+                        <a:srgbClr val="C00000"/>
+                      </a:solidFill>
+                      <a:prstDash val="solid"/>
+                      <a:round/>
+                      <a:headEnd type="none" w="med" len="med"/>
+                      <a:tailEnd type="none" w="med" len="med"/>
+                    </a:lnL>
+                    <a:lnR w="3175" cap="flat" cmpd="sng" algn="ctr">
+                      <a:solidFill>
+                        <a:srgbClr val="C00000"/>
+                      </a:solidFill>
+                      <a:prstDash val="solid"/>
+                      <a:round/>
+                      <a:headEnd type="none" w="med" len="med"/>
+                      <a:tailEnd type="none" w="med" len="med"/>
+                    </a:lnR>
+                    <a:lnT w="3175" cap="flat" cmpd="sng" algn="ctr">
+                      <a:solidFill>
+                        <a:srgbClr val="C00000"/>
+                      </a:solidFill>
+                      <a:prstDash val="solid"/>
+                      <a:round/>
+                      <a:headEnd type="none" w="med" len="med"/>
+                      <a:tailEnd type="none" w="med" len="med"/>
+                    </a:lnT>
+                    <a:lnB w="3175" cap="flat" cmpd="sng" algn="ctr">
+                      <a:solidFill>
+                        <a:srgbClr val="C00000"/>
+                      </a:solidFill>
+                      <a:prstDash val="solid"/>
+                      <a:round/>
+                      <a:headEnd type="none" w="med" len="med"/>
+                      <a:tailEnd type="none" w="med" len="med"/>
+                    </a:lnB>
+                    <a:solidFill>
+                      <a:srgbClr val="C00000"/>
+                    </a:solidFill>
+                  </a:tcPr>
+                </a:tc>
+                <a:tc>
+                  <a:txBody>
+                    <a:bodyPr/>
+                    <a:lstStyle/>
+                    <a:p>
+                      <a:pPr algn="ctr"/>
+                      <a:r>
+                        <a:rPr lang="zh-CN" altLang="en-US">
+                          <a:latin typeface="微软雅黑" panose="020B0503020204020204" pitchFamily="34" charset="-122"/>
+                          <a:ea typeface="微软雅黑" panose="020B0503020204020204" pitchFamily="34" charset="-122"/>
+                        </a:rPr>
+                        <a:t>描述</a:t>
+                      </a:r>
+                      <a:endParaRPr lang="zh-CN" altLang="en-US" dirty="0">
+                        <a:latin typeface="微软雅黑" panose="020B0503020204020204" pitchFamily="34" charset="-122"/>
+                        <a:ea typeface="微软雅黑" panose="020B0503020204020204" pitchFamily="34" charset="-122"/>
+                      </a:endParaRPr>
+                    </a:p>
+                  </a:txBody>
+                  <a:tcPr anchor="ctr">
+                    <a:lnL w="3175" cap="flat" cmpd="sng" algn="ctr">
+                      <a:solidFill>
+                        <a:srgbClr val="C00000"/>
+                      </a:solidFill>
+                      <a:prstDash val="solid"/>
+                      <a:round/>
+                      <a:headEnd type="none" w="med" len="med"/>
+                      <a:tailEnd type="none" w="med" len="med"/>
+                    </a:lnL>
+                    <a:lnR w="3175" cap="flat" cmpd="sng" algn="ctr">
+                      <a:solidFill>
+                        <a:srgbClr val="C00000"/>
+                      </a:solidFill>
+                      <a:prstDash val="solid"/>
+                      <a:round/>
+                      <a:headEnd type="none" w="med" len="med"/>
+                      <a:tailEnd type="none" w="med" len="med"/>
+                    </a:lnR>
+                    <a:lnT w="3175" cap="flat" cmpd="sng" algn="ctr">
+                      <a:solidFill>
+                        <a:srgbClr val="C00000"/>
+                      </a:solidFill>
+                      <a:prstDash val="solid"/>
+                      <a:round/>
+                      <a:headEnd type="none" w="med" len="med"/>
+                      <a:tailEnd type="none" w="med" len="med"/>
+                    </a:lnT>
+                    <a:lnB w="3175" cap="flat" cmpd="sng" algn="ctr">
+                      <a:solidFill>
+                        <a:srgbClr val="C00000"/>
+                      </a:solidFill>
+                      <a:prstDash val="solid"/>
+                      <a:round/>
+                      <a:headEnd type="none" w="med" len="med"/>
+                      <a:tailEnd type="none" w="med" len="med"/>
+                    </a:lnB>
+                    <a:solidFill>
+                      <a:srgbClr val="C00000"/>
+                    </a:solidFill>
+                  </a:tcPr>
+                </a:tc>
+                <a:tc>
+                  <a:txBody>
+                    <a:bodyPr/>
+                    <a:lstStyle/>
+                    <a:p>
+                      <a:pPr algn="ctr"/>
+                      <a:r>
+                        <a:rPr lang="zh-CN" altLang="en-US">
+                          <a:latin typeface="微软雅黑" panose="020B0503020204020204" pitchFamily="34" charset="-122"/>
+                          <a:ea typeface="微软雅黑" panose="020B0503020204020204" pitchFamily="34" charset="-122"/>
+                        </a:rPr>
+                        <a:t>优先级</a:t>
+                      </a:r>
+                      <a:endParaRPr lang="zh-CN" altLang="en-US" dirty="0">
+                        <a:latin typeface="微软雅黑" panose="020B0503020204020204" pitchFamily="34" charset="-122"/>
+                        <a:ea typeface="微软雅黑" panose="020B0503020204020204" pitchFamily="34" charset="-122"/>
+                      </a:endParaRPr>
+                    </a:p>
+                  </a:txBody>
+                  <a:tcPr anchor="ctr">
+                    <a:lnL w="3175" cap="flat" cmpd="sng" algn="ctr">
+                      <a:solidFill>
+                        <a:srgbClr val="C00000"/>
+                      </a:solidFill>
+                      <a:prstDash val="solid"/>
+                      <a:round/>
+                      <a:headEnd type="none" w="med" len="med"/>
+                      <a:tailEnd type="none" w="med" len="med"/>
+                    </a:lnL>
+                    <a:lnR w="3175" cap="flat" cmpd="sng" algn="ctr">
+                      <a:solidFill>
+                        <a:srgbClr val="C00000"/>
+                      </a:solidFill>
+                      <a:prstDash val="solid"/>
+                      <a:round/>
+                      <a:headEnd type="none" w="med" len="med"/>
+                      <a:tailEnd type="none" w="med" len="med"/>
+                    </a:lnR>
+                    <a:lnT w="3175" cap="flat" cmpd="sng" algn="ctr">
+                      <a:solidFill>
+                        <a:srgbClr val="C00000"/>
+                      </a:solidFill>
+                      <a:prstDash val="solid"/>
+                      <a:round/>
+                      <a:headEnd type="none" w="med" len="med"/>
+                      <a:tailEnd type="none" w="med" len="med"/>
+                    </a:lnT>
+                    <a:lnB w="3175" cap="flat" cmpd="sng" algn="ctr">
+                      <a:solidFill>
+                        <a:srgbClr val="C00000"/>
+                      </a:solidFill>
+                      <a:prstDash val="solid"/>
+                      <a:round/>
+                      <a:headEnd type="none" w="med" len="med"/>
+                      <a:tailEnd type="none" w="med" len="med"/>
+                    </a:lnB>
+                    <a:solidFill>
+                      <a:srgbClr val="C00000"/>
+                    </a:solidFill>
+                  </a:tcPr>
+                </a:tc>
+                <a:tc>
+                  <a:txBody>
+                    <a:bodyPr/>
+                    <a:lstStyle/>
+                    <a:p>
+                      <a:pPr algn="ctr"/>
+                      <a:r>
+                        <a:rPr lang="zh-CN" altLang="en-US">
+                          <a:latin typeface="微软雅黑" panose="020B0503020204020204" pitchFamily="34" charset="-122"/>
+                          <a:ea typeface="微软雅黑" panose="020B0503020204020204" pitchFamily="34" charset="-122"/>
+                        </a:rPr>
+                        <a:t>预期版本</a:t>
+                      </a:r>
+                      <a:endParaRPr lang="zh-CN" altLang="en-US" dirty="0">
+                        <a:latin typeface="微软雅黑" panose="020B0503020204020204" pitchFamily="34" charset="-122"/>
+                        <a:ea typeface="微软雅黑" panose="020B0503020204020204" pitchFamily="34" charset="-122"/>
+                      </a:endParaRPr>
+                    </a:p>
+                  </a:txBody>
+                  <a:tcPr anchor="ctr">
+                    <a:lnL w="3175" cap="flat" cmpd="sng" algn="ctr">
+                      <a:solidFill>
+                        <a:srgbClr val="C00000"/>
+                      </a:solidFill>
+                      <a:prstDash val="solid"/>
+                      <a:round/>
+                      <a:headEnd type="none" w="med" len="med"/>
+                      <a:tailEnd type="none" w="med" len="med"/>
+                    </a:lnL>
+                    <a:lnR w="3175" cap="flat" cmpd="sng" algn="ctr">
+                      <a:solidFill>
+                        <a:srgbClr val="C00000"/>
+                      </a:solidFill>
+                      <a:prstDash val="solid"/>
+                      <a:round/>
+                      <a:headEnd type="none" w="med" len="med"/>
+                      <a:tailEnd type="none" w="med" len="med"/>
+                    </a:lnR>
+                    <a:lnT w="3175" cap="flat" cmpd="sng" algn="ctr">
+                      <a:solidFill>
+                        <a:srgbClr val="C00000"/>
+                      </a:solidFill>
+                      <a:prstDash val="solid"/>
+                      <a:round/>
+                      <a:headEnd type="none" w="med" len="med"/>
+                      <a:tailEnd type="none" w="med" len="med"/>
+                    </a:lnT>
+                    <a:lnB w="3175" cap="flat" cmpd="sng" algn="ctr">
+                      <a:solidFill>
+                        <a:srgbClr val="C00000"/>
+                      </a:solidFill>
+                      <a:prstDash val="solid"/>
+                      <a:round/>
+                      <a:headEnd type="none" w="med" len="med"/>
+                      <a:tailEnd type="none" w="med" len="med"/>
+                    </a:lnB>
+                    <a:solidFill>
+                      <a:srgbClr val="C00000"/>
+                    </a:solidFill>
+                  </a:tcPr>
+                </a:tc>
+                <a:extLst>
+                  <a:ext uri="{0D108BD9-81ED-4DB2-BD59-A6C34878D82A}">
+                    <a16:rowId xmlns:a16="http://schemas.microsoft.com/office/drawing/2014/main" val="10000"/>
+                  </a:ext>
+                </a:extLst>
+              </a:tr>
+              <a:tr h="469248">
+                <a:tc>
+                  <a:txBody>
+                    <a:bodyPr/>
+                    <a:lstStyle/>
+                    <a:p>
+                      <a:pPr algn="ctr"/>
+                      <a:r>
+                        <a:rPr lang="en-US" altLang="zh-CN" sz="1100" dirty="0">
+                          <a:solidFill>
+                            <a:schemeClr val="tx1">
+                              <a:lumMod val="75000"/>
+                              <a:lumOff val="25000"/>
+                            </a:schemeClr>
+                          </a:solidFill>
+                          <a:latin typeface="微软雅黑" panose="020B0503020204020204" pitchFamily="34" charset="-122"/>
+                          <a:ea typeface="微软雅黑" panose="020B0503020204020204" pitchFamily="34" charset="-122"/>
+                        </a:rPr>
+                        <a:t>1</a:t>
+                      </a:r>
+                      <a:endParaRPr lang="zh-CN" altLang="en-US" sz="1100" dirty="0">
+                        <a:solidFill>
+                          <a:schemeClr val="tx1">
+                            <a:lumMod val="75000"/>
+                            <a:lumOff val="25000"/>
+                          </a:schemeClr>
+                        </a:solidFill>
+                        <a:latin typeface="微软雅黑" panose="020B0503020204020204" pitchFamily="34" charset="-122"/>
+                        <a:ea typeface="微软雅黑" panose="020B0503020204020204" pitchFamily="34" charset="-122"/>
+                      </a:endParaRPr>
+                    </a:p>
+                  </a:txBody>
+                  <a:tcPr anchor="ctr">
+                    <a:lnL w="3175" cap="flat" cmpd="sng" algn="ctr">
+                      <a:solidFill>
+                        <a:srgbClr val="C00000"/>
+                      </a:solidFill>
+                      <a:prstDash val="solid"/>
+                      <a:round/>
+                      <a:headEnd type="none" w="med" len="med"/>
+                      <a:tailEnd type="none" w="med" len="med"/>
+                    </a:lnL>
+                    <a:lnR w="3175" cap="flat" cmpd="sng" algn="ctr">
+                      <a:solidFill>
+                        <a:srgbClr val="C00000"/>
+                      </a:solidFill>
+                      <a:prstDash val="solid"/>
+                      <a:round/>
+                      <a:headEnd type="none" w="med" len="med"/>
+                      <a:tailEnd type="none" w="med" len="med"/>
+                    </a:lnR>
+                    <a:lnT w="3175" cap="flat" cmpd="sng" algn="ctr">
+                      <a:solidFill>
+                        <a:srgbClr val="C00000"/>
+                      </a:solidFill>
+                      <a:prstDash val="solid"/>
+                      <a:round/>
+                      <a:headEnd type="none" w="med" len="med"/>
+                      <a:tailEnd type="none" w="med" len="med"/>
+                    </a:lnT>
+                    <a:lnB w="3175" cap="flat" cmpd="sng" algn="ctr">
+                      <a:solidFill>
+                        <a:srgbClr val="C00000"/>
+                      </a:solidFill>
+                      <a:prstDash val="solid"/>
+                      <a:round/>
+                      <a:headEnd type="none" w="med" len="med"/>
+                      <a:tailEnd type="none" w="med" len="med"/>
+                    </a:lnB>
+                    <a:solidFill>
+                      <a:schemeClr val="accent2">
+                        <a:lumMod val="40000"/>
+                        <a:lumOff val="60000"/>
+                      </a:schemeClr>
+                    </a:solidFill>
+                  </a:tcPr>
+                </a:tc>
+                <a:tc>
+                  <a:txBody>
+                    <a:bodyPr/>
+                    <a:lstStyle/>
+                    <a:p>
+                      <a:pPr algn="ctr"/>
+                      <a:r>
+                        <a:rPr lang="zh-CN" altLang="en-US" sz="1100" dirty="0">
+                          <a:solidFill>
+                            <a:schemeClr val="tx1">
+                              <a:lumMod val="75000"/>
+                              <a:lumOff val="25000"/>
+                            </a:schemeClr>
+                          </a:solidFill>
+                          <a:latin typeface="微软雅黑" panose="020B0503020204020204" pitchFamily="34" charset="-122"/>
+                          <a:ea typeface="微软雅黑" panose="020B0503020204020204" pitchFamily="34" charset="-122"/>
+                        </a:rPr>
+                        <a:t>可视化改版</a:t>
+                      </a:r>
+                    </a:p>
+                  </a:txBody>
+                  <a:tcPr marL="118866" marR="118866" marT="59432" marB="59432" anchor="ctr">
+                    <a:lnL w="3175" cap="flat" cmpd="sng" algn="ctr">
+                      <a:solidFill>
+                        <a:srgbClr val="C00000"/>
+                      </a:solidFill>
+                      <a:prstDash val="solid"/>
+                      <a:round/>
+                      <a:headEnd type="none" w="med" len="med"/>
+                      <a:tailEnd type="none" w="med" len="med"/>
+                    </a:lnL>
+                    <a:lnR w="3175" cap="flat" cmpd="sng" algn="ctr">
+                      <a:solidFill>
+                        <a:srgbClr val="C00000"/>
+                      </a:solidFill>
+                      <a:prstDash val="solid"/>
+                      <a:round/>
+                      <a:headEnd type="none" w="med" len="med"/>
+                      <a:tailEnd type="none" w="med" len="med"/>
+                    </a:lnR>
+                    <a:lnT w="3175" cap="flat" cmpd="sng" algn="ctr">
+                      <a:solidFill>
+                        <a:srgbClr val="C00000"/>
+                      </a:solidFill>
+                      <a:prstDash val="solid"/>
+                      <a:round/>
+                      <a:headEnd type="none" w="med" len="med"/>
+                      <a:tailEnd type="none" w="med" len="med"/>
+                    </a:lnT>
+                    <a:lnB w="3175" cap="flat" cmpd="sng" algn="ctr">
+                      <a:solidFill>
+                        <a:srgbClr val="C00000"/>
+                      </a:solidFill>
+                      <a:prstDash val="solid"/>
+                      <a:round/>
+                      <a:headEnd type="none" w="med" len="med"/>
+                      <a:tailEnd type="none" w="med" len="med"/>
+                    </a:lnB>
+                    <a:solidFill>
+                      <a:schemeClr val="accent2">
+                        <a:lumMod val="40000"/>
+                        <a:lumOff val="60000"/>
+                      </a:schemeClr>
+                    </a:solidFill>
+                  </a:tcPr>
+                </a:tc>
+                <a:tc>
+                  <a:txBody>
+                    <a:bodyPr/>
+                    <a:lstStyle/>
+                    <a:p>
+                      <a:pPr marL="0" marR="0" indent="0" algn="l" defTabSz="822325" rtl="0" eaLnBrk="1" fontAlgn="auto" latinLnBrk="0" hangingPunct="1">
+                        <a:lnSpc>
+                          <a:spcPct val="100000"/>
+                        </a:lnSpc>
+                        <a:spcBef>
+                          <a:spcPts val="0"/>
+                        </a:spcBef>
+                        <a:spcAft>
+                          <a:spcPts val="0"/>
+                        </a:spcAft>
+                        <a:buClrTx/>
+                        <a:buSzTx/>
+                        <a:buFontTx/>
+                        <a:buNone/>
+                        <a:tabLst/>
+                        <a:defRPr/>
+                      </a:pPr>
+                      <a:r>
+                        <a:rPr lang="zh-CN" altLang="en-US" sz="1100" dirty="0">
+                          <a:solidFill>
+                            <a:schemeClr val="tx1">
+                              <a:lumMod val="75000"/>
+                              <a:lumOff val="25000"/>
+                            </a:schemeClr>
+                          </a:solidFill>
+                          <a:latin typeface="微软雅黑" panose="020B0503020204020204" pitchFamily="34" charset="-122"/>
+                          <a:ea typeface="微软雅黑" panose="020B0503020204020204" pitchFamily="34" charset="-122"/>
+                        </a:rPr>
+                        <a:t>一期已上线，二期进行中，主要内容包括商品组和广告组。</a:t>
+                      </a:r>
+                    </a:p>
+                  </a:txBody>
+                  <a:tcPr marL="118866" marR="118866" marT="59432" marB="59432" anchor="ctr">
+                    <a:lnL w="3175" cap="flat" cmpd="sng" algn="ctr">
+                      <a:solidFill>
+                        <a:srgbClr val="C00000"/>
+                      </a:solidFill>
+                      <a:prstDash val="solid"/>
+                      <a:round/>
+                      <a:headEnd type="none" w="med" len="med"/>
+                      <a:tailEnd type="none" w="med" len="med"/>
+                    </a:lnL>
+                    <a:lnR w="3175" cap="flat" cmpd="sng" algn="ctr">
+                      <a:solidFill>
+                        <a:srgbClr val="C00000"/>
+                      </a:solidFill>
+                      <a:prstDash val="solid"/>
+                      <a:round/>
+                      <a:headEnd type="none" w="med" len="med"/>
+                      <a:tailEnd type="none" w="med" len="med"/>
+                    </a:lnR>
+                    <a:lnT w="3175" cap="flat" cmpd="sng" algn="ctr">
+                      <a:solidFill>
+                        <a:srgbClr val="C00000"/>
+                      </a:solidFill>
+                      <a:prstDash val="solid"/>
+                      <a:round/>
+                      <a:headEnd type="none" w="med" len="med"/>
+                      <a:tailEnd type="none" w="med" len="med"/>
+                    </a:lnT>
+                    <a:lnB w="3175" cap="flat" cmpd="sng" algn="ctr">
+                      <a:solidFill>
+                        <a:srgbClr val="C00000"/>
+                      </a:solidFill>
+                      <a:prstDash val="solid"/>
+                      <a:round/>
+                      <a:headEnd type="none" w="med" len="med"/>
+                      <a:tailEnd type="none" w="med" len="med"/>
+                    </a:lnB>
+                    <a:solidFill>
+                      <a:schemeClr val="accent2">
+                        <a:lumMod val="40000"/>
+                        <a:lumOff val="60000"/>
+                      </a:schemeClr>
+                    </a:solidFill>
+                  </a:tcPr>
+                </a:tc>
+                <a:tc>
+                  <a:txBody>
+                    <a:bodyPr/>
+                    <a:lstStyle/>
+                    <a:p>
+                      <a:pPr algn="ctr"/>
+                      <a:r>
+                        <a:rPr lang="en-US" altLang="zh-CN" sz="1100" dirty="0">
+                          <a:solidFill>
+                            <a:schemeClr val="tx1">
+                              <a:lumMod val="75000"/>
+                              <a:lumOff val="25000"/>
+                            </a:schemeClr>
+                          </a:solidFill>
+                          <a:latin typeface="微软雅黑" panose="020B0503020204020204" pitchFamily="34" charset="-122"/>
+                          <a:ea typeface="微软雅黑" panose="020B0503020204020204" pitchFamily="34" charset="-122"/>
+                        </a:rPr>
+                        <a:t>P0</a:t>
+                      </a:r>
+                      <a:endParaRPr lang="zh-CN" altLang="en-US" sz="1100" dirty="0">
+                        <a:solidFill>
+                          <a:schemeClr val="tx1">
+                            <a:lumMod val="75000"/>
+                            <a:lumOff val="25000"/>
+                          </a:schemeClr>
+                        </a:solidFill>
+                        <a:latin typeface="微软雅黑" panose="020B0503020204020204" pitchFamily="34" charset="-122"/>
+                        <a:ea typeface="微软雅黑" panose="020B0503020204020204" pitchFamily="34" charset="-122"/>
+                      </a:endParaRPr>
+                    </a:p>
+                  </a:txBody>
+                  <a:tcPr marL="118866" marR="118866" marT="59432" marB="59432" anchor="ctr">
+                    <a:lnL w="3175" cap="flat" cmpd="sng" algn="ctr">
+                      <a:solidFill>
+                        <a:srgbClr val="C00000"/>
+                      </a:solidFill>
+                      <a:prstDash val="solid"/>
+                      <a:round/>
+                      <a:headEnd type="none" w="med" len="med"/>
+                      <a:tailEnd type="none" w="med" len="med"/>
+                    </a:lnL>
+                    <a:lnR w="3175" cap="flat" cmpd="sng" algn="ctr">
+                      <a:solidFill>
+                        <a:srgbClr val="C00000"/>
+                      </a:solidFill>
+                      <a:prstDash val="solid"/>
+                      <a:round/>
+                      <a:headEnd type="none" w="med" len="med"/>
+                      <a:tailEnd type="none" w="med" len="med"/>
+                    </a:lnR>
+                    <a:lnT w="3175" cap="flat" cmpd="sng" algn="ctr">
+                      <a:solidFill>
+                        <a:srgbClr val="C00000"/>
+                      </a:solidFill>
+                      <a:prstDash val="solid"/>
+                      <a:round/>
+                      <a:headEnd type="none" w="med" len="med"/>
+                      <a:tailEnd type="none" w="med" len="med"/>
+                    </a:lnT>
+                    <a:lnB w="3175" cap="flat" cmpd="sng" algn="ctr">
+                      <a:solidFill>
+                        <a:srgbClr val="C00000"/>
+                      </a:solidFill>
+                      <a:prstDash val="solid"/>
+                      <a:round/>
+                      <a:headEnd type="none" w="med" len="med"/>
+                      <a:tailEnd type="none" w="med" len="med"/>
+                    </a:lnB>
+                    <a:solidFill>
+                      <a:schemeClr val="accent2">
+                        <a:lumMod val="40000"/>
+                        <a:lumOff val="60000"/>
+                      </a:schemeClr>
+                    </a:solidFill>
+                  </a:tcPr>
+                </a:tc>
+                <a:tc>
+                  <a:txBody>
+                    <a:bodyPr/>
+                    <a:lstStyle/>
+                    <a:p>
+                      <a:pPr algn="ctr"/>
+                      <a:r>
+                        <a:rPr lang="en-US" altLang="zh-CN" sz="1100" dirty="0">
+                          <a:solidFill>
+                            <a:schemeClr val="tx1">
+                              <a:lumMod val="75000"/>
+                              <a:lumOff val="25000"/>
+                            </a:schemeClr>
+                          </a:solidFill>
+                          <a:latin typeface="微软雅黑" panose="020B0503020204020204" pitchFamily="34" charset="-122"/>
+                          <a:ea typeface="微软雅黑" panose="020B0503020204020204" pitchFamily="34" charset="-122"/>
+                        </a:rPr>
+                        <a:t>8</a:t>
+                      </a:r>
+                      <a:r>
+                        <a:rPr lang="zh-CN" altLang="en-US" sz="1100" dirty="0">
+                          <a:solidFill>
+                            <a:schemeClr val="tx1">
+                              <a:lumMod val="75000"/>
+                              <a:lumOff val="25000"/>
+                            </a:schemeClr>
+                          </a:solidFill>
+                          <a:latin typeface="微软雅黑" panose="020B0503020204020204" pitchFamily="34" charset="-122"/>
+                          <a:ea typeface="微软雅黑" panose="020B0503020204020204" pitchFamily="34" charset="-122"/>
+                        </a:rPr>
+                        <a:t>月中</a:t>
+                      </a:r>
+                    </a:p>
+                  </a:txBody>
+                  <a:tcPr marL="118866" marR="118866" marT="59432" marB="59432" anchor="ctr">
+                    <a:lnL w="3175" cap="flat" cmpd="sng" algn="ctr">
+                      <a:solidFill>
+                        <a:srgbClr val="C00000"/>
+                      </a:solidFill>
+                      <a:prstDash val="solid"/>
+                      <a:round/>
+                      <a:headEnd type="none" w="med" len="med"/>
+                      <a:tailEnd type="none" w="med" len="med"/>
+                    </a:lnL>
+                    <a:lnR w="3175" cap="flat" cmpd="sng" algn="ctr">
+                      <a:solidFill>
+                        <a:srgbClr val="C00000"/>
+                      </a:solidFill>
+                      <a:prstDash val="solid"/>
+                      <a:round/>
+                      <a:headEnd type="none" w="med" len="med"/>
+                      <a:tailEnd type="none" w="med" len="med"/>
+                    </a:lnR>
+                    <a:lnT w="3175" cap="flat" cmpd="sng" algn="ctr">
+                      <a:solidFill>
+                        <a:srgbClr val="C00000"/>
+                      </a:solidFill>
+                      <a:prstDash val="solid"/>
+                      <a:round/>
+                      <a:headEnd type="none" w="med" len="med"/>
+                      <a:tailEnd type="none" w="med" len="med"/>
+                    </a:lnT>
+                    <a:lnB w="3175" cap="flat" cmpd="sng" algn="ctr">
+                      <a:solidFill>
+                        <a:srgbClr val="C00000"/>
+                      </a:solidFill>
+                      <a:prstDash val="solid"/>
+                      <a:round/>
+                      <a:headEnd type="none" w="med" len="med"/>
+                      <a:tailEnd type="none" w="med" len="med"/>
+                    </a:lnB>
+                    <a:solidFill>
+                      <a:schemeClr val="accent2">
+                        <a:lumMod val="40000"/>
+                        <a:lumOff val="60000"/>
+                      </a:schemeClr>
+                    </a:solidFill>
+                  </a:tcPr>
+                </a:tc>
+                <a:extLst>
+                  <a:ext uri="{0D108BD9-81ED-4DB2-BD59-A6C34878D82A}">
+                    <a16:rowId xmlns:a16="http://schemas.microsoft.com/office/drawing/2014/main" val="10001"/>
+                  </a:ext>
+                </a:extLst>
+              </a:tr>
+            </a:tbl>
+          </a:graphicData>
+        </a:graphic>
+      </p:graphicFrame>
+    </p:spTree>
+    <p:extLst>
+      <p:ext uri="{BB962C8B-B14F-4D97-AF65-F5344CB8AC3E}">
+        <p14:creationId xmlns:p14="http://schemas.microsoft.com/office/powerpoint/2010/main" val="43910676"/>
+      </p:ext>
+    </p:extLst>
+  </p:cSld>
+  <p:clrMapOvr>
+    <a:masterClrMapping/>
+  </p:clrMapOvr>
+</p:sld>
+</file>
+
+<file path=ppt/slides/slide12.xml><?xml version="1.0" encoding="utf-8"?>
+<p:sld xmlns:a="http://schemas.openxmlformats.org/drawingml/2006/main" xmlns:r="http://schemas.openxmlformats.org/officeDocument/2006/relationships" xmlns:p="http://schemas.openxmlformats.org/presentationml/2006/main">
+  <p:cSld>
+    <p:spTree>
+      <p:nvGrpSpPr>
+        <p:cNvPr id="1" name=""/>
+        <p:cNvGrpSpPr/>
+        <p:nvPr/>
+      </p:nvGrpSpPr>
+      <p:grpSpPr>
+        <a:xfrm>
+          <a:off x="0" y="0"/>
+          <a:ext cx="0" cy="0"/>
+          <a:chOff x="0" y="0"/>
+          <a:chExt cx="0" cy="0"/>
+        </a:xfrm>
+      </p:grpSpPr>
+      <p:sp>
+        <p:nvSpPr>
+          <p:cNvPr id="5" name="文本占位符 1"/>
+          <p:cNvSpPr>
+            <a:spLocks noGrp="1"/>
+          </p:cNvSpPr>
+          <p:nvPr/>
+        </p:nvSpPr>
+        <p:spPr>
+          <a:xfrm>
+            <a:off x="4245613" y="2840368"/>
+            <a:ext cx="5680477" cy="1281904"/>
+          </a:xfrm>
+          <a:prstGeom prst="rect">
+            <a:avLst/>
+          </a:prstGeom>
+        </p:spPr>
+        <p:txBody>
+          <a:bodyPr vert="horz" lIns="82248" tIns="41124" rIns="82248" bIns="41124" rtlCol="0" anchor="ctr">
+            <a:noAutofit/>
+          </a:bodyPr>
+          <a:lstStyle>
+            <a:lvl1pPr marL="0" indent="0" algn="l" defTabSz="822325" rtl="0" eaLnBrk="1" latinLnBrk="0" hangingPunct="1">
+              <a:lnSpc>
+                <a:spcPct val="90000"/>
+              </a:lnSpc>
+              <a:spcBef>
+                <a:spcPts val="900"/>
+              </a:spcBef>
+              <a:buFontTx/>
+              <a:buNone/>
+              <a:defRPr sz="3000" b="1" kern="1200">
+                <a:solidFill>
+                  <a:srgbClr val="C00000"/>
+                </a:solidFill>
+                <a:latin typeface="微软雅黑" panose="020B0503020204020204" charset="-122"/>
+                <a:ea typeface="微软雅黑" panose="020B0503020204020204" charset="-122"/>
+                <a:cs typeface="微软雅黑" panose="020B0503020204020204" charset="-122"/>
+              </a:defRPr>
+            </a:lvl1pPr>
+            <a:lvl2pPr marL="616585" indent="-205740" algn="l" defTabSz="822325" rtl="0" eaLnBrk="1" latinLnBrk="0" hangingPunct="1">
+              <a:lnSpc>
+                <a:spcPct val="90000"/>
+              </a:lnSpc>
+              <a:spcBef>
+                <a:spcPts val="450"/>
+              </a:spcBef>
+              <a:buFont typeface="Arial" pitchFamily="34" charset="0"/>
+              <a:buChar char="•"/>
+              <a:defRPr sz="2200" kern="1200">
+                <a:solidFill>
+                  <a:schemeClr val="tx1"/>
+                </a:solidFill>
+                <a:latin typeface="+mn-lt"/>
+                <a:ea typeface="+mn-ea"/>
+                <a:cs typeface="+mn-cs"/>
+              </a:defRPr>
+            </a:lvl2pPr>
+            <a:lvl3pPr marL="1028065" indent="-205740" algn="l" defTabSz="822325" rtl="0" eaLnBrk="1" latinLnBrk="0" hangingPunct="1">
+              <a:lnSpc>
+                <a:spcPct val="90000"/>
+              </a:lnSpc>
+              <a:spcBef>
+                <a:spcPts val="450"/>
+              </a:spcBef>
+              <a:buFont typeface="Arial" pitchFamily="34" charset="0"/>
+              <a:buChar char="•"/>
+              <a:defRPr sz="1800" kern="1200">
+                <a:solidFill>
+                  <a:schemeClr val="tx1"/>
+                </a:solidFill>
+                <a:latin typeface="+mn-lt"/>
+                <a:ea typeface="+mn-ea"/>
+                <a:cs typeface="+mn-cs"/>
+              </a:defRPr>
+            </a:lvl3pPr>
+            <a:lvl4pPr marL="1439545" indent="-205740" algn="l" defTabSz="822325" rtl="0" eaLnBrk="1" latinLnBrk="0" hangingPunct="1">
+              <a:lnSpc>
+                <a:spcPct val="90000"/>
+              </a:lnSpc>
+              <a:spcBef>
+                <a:spcPts val="450"/>
+              </a:spcBef>
+              <a:buFont typeface="Arial" pitchFamily="34" charset="0"/>
+              <a:buChar char="•"/>
+              <a:defRPr sz="1600" kern="1200">
+                <a:solidFill>
+                  <a:schemeClr val="tx1"/>
+                </a:solidFill>
+                <a:latin typeface="+mn-lt"/>
+                <a:ea typeface="+mn-ea"/>
+                <a:cs typeface="+mn-cs"/>
+              </a:defRPr>
+            </a:lvl4pPr>
+            <a:lvl5pPr marL="1850390" indent="-205740" algn="l" defTabSz="822325" rtl="0" eaLnBrk="1" latinLnBrk="0" hangingPunct="1">
+              <a:lnSpc>
+                <a:spcPct val="90000"/>
+              </a:lnSpc>
+              <a:spcBef>
+                <a:spcPts val="450"/>
+              </a:spcBef>
+              <a:buFont typeface="Arial" pitchFamily="34" charset="0"/>
+              <a:buChar char="•"/>
+              <a:defRPr sz="1600" kern="1200">
+                <a:solidFill>
+                  <a:schemeClr val="tx1"/>
+                </a:solidFill>
+                <a:latin typeface="+mn-lt"/>
+                <a:ea typeface="+mn-ea"/>
+                <a:cs typeface="+mn-cs"/>
+              </a:defRPr>
+            </a:lvl5pPr>
+            <a:lvl6pPr marL="2261870" indent="-205740" algn="l" defTabSz="822325" rtl="0" eaLnBrk="1" latinLnBrk="0" hangingPunct="1">
+              <a:lnSpc>
+                <a:spcPct val="90000"/>
+              </a:lnSpc>
+              <a:spcBef>
+                <a:spcPts val="450"/>
+              </a:spcBef>
+              <a:buFont typeface="Arial" pitchFamily="34" charset="0"/>
+              <a:buChar char="•"/>
+              <a:defRPr sz="1600" kern="1200">
+                <a:solidFill>
+                  <a:schemeClr val="tx1"/>
+                </a:solidFill>
+                <a:latin typeface="+mn-lt"/>
+                <a:ea typeface="+mn-ea"/>
+                <a:cs typeface="+mn-cs"/>
+              </a:defRPr>
+            </a:lvl6pPr>
+            <a:lvl7pPr marL="2673350" indent="-205740" algn="l" defTabSz="822325" rtl="0" eaLnBrk="1" latinLnBrk="0" hangingPunct="1">
+              <a:lnSpc>
+                <a:spcPct val="90000"/>
+              </a:lnSpc>
+              <a:spcBef>
+                <a:spcPts val="450"/>
+              </a:spcBef>
+              <a:buFont typeface="Arial" pitchFamily="34" charset="0"/>
+              <a:buChar char="•"/>
+              <a:defRPr sz="1600" kern="1200">
+                <a:solidFill>
+                  <a:schemeClr val="tx1"/>
+                </a:solidFill>
+                <a:latin typeface="+mn-lt"/>
+                <a:ea typeface="+mn-ea"/>
+                <a:cs typeface="+mn-cs"/>
+              </a:defRPr>
+            </a:lvl7pPr>
+            <a:lvl8pPr marL="3084195" indent="-205740" algn="l" defTabSz="822325" rtl="0" eaLnBrk="1" latinLnBrk="0" hangingPunct="1">
+              <a:lnSpc>
+                <a:spcPct val="90000"/>
+              </a:lnSpc>
+              <a:spcBef>
+                <a:spcPts val="450"/>
+              </a:spcBef>
+              <a:buFont typeface="Arial" pitchFamily="34" charset="0"/>
+              <a:buChar char="•"/>
+              <a:defRPr sz="1600" kern="1200">
+                <a:solidFill>
+                  <a:schemeClr val="tx1"/>
+                </a:solidFill>
+                <a:latin typeface="+mn-lt"/>
+                <a:ea typeface="+mn-ea"/>
+                <a:cs typeface="+mn-cs"/>
+              </a:defRPr>
+            </a:lvl8pPr>
+            <a:lvl9pPr marL="3495675" indent="-205740" algn="l" defTabSz="822325" rtl="0" eaLnBrk="1" latinLnBrk="0" hangingPunct="1">
+              <a:lnSpc>
+                <a:spcPct val="90000"/>
+              </a:lnSpc>
+              <a:spcBef>
+                <a:spcPts val="450"/>
+              </a:spcBef>
+              <a:buFont typeface="Arial" pitchFamily="34" charset="0"/>
+              <a:buChar char="•"/>
+              <a:defRPr sz="1600" kern="1200">
+                <a:solidFill>
+                  <a:schemeClr val="tx1"/>
+                </a:solidFill>
+                <a:latin typeface="+mn-lt"/>
+                <a:ea typeface="+mn-ea"/>
+                <a:cs typeface="+mn-cs"/>
+              </a:defRPr>
+            </a:lvl9pPr>
+          </a:lstStyle>
+          <a:p>
+            <a:pPr marL="457200" indent="-457200">
+              <a:buFont typeface="Wingdings" panose="05000000000000000000" pitchFamily="2" charset="2"/>
+              <a:buChar char="l"/>
+            </a:pPr>
+            <a:r>
+              <a:rPr lang="zh-CN" altLang="en-US" sz="2000" b="0" dirty="0"/>
+              <a:t>营销投放基础平台</a:t>
+            </a:r>
+            <a:endParaRPr lang="en-US" altLang="zh-CN" sz="2000" b="0" dirty="0"/>
+          </a:p>
+          <a:p>
+            <a:pPr marL="457200" indent="-457200">
+              <a:buFont typeface="Wingdings" panose="05000000000000000000" pitchFamily="2" charset="2"/>
+              <a:buChar char="l"/>
+            </a:pPr>
+            <a:r>
+              <a:rPr lang="zh-CN" altLang="en-US" sz="2400" dirty="0"/>
+              <a:t>东家小院</a:t>
+            </a:r>
+            <a:endParaRPr lang="en-US" altLang="zh-CN" sz="2400" dirty="0"/>
+          </a:p>
+          <a:p>
+            <a:pPr marL="457200" indent="-457200">
+              <a:buFont typeface="Wingdings" panose="05000000000000000000" pitchFamily="2" charset="2"/>
+              <a:buChar char="l"/>
+            </a:pPr>
+            <a:r>
+              <a:rPr lang="zh-CN" altLang="en-US" sz="2000" b="0" dirty="0"/>
+              <a:t>店铺与创新</a:t>
+            </a:r>
+            <a:endParaRPr lang="en-US" altLang="zh-CN" sz="2000" b="0" dirty="0"/>
+          </a:p>
+        </p:txBody>
+      </p:sp>
+      <p:sp>
+        <p:nvSpPr>
+          <p:cNvPr id="6" name="文本占位符 1"/>
+          <p:cNvSpPr txBox="1">
+            <a:spLocks/>
+          </p:cNvSpPr>
+          <p:nvPr/>
+        </p:nvSpPr>
+        <p:spPr>
+          <a:xfrm>
+            <a:off x="2291308" y="1767901"/>
+            <a:ext cx="5680477" cy="593751"/>
+          </a:xfrm>
+          <a:prstGeom prst="rect">
+            <a:avLst/>
+          </a:prstGeom>
+        </p:spPr>
+        <p:txBody>
+          <a:bodyPr vert="horz" lIns="82248" tIns="41124" rIns="82248" bIns="41124" rtlCol="0" anchor="ctr">
+            <a:noAutofit/>
+          </a:bodyPr>
+          <a:lstStyle>
+            <a:defPPr>
+              <a:defRPr lang="zh-CN"/>
+            </a:defPPr>
+            <a:lvl1pPr marL="0" algn="l" defTabSz="822325" rtl="0" eaLnBrk="1" latinLnBrk="0" hangingPunct="1">
+              <a:defRPr sz="1600" kern="1200">
+                <a:solidFill>
+                  <a:schemeClr val="tx1"/>
+                </a:solidFill>
+                <a:latin typeface="+mn-lt"/>
+                <a:ea typeface="+mn-ea"/>
+                <a:cs typeface="+mn-cs"/>
+              </a:defRPr>
+            </a:lvl1pPr>
+            <a:lvl2pPr marL="411480" algn="l" defTabSz="822325" rtl="0" eaLnBrk="1" latinLnBrk="0" hangingPunct="1">
+              <a:defRPr sz="1600" kern="1200">
+                <a:solidFill>
+                  <a:schemeClr val="tx1"/>
+                </a:solidFill>
+                <a:latin typeface="+mn-lt"/>
+                <a:ea typeface="+mn-ea"/>
+                <a:cs typeface="+mn-cs"/>
+              </a:defRPr>
+            </a:lvl2pPr>
+            <a:lvl3pPr marL="822325" algn="l" defTabSz="822325" rtl="0" eaLnBrk="1" latinLnBrk="0" hangingPunct="1">
+              <a:defRPr sz="1600" kern="1200">
+                <a:solidFill>
+                  <a:schemeClr val="tx1"/>
+                </a:solidFill>
+                <a:latin typeface="+mn-lt"/>
+                <a:ea typeface="+mn-ea"/>
+                <a:cs typeface="+mn-cs"/>
+              </a:defRPr>
+            </a:lvl3pPr>
+            <a:lvl4pPr marL="1233805" algn="l" defTabSz="822325" rtl="0" eaLnBrk="1" latinLnBrk="0" hangingPunct="1">
+              <a:defRPr sz="1600" kern="1200">
+                <a:solidFill>
+                  <a:schemeClr val="tx1"/>
+                </a:solidFill>
+                <a:latin typeface="+mn-lt"/>
+                <a:ea typeface="+mn-ea"/>
+                <a:cs typeface="+mn-cs"/>
+              </a:defRPr>
+            </a:lvl4pPr>
+            <a:lvl5pPr marL="1644650" algn="l" defTabSz="822325" rtl="0" eaLnBrk="1" latinLnBrk="0" hangingPunct="1">
+              <a:defRPr sz="1600" kern="1200">
+                <a:solidFill>
+                  <a:schemeClr val="tx1"/>
+                </a:solidFill>
+                <a:latin typeface="+mn-lt"/>
+                <a:ea typeface="+mn-ea"/>
+                <a:cs typeface="+mn-cs"/>
+              </a:defRPr>
+            </a:lvl5pPr>
+            <a:lvl6pPr marL="2056130" algn="l" defTabSz="822325" rtl="0" eaLnBrk="1" latinLnBrk="0" hangingPunct="1">
+              <a:defRPr sz="1600" kern="1200">
+                <a:solidFill>
+                  <a:schemeClr val="tx1"/>
+                </a:solidFill>
+                <a:latin typeface="+mn-lt"/>
+                <a:ea typeface="+mn-ea"/>
+                <a:cs typeface="+mn-cs"/>
+              </a:defRPr>
+            </a:lvl6pPr>
+            <a:lvl7pPr marL="2467610" algn="l" defTabSz="822325" rtl="0" eaLnBrk="1" latinLnBrk="0" hangingPunct="1">
+              <a:defRPr sz="1600" kern="1200">
+                <a:solidFill>
+                  <a:schemeClr val="tx1"/>
+                </a:solidFill>
+                <a:latin typeface="+mn-lt"/>
+                <a:ea typeface="+mn-ea"/>
+                <a:cs typeface="+mn-cs"/>
+              </a:defRPr>
+            </a:lvl7pPr>
+            <a:lvl8pPr marL="2878455" algn="l" defTabSz="822325" rtl="0" eaLnBrk="1" latinLnBrk="0" hangingPunct="1">
+              <a:defRPr sz="1600" kern="1200">
+                <a:solidFill>
+                  <a:schemeClr val="tx1"/>
+                </a:solidFill>
+                <a:latin typeface="+mn-lt"/>
+                <a:ea typeface="+mn-ea"/>
+                <a:cs typeface="+mn-cs"/>
+              </a:defRPr>
+            </a:lvl8pPr>
+            <a:lvl9pPr marL="3289935" algn="l" defTabSz="822325" rtl="0" eaLnBrk="1" latinLnBrk="0" hangingPunct="1">
+              <a:defRPr sz="1600" kern="1200">
+                <a:solidFill>
+                  <a:schemeClr val="tx1"/>
+                </a:solidFill>
+                <a:latin typeface="+mn-lt"/>
+                <a:ea typeface="+mn-ea"/>
+                <a:cs typeface="+mn-cs"/>
+              </a:defRPr>
+            </a:lvl9pPr>
+          </a:lstStyle>
+          <a:p>
+            <a:pPr marL="457200" indent="-457200" algn="ctr" defTabSz="914400">
+              <a:buFont typeface="Wingdings" panose="05000000000000000000" pitchFamily="2" charset="2"/>
+              <a:buNone/>
+              <a:defRPr/>
+            </a:pPr>
+            <a:r>
+              <a:rPr lang="zh-CN" altLang="en-US" sz="3600" b="1" dirty="0">
+                <a:solidFill>
+                  <a:srgbClr val="C00000"/>
+                </a:solidFill>
+                <a:latin typeface="Microsoft YaHei" charset="-122"/>
+                <a:ea typeface="Microsoft YaHei" charset="-122"/>
+                <a:cs typeface="Microsoft YaHei" charset="-122"/>
+              </a:rPr>
+              <a:t>营销中心</a:t>
+            </a:r>
+            <a:r>
+              <a:rPr lang="en-US" altLang="zh-CN" sz="3600" b="1" dirty="0">
+                <a:solidFill>
+                  <a:srgbClr val="C00000"/>
+                </a:solidFill>
+                <a:latin typeface="Microsoft YaHei" charset="-122"/>
+                <a:ea typeface="Microsoft YaHei" charset="-122"/>
+                <a:cs typeface="Microsoft YaHei" charset="-122"/>
+              </a:rPr>
+              <a:t>-</a:t>
+            </a:r>
+            <a:r>
+              <a:rPr lang="zh-CN" altLang="en-US" sz="3600" b="1" dirty="0">
+                <a:solidFill>
+                  <a:srgbClr val="C00000"/>
+                </a:solidFill>
+                <a:latin typeface="Microsoft YaHei" charset="-122"/>
+                <a:ea typeface="Microsoft YaHei" charset="-122"/>
+                <a:cs typeface="Microsoft YaHei" charset="-122"/>
+              </a:rPr>
+              <a:t>投放平台</a:t>
+            </a:r>
+          </a:p>
+        </p:txBody>
+      </p:sp>
+    </p:spTree>
+    <p:extLst>
+      <p:ext uri="{BB962C8B-B14F-4D97-AF65-F5344CB8AC3E}">
+        <p14:creationId xmlns:p14="http://schemas.microsoft.com/office/powerpoint/2010/main" val="3595003691"/>
+      </p:ext>
+    </p:extLst>
+  </p:cSld>
+  <p:clrMapOvr>
+    <a:masterClrMapping/>
+  </p:clrMapOvr>
+</p:sld>
+</file>
+
+<file path=ppt/slides/slide13.xml><?xml version="1.0" encoding="utf-8"?>
 <p:sld xmlns:a="http://schemas.openxmlformats.org/drawingml/2006/main" xmlns:r="http://schemas.openxmlformats.org/officeDocument/2006/relationships" xmlns:p="http://schemas.openxmlformats.org/presentationml/2006/main">
   <p:cSld>
     <p:spTree>
@@ -12854,7 +14680,7 @@
 </p:sld>
 </file>
 
-<file path=ppt/slides/slide11.xml><?xml version="1.0" encoding="utf-8"?>
+<file path=ppt/slides/slide14.xml><?xml version="1.0" encoding="utf-8"?>
 <p:sld xmlns:a="http://schemas.openxmlformats.org/drawingml/2006/main" xmlns:r="http://schemas.openxmlformats.org/officeDocument/2006/relationships" xmlns:p="http://schemas.openxmlformats.org/presentationml/2006/main">
   <p:cSld>
     <p:spTree>
@@ -15561,7 +17387,7 @@
 </p:sld>
 </file>
 
-<file path=ppt/slides/slide12.xml><?xml version="1.0" encoding="utf-8"?>
+<file path=ppt/slides/slide15.xml><?xml version="1.0" encoding="utf-8"?>
 <p:sld xmlns:a="http://schemas.openxmlformats.org/drawingml/2006/main" xmlns:r="http://schemas.openxmlformats.org/officeDocument/2006/relationships" xmlns:p="http://schemas.openxmlformats.org/presentationml/2006/main">
   <p:cSld>
     <p:spTree>
@@ -15969,7 +17795,7 @@
 </p:sld>
 </file>
 
-<file path=ppt/slides/slide13.xml><?xml version="1.0" encoding="utf-8"?>
+<file path=ppt/slides/slide16.xml><?xml version="1.0" encoding="utf-8"?>
 <p:sld xmlns:a="http://schemas.openxmlformats.org/drawingml/2006/main" xmlns:r="http://schemas.openxmlformats.org/officeDocument/2006/relationships" xmlns:p="http://schemas.openxmlformats.org/presentationml/2006/main">
   <p:cSld>
     <p:spTree>
@@ -16698,7 +18524,7 @@
 </p:sld>
 </file>
 
-<file path=ppt/slides/slide14.xml><?xml version="1.0" encoding="utf-8"?>
+<file path=ppt/slides/slide17.xml><?xml version="1.0" encoding="utf-8"?>
 <p:sld xmlns:a="http://schemas.openxmlformats.org/drawingml/2006/main" xmlns:r="http://schemas.openxmlformats.org/officeDocument/2006/relationships" xmlns:p="http://schemas.openxmlformats.org/presentationml/2006/main">
   <p:cSld>
     <p:spTree>
@@ -17890,7 +19716,7 @@
 </p:sld>
 </file>
 
-<file path=ppt/slides/slide15.xml><?xml version="1.0" encoding="utf-8"?>
+<file path=ppt/slides/slide18.xml><?xml version="1.0" encoding="utf-8"?>
 <p:sld xmlns:a="http://schemas.openxmlformats.org/drawingml/2006/main" xmlns:r="http://schemas.openxmlformats.org/officeDocument/2006/relationships" xmlns:p="http://schemas.openxmlformats.org/presentationml/2006/main">
   <p:cSld>
     <p:spTree>
@@ -18716,7 +20542,7 @@
 </p:sld>
 </file>
 
-<file path=ppt/slides/slide16.xml><?xml version="1.0" encoding="utf-8"?>
+<file path=ppt/slides/slide19.xml><?xml version="1.0" encoding="utf-8"?>
 <p:sld xmlns:a="http://schemas.openxmlformats.org/drawingml/2006/main" xmlns:r="http://schemas.openxmlformats.org/officeDocument/2006/relationships" xmlns:p="http://schemas.openxmlformats.org/presentationml/2006/main">
   <p:cSld>
     <p:spTree>
@@ -19827,7 +21653,111 @@
 </p:sld>
 </file>
 
-<file path=ppt/slides/slide17.xml><?xml version="1.0" encoding="utf-8"?>
+<file path=ppt/slides/slide2.xml><?xml version="1.0" encoding="utf-8"?>
+<p:sld xmlns:a="http://schemas.openxmlformats.org/drawingml/2006/main" xmlns:r="http://schemas.openxmlformats.org/officeDocument/2006/relationships" xmlns:p="http://schemas.openxmlformats.org/presentationml/2006/main">
+  <p:cSld>
+    <p:spTree>
+      <p:nvGrpSpPr>
+        <p:cNvPr id="1" name=""/>
+        <p:cNvGrpSpPr/>
+        <p:nvPr/>
+      </p:nvGrpSpPr>
+      <p:grpSpPr>
+        <a:xfrm>
+          <a:off x="0" y="0"/>
+          <a:ext cx="0" cy="0"/>
+          <a:chOff x="0" y="0"/>
+          <a:chExt cx="0" cy="0"/>
+        </a:xfrm>
+      </p:grpSpPr>
+      <p:graphicFrame>
+        <p:nvGraphicFramePr>
+          <p:cNvPr id="4" name="图示 3"/>
+          <p:cNvGraphicFramePr/>
+          <p:nvPr>
+            <p:extLst>
+              <p:ext uri="{D42A27DB-BD31-4B8C-83A1-F6EECF244321}">
+                <p14:modId xmlns:p14="http://schemas.microsoft.com/office/powerpoint/2010/main" val="873245601"/>
+              </p:ext>
+            </p:extLst>
+          </p:nvPr>
+        </p:nvGraphicFramePr>
+        <p:xfrm>
+          <a:off x="456426" y="1186979"/>
+          <a:ext cx="8535174" cy="3798349"/>
+        </p:xfrm>
+        <a:graphic>
+          <a:graphicData uri="http://schemas.openxmlformats.org/drawingml/2006/diagram">
+            <dgm:relIds xmlns:dgm="http://schemas.openxmlformats.org/drawingml/2006/diagram" xmlns:r="http://schemas.openxmlformats.org/officeDocument/2006/relationships" r:dm="rId2" r:lo="rId3" r:qs="rId4" r:cs="rId5"/>
+          </a:graphicData>
+        </a:graphic>
+      </p:graphicFrame>
+      <p:sp>
+        <p:nvSpPr>
+          <p:cNvPr id="12" name="标题 1"/>
+          <p:cNvSpPr txBox="1">
+            <a:spLocks/>
+          </p:cNvSpPr>
+          <p:nvPr/>
+        </p:nvSpPr>
+        <p:spPr>
+          <a:xfrm>
+            <a:off x="0" y="102276"/>
+            <a:ext cx="11521280" cy="562075"/>
+          </a:xfrm>
+          <a:prstGeom prst="rect">
+            <a:avLst/>
+          </a:prstGeom>
+        </p:spPr>
+        <p:txBody>
+          <a:bodyPr/>
+          <a:lstStyle>
+            <a:lvl1pPr algn="l" defTabSz="822325" rtl="0" eaLnBrk="1" latinLnBrk="0" hangingPunct="1">
+              <a:lnSpc>
+                <a:spcPct val="90000"/>
+              </a:lnSpc>
+              <a:spcBef>
+                <a:spcPct val="0"/>
+              </a:spcBef>
+              <a:buNone/>
+              <a:defRPr sz="4000" kern="1200">
+                <a:solidFill>
+                  <a:schemeClr val="tx1"/>
+                </a:solidFill>
+                <a:latin typeface="+mj-lt"/>
+                <a:ea typeface="+mj-ea"/>
+                <a:cs typeface="+mj-cs"/>
+              </a:defRPr>
+            </a:lvl1pPr>
+          </a:lstStyle>
+          <a:p>
+            <a:r>
+              <a:rPr lang="zh-CN" altLang="en-US" sz="2800" b="1" dirty="0">
+                <a:solidFill>
+                  <a:srgbClr val="C00000"/>
+                </a:solidFill>
+                <a:latin typeface="微软雅黑" panose="020B0503020204020204" pitchFamily="34" charset="-122"/>
+                <a:ea typeface="微软雅黑" panose="020B0503020204020204" pitchFamily="34" charset="-122"/>
+              </a:rPr>
+              <a:t>目录</a:t>
+            </a:r>
+          </a:p>
+        </p:txBody>
+      </p:sp>
+    </p:spTree>
+    <p:extLst>
+      <p:ext uri="{BB962C8B-B14F-4D97-AF65-F5344CB8AC3E}">
+        <p14:creationId xmlns:p14="http://schemas.microsoft.com/office/powerpoint/2010/main" val="2118443423"/>
+      </p:ext>
+    </p:extLst>
+  </p:cSld>
+  <p:clrMapOvr>
+    <a:masterClrMapping/>
+  </p:clrMapOvr>
+</p:sld>
+</file>
+
+<file path=ppt/slides/slide20.xml><?xml version="1.0" encoding="utf-8"?>
 <p:sld xmlns:a="http://schemas.openxmlformats.org/drawingml/2006/main" xmlns:r="http://schemas.openxmlformats.org/officeDocument/2006/relationships" xmlns:p="http://schemas.openxmlformats.org/presentationml/2006/main">
   <p:cSld>
     <p:spTree>
@@ -21351,7 +23281,7 @@
 </p:sld>
 </file>
 
-<file path=ppt/slides/slide18.xml><?xml version="1.0" encoding="utf-8"?>
+<file path=ppt/slides/slide21.xml><?xml version="1.0" encoding="utf-8"?>
 <p:sld xmlns:a="http://schemas.openxmlformats.org/drawingml/2006/main" xmlns:r="http://schemas.openxmlformats.org/officeDocument/2006/relationships" xmlns:p="http://schemas.openxmlformats.org/presentationml/2006/main">
   <p:cSld>
     <p:spTree>
@@ -21612,7 +23542,7 @@
 </p:sld>
 </file>
 
-<file path=ppt/slides/slide19.xml><?xml version="1.0" encoding="utf-8"?>
+<file path=ppt/slides/slide22.xml><?xml version="1.0" encoding="utf-8"?>
 <p:sld xmlns:a="http://schemas.openxmlformats.org/drawingml/2006/main" xmlns:r="http://schemas.openxmlformats.org/officeDocument/2006/relationships" xmlns:p="http://schemas.openxmlformats.org/presentationml/2006/main">
   <p:cSld>
     <p:spTree>
@@ -21881,111 +23811,7 @@
 </p:sld>
 </file>
 
-<file path=ppt/slides/slide2.xml><?xml version="1.0" encoding="utf-8"?>
-<p:sld xmlns:a="http://schemas.openxmlformats.org/drawingml/2006/main" xmlns:r="http://schemas.openxmlformats.org/officeDocument/2006/relationships" xmlns:p="http://schemas.openxmlformats.org/presentationml/2006/main">
-  <p:cSld>
-    <p:spTree>
-      <p:nvGrpSpPr>
-        <p:cNvPr id="1" name=""/>
-        <p:cNvGrpSpPr/>
-        <p:nvPr/>
-      </p:nvGrpSpPr>
-      <p:grpSpPr>
-        <a:xfrm>
-          <a:off x="0" y="0"/>
-          <a:ext cx="0" cy="0"/>
-          <a:chOff x="0" y="0"/>
-          <a:chExt cx="0" cy="0"/>
-        </a:xfrm>
-      </p:grpSpPr>
-      <p:graphicFrame>
-        <p:nvGraphicFramePr>
-          <p:cNvPr id="4" name="图示 3"/>
-          <p:cNvGraphicFramePr/>
-          <p:nvPr>
-            <p:extLst>
-              <p:ext uri="{D42A27DB-BD31-4B8C-83A1-F6EECF244321}">
-                <p14:modId xmlns:p14="http://schemas.microsoft.com/office/powerpoint/2010/main" val="3509926426"/>
-              </p:ext>
-            </p:extLst>
-          </p:nvPr>
-        </p:nvGraphicFramePr>
-        <p:xfrm>
-          <a:off x="456426" y="1186979"/>
-          <a:ext cx="8535174" cy="3798349"/>
-        </p:xfrm>
-        <a:graphic>
-          <a:graphicData uri="http://schemas.openxmlformats.org/drawingml/2006/diagram">
-            <dgm:relIds xmlns:dgm="http://schemas.openxmlformats.org/drawingml/2006/diagram" xmlns:r="http://schemas.openxmlformats.org/officeDocument/2006/relationships" r:dm="rId2" r:lo="rId3" r:qs="rId4" r:cs="rId5"/>
-          </a:graphicData>
-        </a:graphic>
-      </p:graphicFrame>
-      <p:sp>
-        <p:nvSpPr>
-          <p:cNvPr id="12" name="标题 1"/>
-          <p:cNvSpPr txBox="1">
-            <a:spLocks/>
-          </p:cNvSpPr>
-          <p:nvPr/>
-        </p:nvSpPr>
-        <p:spPr>
-          <a:xfrm>
-            <a:off x="0" y="102276"/>
-            <a:ext cx="11521280" cy="562075"/>
-          </a:xfrm>
-          <a:prstGeom prst="rect">
-            <a:avLst/>
-          </a:prstGeom>
-        </p:spPr>
-        <p:txBody>
-          <a:bodyPr/>
-          <a:lstStyle>
-            <a:lvl1pPr algn="l" defTabSz="822325" rtl="0" eaLnBrk="1" latinLnBrk="0" hangingPunct="1">
-              <a:lnSpc>
-                <a:spcPct val="90000"/>
-              </a:lnSpc>
-              <a:spcBef>
-                <a:spcPct val="0"/>
-              </a:spcBef>
-              <a:buNone/>
-              <a:defRPr sz="4000" kern="1200">
-                <a:solidFill>
-                  <a:schemeClr val="tx1"/>
-                </a:solidFill>
-                <a:latin typeface="+mj-lt"/>
-                <a:ea typeface="+mj-ea"/>
-                <a:cs typeface="+mj-cs"/>
-              </a:defRPr>
-            </a:lvl1pPr>
-          </a:lstStyle>
-          <a:p>
-            <a:r>
-              <a:rPr lang="zh-CN" altLang="en-US" sz="2800" b="1" dirty="0">
-                <a:solidFill>
-                  <a:srgbClr val="C00000"/>
-                </a:solidFill>
-                <a:latin typeface="微软雅黑" panose="020B0503020204020204" pitchFamily="34" charset="-122"/>
-                <a:ea typeface="微软雅黑" panose="020B0503020204020204" pitchFamily="34" charset="-122"/>
-              </a:rPr>
-              <a:t>目录</a:t>
-            </a:r>
-          </a:p>
-        </p:txBody>
-      </p:sp>
-    </p:spTree>
-    <p:extLst>
-      <p:ext uri="{BB962C8B-B14F-4D97-AF65-F5344CB8AC3E}">
-        <p14:creationId xmlns:p14="http://schemas.microsoft.com/office/powerpoint/2010/main" val="2118443423"/>
-      </p:ext>
-    </p:extLst>
-  </p:cSld>
-  <p:clrMapOvr>
-    <a:masterClrMapping/>
-  </p:clrMapOvr>
-</p:sld>
-</file>
-
-<file path=ppt/slides/slide20.xml><?xml version="1.0" encoding="utf-8"?>
+<file path=ppt/slides/slide23.xml><?xml version="1.0" encoding="utf-8"?>
 <p:sld xmlns:a="http://schemas.openxmlformats.org/drawingml/2006/main" xmlns:r="http://schemas.openxmlformats.org/officeDocument/2006/relationships" xmlns:p="http://schemas.openxmlformats.org/presentationml/2006/main">
   <p:cSld>
     <p:spTree>
@@ -22479,7 +24305,7 @@
 </p:sld>
 </file>
 
-<file path=ppt/slides/slide21.xml><?xml version="1.0" encoding="utf-8"?>
+<file path=ppt/slides/slide24.xml><?xml version="1.0" encoding="utf-8"?>
 <p:sld xmlns:a="http://schemas.openxmlformats.org/drawingml/2006/main" xmlns:r="http://schemas.openxmlformats.org/officeDocument/2006/relationships" xmlns:p="http://schemas.openxmlformats.org/presentationml/2006/main">
   <p:cSld>
     <p:spTree>
@@ -25427,7 +27253,7 @@
 </p:sld>
 </file>
 
-<file path=ppt/slides/slide22.xml><?xml version="1.0" encoding="utf-8"?>
+<file path=ppt/slides/slide25.xml><?xml version="1.0" encoding="utf-8"?>
 <p:sld xmlns:a="http://schemas.openxmlformats.org/drawingml/2006/main" xmlns:r="http://schemas.openxmlformats.org/officeDocument/2006/relationships" xmlns:p="http://schemas.openxmlformats.org/presentationml/2006/main">
   <p:cSld>
     <p:spTree>
@@ -25699,7 +27525,7 @@
         </p:nvSpPr>
         <p:spPr>
           <a:xfrm>
-            <a:off x="2291308" y="1767901"/>
+            <a:off x="2410578" y="1728144"/>
             <a:ext cx="5680477" cy="593751"/>
           </a:xfrm>
           <a:prstGeom prst="rect">
@@ -25812,7 +27638,7 @@
               <a:defRPr/>
             </a:pPr>
             <a:r>
-              <a:rPr lang="zh-CN" altLang="en-US" sz="3600" b="1" dirty="0">
+              <a:rPr lang="zh-Hans" altLang="en-US" sz="3600" b="1" dirty="0">
                 <a:solidFill>
                   <a:srgbClr val="C00000"/>
                 </a:solidFill>
@@ -25820,10 +27646,10 @@
                 <a:ea typeface="Microsoft YaHei" charset="-122"/>
                 <a:cs typeface="Microsoft YaHei" charset="-122"/>
               </a:rPr>
-              <a:t>营销中心</a:t>
+              <a:t>简述</a:t>
             </a:r>
             <a:r>
-              <a:rPr lang="en-US" altLang="zh-CN" sz="3600" b="1" dirty="0">
+              <a:rPr lang="en-US" altLang="zh-Hans" sz="3600" b="1" dirty="0">
                 <a:solidFill>
                   <a:srgbClr val="C00000"/>
                 </a:solidFill>
@@ -25831,10 +27657,10 @@
                 <a:ea typeface="Microsoft YaHei" charset="-122"/>
                 <a:cs typeface="Microsoft YaHei" charset="-122"/>
               </a:rPr>
-              <a:t>-</a:t>
+              <a:t>Vue</a:t>
             </a:r>
             <a:r>
-              <a:rPr lang="zh-CN" altLang="en-US" sz="3600" b="1" dirty="0">
+              <a:rPr lang="zh-Hans" altLang="en-US" sz="3600" b="1" dirty="0">
                 <a:solidFill>
                   <a:srgbClr val="C00000"/>
                 </a:solidFill>
@@ -25842,8 +27668,16 @@
                 <a:ea typeface="Microsoft YaHei" charset="-122"/>
                 <a:cs typeface="Microsoft YaHei" charset="-122"/>
               </a:rPr>
-              <a:t>投放平台</a:t>
+              <a:t>双向绑定原理</a:t>
             </a:r>
+            <a:endParaRPr lang="zh-CN" altLang="en-US" sz="3600" b="1" dirty="0">
+              <a:solidFill>
+                <a:srgbClr val="C00000"/>
+              </a:solidFill>
+              <a:latin typeface="Microsoft YaHei" charset="-122"/>
+              <a:ea typeface="Microsoft YaHei" charset="-122"/>
+              <a:cs typeface="Microsoft YaHei" charset="-122"/>
+            </a:endParaRPr>
           </a:p>
         </p:txBody>
       </p:sp>
@@ -25861,6 +27695,1423 @@
 </file>
 
 <file path=ppt/slides/slide4.xml><?xml version="1.0" encoding="utf-8"?>
+<p:sld xmlns:a="http://schemas.openxmlformats.org/drawingml/2006/main" xmlns:r="http://schemas.openxmlformats.org/officeDocument/2006/relationships" xmlns:p="http://schemas.openxmlformats.org/presentationml/2006/main">
+  <p:cSld>
+    <p:spTree>
+      <p:nvGrpSpPr>
+        <p:cNvPr id="1" name=""/>
+        <p:cNvGrpSpPr/>
+        <p:nvPr/>
+      </p:nvGrpSpPr>
+      <p:grpSpPr>
+        <a:xfrm>
+          <a:off x="0" y="0"/>
+          <a:ext cx="0" cy="0"/>
+          <a:chOff x="0" y="0"/>
+          <a:chExt cx="0" cy="0"/>
+        </a:xfrm>
+      </p:grpSpPr>
+      <p:sp>
+        <p:nvSpPr>
+          <p:cNvPr id="12" name="标题 1"/>
+          <p:cNvSpPr txBox="1">
+            <a:spLocks/>
+          </p:cNvSpPr>
+          <p:nvPr/>
+        </p:nvSpPr>
+        <p:spPr>
+          <a:xfrm>
+            <a:off x="0" y="102276"/>
+            <a:ext cx="11521280" cy="562075"/>
+          </a:xfrm>
+          <a:prstGeom prst="rect">
+            <a:avLst/>
+          </a:prstGeom>
+        </p:spPr>
+        <p:txBody>
+          <a:bodyPr/>
+          <a:lstStyle>
+            <a:lvl1pPr algn="l" defTabSz="822325" rtl="0" eaLnBrk="1" latinLnBrk="0" hangingPunct="1">
+              <a:lnSpc>
+                <a:spcPct val="90000"/>
+              </a:lnSpc>
+              <a:spcBef>
+                <a:spcPct val="0"/>
+              </a:spcBef>
+              <a:buNone/>
+              <a:defRPr sz="4000" kern="1200">
+                <a:solidFill>
+                  <a:schemeClr val="tx1"/>
+                </a:solidFill>
+                <a:latin typeface="+mj-lt"/>
+                <a:ea typeface="+mj-ea"/>
+                <a:cs typeface="+mj-cs"/>
+              </a:defRPr>
+            </a:lvl1pPr>
+          </a:lstStyle>
+          <a:p>
+            <a:r>
+              <a:rPr lang="zh-CN" altLang="en-US" sz="2800" b="1" dirty="0">
+                <a:solidFill>
+                  <a:schemeClr val="tx1">
+                    <a:lumMod val="75000"/>
+                    <a:lumOff val="25000"/>
+                  </a:schemeClr>
+                </a:solidFill>
+                <a:latin typeface="微软雅黑" panose="020B0503020204020204" pitchFamily="34" charset="-122"/>
+                <a:ea typeface="微软雅黑" panose="020B0503020204020204" pitchFamily="34" charset="-122"/>
+              </a:rPr>
+              <a:t>千人千面</a:t>
+            </a:r>
+            <a:r>
+              <a:rPr lang="en-US" altLang="zh-CN" sz="2800" b="1" dirty="0">
+                <a:solidFill>
+                  <a:schemeClr val="tx1">
+                    <a:lumMod val="75000"/>
+                    <a:lumOff val="25000"/>
+                  </a:schemeClr>
+                </a:solidFill>
+                <a:latin typeface="微软雅黑" panose="020B0503020204020204" pitchFamily="34" charset="-122"/>
+                <a:ea typeface="微软雅黑" panose="020B0503020204020204" pitchFamily="34" charset="-122"/>
+              </a:rPr>
+              <a:t>-</a:t>
+            </a:r>
+            <a:r>
+              <a:rPr lang="zh-CN" altLang="en-US" sz="2800" b="1" dirty="0">
+                <a:solidFill>
+                  <a:schemeClr val="tx1">
+                    <a:lumMod val="75000"/>
+                    <a:lumOff val="25000"/>
+                  </a:schemeClr>
+                </a:solidFill>
+                <a:latin typeface="微软雅黑" panose="020B0503020204020204" pitchFamily="34" charset="-122"/>
+                <a:ea typeface="微软雅黑" panose="020B0503020204020204" pitchFamily="34" charset="-122"/>
+              </a:rPr>
+              <a:t>工业标签前端展示</a:t>
+            </a:r>
+          </a:p>
+        </p:txBody>
+      </p:sp>
+      <p:sp>
+        <p:nvSpPr>
+          <p:cNvPr id="13" name="内容占位符 2"/>
+          <p:cNvSpPr txBox="1">
+            <a:spLocks/>
+          </p:cNvSpPr>
+          <p:nvPr/>
+        </p:nvSpPr>
+        <p:spPr>
+          <a:xfrm>
+            <a:off x="-1" y="957943"/>
+            <a:ext cx="10753195" cy="4571646"/>
+          </a:xfrm>
+          <a:prstGeom prst="rect">
+            <a:avLst/>
+          </a:prstGeom>
+        </p:spPr>
+        <p:txBody>
+          <a:bodyPr>
+            <a:normAutofit/>
+          </a:bodyPr>
+          <a:lstStyle>
+            <a:lvl1pPr marL="205740" indent="-205740" algn="l" defTabSz="822325" rtl="0" eaLnBrk="1" latinLnBrk="0" hangingPunct="1">
+              <a:lnSpc>
+                <a:spcPct val="90000"/>
+              </a:lnSpc>
+              <a:spcBef>
+                <a:spcPts val="900"/>
+              </a:spcBef>
+              <a:buFont typeface="Arial" pitchFamily="34" charset="0"/>
+              <a:buChar char="•"/>
+              <a:defRPr sz="2500" kern="1200">
+                <a:solidFill>
+                  <a:schemeClr val="tx1"/>
+                </a:solidFill>
+                <a:latin typeface="+mn-lt"/>
+                <a:ea typeface="+mn-ea"/>
+                <a:cs typeface="+mn-cs"/>
+              </a:defRPr>
+            </a:lvl1pPr>
+            <a:lvl2pPr marL="616585" indent="-205740" algn="l" defTabSz="822325" rtl="0" eaLnBrk="1" latinLnBrk="0" hangingPunct="1">
+              <a:lnSpc>
+                <a:spcPct val="90000"/>
+              </a:lnSpc>
+              <a:spcBef>
+                <a:spcPts val="450"/>
+              </a:spcBef>
+              <a:buFont typeface="Arial" pitchFamily="34" charset="0"/>
+              <a:buChar char="•"/>
+              <a:defRPr sz="2200" kern="1200">
+                <a:solidFill>
+                  <a:schemeClr val="tx1"/>
+                </a:solidFill>
+                <a:latin typeface="+mn-lt"/>
+                <a:ea typeface="+mn-ea"/>
+                <a:cs typeface="+mn-cs"/>
+              </a:defRPr>
+            </a:lvl2pPr>
+            <a:lvl3pPr marL="1028065" indent="-205740" algn="l" defTabSz="822325" rtl="0" eaLnBrk="1" latinLnBrk="0" hangingPunct="1">
+              <a:lnSpc>
+                <a:spcPct val="90000"/>
+              </a:lnSpc>
+              <a:spcBef>
+                <a:spcPts val="450"/>
+              </a:spcBef>
+              <a:buFont typeface="Arial" pitchFamily="34" charset="0"/>
+              <a:buChar char="•"/>
+              <a:defRPr sz="1800" kern="1200">
+                <a:solidFill>
+                  <a:schemeClr val="tx1"/>
+                </a:solidFill>
+                <a:latin typeface="+mn-lt"/>
+                <a:ea typeface="+mn-ea"/>
+                <a:cs typeface="+mn-cs"/>
+              </a:defRPr>
+            </a:lvl3pPr>
+            <a:lvl4pPr marL="1439545" indent="-205740" algn="l" defTabSz="822325" rtl="0" eaLnBrk="1" latinLnBrk="0" hangingPunct="1">
+              <a:lnSpc>
+                <a:spcPct val="90000"/>
+              </a:lnSpc>
+              <a:spcBef>
+                <a:spcPts val="450"/>
+              </a:spcBef>
+              <a:buFont typeface="Arial" pitchFamily="34" charset="0"/>
+              <a:buChar char="•"/>
+              <a:defRPr sz="1600" kern="1200">
+                <a:solidFill>
+                  <a:schemeClr val="tx1"/>
+                </a:solidFill>
+                <a:latin typeface="+mn-lt"/>
+                <a:ea typeface="+mn-ea"/>
+                <a:cs typeface="+mn-cs"/>
+              </a:defRPr>
+            </a:lvl4pPr>
+            <a:lvl5pPr marL="1850390" indent="-205740" algn="l" defTabSz="822325" rtl="0" eaLnBrk="1" latinLnBrk="0" hangingPunct="1">
+              <a:lnSpc>
+                <a:spcPct val="90000"/>
+              </a:lnSpc>
+              <a:spcBef>
+                <a:spcPts val="450"/>
+              </a:spcBef>
+              <a:buFont typeface="Arial" pitchFamily="34" charset="0"/>
+              <a:buChar char="•"/>
+              <a:defRPr sz="1600" kern="1200">
+                <a:solidFill>
+                  <a:schemeClr val="tx1"/>
+                </a:solidFill>
+                <a:latin typeface="+mn-lt"/>
+                <a:ea typeface="+mn-ea"/>
+                <a:cs typeface="+mn-cs"/>
+              </a:defRPr>
+            </a:lvl5pPr>
+            <a:lvl6pPr marL="2261870" indent="-205740" algn="l" defTabSz="822325" rtl="0" eaLnBrk="1" latinLnBrk="0" hangingPunct="1">
+              <a:lnSpc>
+                <a:spcPct val="90000"/>
+              </a:lnSpc>
+              <a:spcBef>
+                <a:spcPts val="450"/>
+              </a:spcBef>
+              <a:buFont typeface="Arial" pitchFamily="34" charset="0"/>
+              <a:buChar char="•"/>
+              <a:defRPr sz="1600" kern="1200">
+                <a:solidFill>
+                  <a:schemeClr val="tx1"/>
+                </a:solidFill>
+                <a:latin typeface="+mn-lt"/>
+                <a:ea typeface="+mn-ea"/>
+                <a:cs typeface="+mn-cs"/>
+              </a:defRPr>
+            </a:lvl6pPr>
+            <a:lvl7pPr marL="2673350" indent="-205740" algn="l" defTabSz="822325" rtl="0" eaLnBrk="1" latinLnBrk="0" hangingPunct="1">
+              <a:lnSpc>
+                <a:spcPct val="90000"/>
+              </a:lnSpc>
+              <a:spcBef>
+                <a:spcPts val="450"/>
+              </a:spcBef>
+              <a:buFont typeface="Arial" pitchFamily="34" charset="0"/>
+              <a:buChar char="•"/>
+              <a:defRPr sz="1600" kern="1200">
+                <a:solidFill>
+                  <a:schemeClr val="tx1"/>
+                </a:solidFill>
+                <a:latin typeface="+mn-lt"/>
+                <a:ea typeface="+mn-ea"/>
+                <a:cs typeface="+mn-cs"/>
+              </a:defRPr>
+            </a:lvl7pPr>
+            <a:lvl8pPr marL="3084195" indent="-205740" algn="l" defTabSz="822325" rtl="0" eaLnBrk="1" latinLnBrk="0" hangingPunct="1">
+              <a:lnSpc>
+                <a:spcPct val="90000"/>
+              </a:lnSpc>
+              <a:spcBef>
+                <a:spcPts val="450"/>
+              </a:spcBef>
+              <a:buFont typeface="Arial" pitchFamily="34" charset="0"/>
+              <a:buChar char="•"/>
+              <a:defRPr sz="1600" kern="1200">
+                <a:solidFill>
+                  <a:schemeClr val="tx1"/>
+                </a:solidFill>
+                <a:latin typeface="+mn-lt"/>
+                <a:ea typeface="+mn-ea"/>
+                <a:cs typeface="+mn-cs"/>
+              </a:defRPr>
+            </a:lvl8pPr>
+            <a:lvl9pPr marL="3495675" indent="-205740" algn="l" defTabSz="822325" rtl="0" eaLnBrk="1" latinLnBrk="0" hangingPunct="1">
+              <a:lnSpc>
+                <a:spcPct val="90000"/>
+              </a:lnSpc>
+              <a:spcBef>
+                <a:spcPts val="450"/>
+              </a:spcBef>
+              <a:buFont typeface="Arial" pitchFamily="34" charset="0"/>
+              <a:buChar char="•"/>
+              <a:defRPr sz="1600" kern="1200">
+                <a:solidFill>
+                  <a:schemeClr val="tx1"/>
+                </a:solidFill>
+                <a:latin typeface="+mn-lt"/>
+                <a:ea typeface="+mn-ea"/>
+                <a:cs typeface="+mn-cs"/>
+              </a:defRPr>
+            </a:lvl9pPr>
+          </a:lstStyle>
+          <a:p>
+            <a:pPr marL="457189" indent="-457189">
+              <a:buFont typeface="+mj-lt"/>
+              <a:buAutoNum type="arabicPeriod" startAt="2"/>
+            </a:pPr>
+            <a:endParaRPr lang="en-US" altLang="zh-CN" sz="1900" dirty="0">
+              <a:solidFill>
+                <a:schemeClr val="tx1">
+                  <a:lumMod val="75000"/>
+                  <a:lumOff val="25000"/>
+                </a:schemeClr>
+              </a:solidFill>
+              <a:latin typeface="微软雅黑" panose="020B0503020204020204" pitchFamily="34" charset="-122"/>
+              <a:ea typeface="微软雅黑" panose="020B0503020204020204" pitchFamily="34" charset="-122"/>
+            </a:endParaRPr>
+          </a:p>
+        </p:txBody>
+      </p:sp>
+      <p:sp>
+        <p:nvSpPr>
+          <p:cNvPr id="5" name="文本占位符 4"/>
+          <p:cNvSpPr>
+            <a:spLocks noGrp="1"/>
+          </p:cNvSpPr>
+          <p:nvPr>
+            <p:ph type="body" sz="quarter" idx="13"/>
+          </p:nvPr>
+        </p:nvSpPr>
+        <p:spPr>
+          <a:xfrm>
+            <a:off x="287339" y="982662"/>
+            <a:ext cx="5376482" cy="4219797"/>
+          </a:xfrm>
+        </p:spPr>
+        <p:txBody>
+          <a:bodyPr>
+            <a:normAutofit/>
+          </a:bodyPr>
+          <a:lstStyle/>
+          <a:p>
+            <a:pPr marL="285750" lvl="0" indent="-285750" defTabSz="914400" fontAlgn="base">
+              <a:lnSpc>
+                <a:spcPct val="100000"/>
+              </a:lnSpc>
+              <a:spcBef>
+                <a:spcPct val="20000"/>
+              </a:spcBef>
+              <a:spcAft>
+                <a:spcPct val="0"/>
+              </a:spcAft>
+              <a:defRPr/>
+            </a:pPr>
+            <a:r>
+              <a:rPr lang="zh-CN" altLang="en-US" sz="1600" dirty="0">
+                <a:latin typeface="微软雅黑"/>
+                <a:ea typeface="微软雅黑"/>
+              </a:rPr>
+              <a:t>需求背景</a:t>
+            </a:r>
+            <a:endParaRPr lang="en-US" altLang="zh-CN" sz="1600" dirty="0">
+              <a:latin typeface="微软雅黑"/>
+              <a:ea typeface="微软雅黑"/>
+            </a:endParaRPr>
+          </a:p>
+          <a:p>
+            <a:pPr lvl="0" defTabSz="914400" fontAlgn="base">
+              <a:lnSpc>
+                <a:spcPct val="100000"/>
+              </a:lnSpc>
+              <a:spcBef>
+                <a:spcPct val="20000"/>
+              </a:spcBef>
+              <a:spcAft>
+                <a:spcPct val="0"/>
+              </a:spcAft>
+              <a:buFont typeface="Arial" panose="020B0604020202020204" pitchFamily="34" charset="0"/>
+              <a:buChar char="•"/>
+              <a:defRPr/>
+            </a:pPr>
+            <a:r>
+              <a:rPr lang="zh-CN" altLang="en-US" sz="1400" b="0" dirty="0"/>
+              <a:t>前端通过展示商品属性、属性值，能够让用户对商品基本信息能够有更加直观的理解，便于选择商品。</a:t>
+            </a:r>
+            <a:endParaRPr lang="en-US" altLang="zh-CN" sz="1400" b="0" dirty="0">
+              <a:latin typeface="微软雅黑"/>
+              <a:ea typeface="微软雅黑"/>
+            </a:endParaRPr>
+          </a:p>
+          <a:p>
+            <a:pPr marL="285750" lvl="0" indent="-285750" defTabSz="914400" fontAlgn="base">
+              <a:lnSpc>
+                <a:spcPct val="100000"/>
+              </a:lnSpc>
+              <a:spcBef>
+                <a:spcPct val="20000"/>
+              </a:spcBef>
+              <a:spcAft>
+                <a:spcPct val="0"/>
+              </a:spcAft>
+              <a:defRPr/>
+            </a:pPr>
+            <a:endParaRPr lang="en-US" altLang="zh-CN" sz="1600" dirty="0">
+              <a:latin typeface="微软雅黑"/>
+              <a:ea typeface="微软雅黑"/>
+            </a:endParaRPr>
+          </a:p>
+          <a:p>
+            <a:pPr marL="285750" lvl="0" indent="-285750" defTabSz="914400" fontAlgn="base">
+              <a:lnSpc>
+                <a:spcPct val="100000"/>
+              </a:lnSpc>
+              <a:spcBef>
+                <a:spcPct val="20000"/>
+              </a:spcBef>
+              <a:spcAft>
+                <a:spcPct val="0"/>
+              </a:spcAft>
+              <a:defRPr/>
+            </a:pPr>
+            <a:r>
+              <a:rPr lang="zh-CN" altLang="en-US" sz="1600" dirty="0">
+                <a:latin typeface="微软雅黑"/>
+                <a:ea typeface="微软雅黑"/>
+              </a:rPr>
+              <a:t>需求方案</a:t>
+            </a:r>
+            <a:endParaRPr lang="en-US" altLang="zh-CN" sz="1400" b="0" dirty="0">
+              <a:latin typeface="微软雅黑"/>
+              <a:ea typeface="微软雅黑"/>
+            </a:endParaRPr>
+          </a:p>
+          <a:p>
+            <a:pPr defTabSz="914400" fontAlgn="base">
+              <a:lnSpc>
+                <a:spcPct val="100000"/>
+              </a:lnSpc>
+              <a:spcBef>
+                <a:spcPct val="20000"/>
+              </a:spcBef>
+              <a:spcAft>
+                <a:spcPct val="0"/>
+              </a:spcAft>
+              <a:buFont typeface="Arial" panose="020B0604020202020204" pitchFamily="34" charset="0"/>
+              <a:buChar char="•"/>
+              <a:defRPr/>
+            </a:pPr>
+            <a:r>
+              <a:rPr lang="zh-CN" altLang="en-US" sz="1400" b="0" dirty="0"/>
+              <a:t>工业标签：</a:t>
+            </a:r>
+            <a:endParaRPr lang="en-US" altLang="zh-CN" sz="1400" b="0" dirty="0"/>
+          </a:p>
+          <a:p>
+            <a:pPr lvl="1" defTabSz="914400" fontAlgn="base">
+              <a:lnSpc>
+                <a:spcPct val="100000"/>
+              </a:lnSpc>
+              <a:spcBef>
+                <a:spcPct val="20000"/>
+              </a:spcBef>
+              <a:spcAft>
+                <a:spcPct val="0"/>
+              </a:spcAft>
+              <a:defRPr/>
+            </a:pPr>
+            <a:r>
+              <a:rPr lang="zh-CN" altLang="en-US" sz="1400" b="0" dirty="0"/>
+              <a:t>选择工业标签：</a:t>
+            </a:r>
+            <a:r>
+              <a:rPr lang="en-US" altLang="zh-CN" sz="1400" b="0" dirty="0"/>
+              <a:t>1</a:t>
+            </a:r>
+            <a:r>
+              <a:rPr lang="zh-CN" altLang="en-US" sz="1400" b="0" dirty="0"/>
+              <a:t>）可以选择配置过的历史工业标签；</a:t>
+            </a:r>
+            <a:r>
+              <a:rPr lang="en-US" altLang="zh-CN" sz="1400" b="0" dirty="0"/>
+              <a:t>2</a:t>
+            </a:r>
+            <a:r>
+              <a:rPr lang="zh-CN" altLang="en-US" sz="1400" b="0" dirty="0"/>
+              <a:t>）也可以选择新增工业标签</a:t>
+            </a:r>
+            <a:endParaRPr lang="en-US" altLang="zh-CN" sz="1400" b="0" dirty="0"/>
+          </a:p>
+          <a:p>
+            <a:pPr lvl="1" defTabSz="914400" fontAlgn="base">
+              <a:lnSpc>
+                <a:spcPct val="100000"/>
+              </a:lnSpc>
+              <a:spcBef>
+                <a:spcPct val="20000"/>
+              </a:spcBef>
+              <a:spcAft>
+                <a:spcPct val="0"/>
+              </a:spcAft>
+              <a:defRPr/>
+            </a:pPr>
+            <a:r>
+              <a:rPr lang="zh-CN" altLang="en-US" sz="1400" dirty="0"/>
+              <a:t>历史</a:t>
+            </a:r>
+            <a:r>
+              <a:rPr lang="zh-CN" altLang="en-US" sz="1400" b="0" dirty="0"/>
+              <a:t>工业标签：支持编辑、删除</a:t>
+            </a:r>
+            <a:endParaRPr lang="en-US" altLang="zh-CN" sz="1400" b="0" dirty="0"/>
+          </a:p>
+          <a:p>
+            <a:pPr lvl="1" defTabSz="914400" fontAlgn="base">
+              <a:lnSpc>
+                <a:spcPct val="100000"/>
+              </a:lnSpc>
+              <a:spcBef>
+                <a:spcPct val="20000"/>
+              </a:spcBef>
+              <a:spcAft>
+                <a:spcPct val="0"/>
+              </a:spcAft>
+              <a:defRPr/>
+            </a:pPr>
+            <a:r>
+              <a:rPr lang="zh-CN" altLang="en-US" sz="1400" dirty="0"/>
+              <a:t>新增工业标签：支持编辑、删除</a:t>
+            </a:r>
+            <a:endParaRPr lang="en-US" altLang="zh-CN" sz="1400" b="0" dirty="0"/>
+          </a:p>
+        </p:txBody>
+      </p:sp>
+      <p:pic>
+        <p:nvPicPr>
+          <p:cNvPr id="3" name="图片 2"/>
+          <p:cNvPicPr>
+            <a:picLocks noChangeAspect="1"/>
+          </p:cNvPicPr>
+          <p:nvPr/>
+        </p:nvPicPr>
+        <p:blipFill>
+          <a:blip r:embed="rId2"/>
+          <a:stretch>
+            <a:fillRect/>
+          </a:stretch>
+        </p:blipFill>
+        <p:spPr>
+          <a:xfrm>
+            <a:off x="6223660" y="2106116"/>
+            <a:ext cx="3969694" cy="3240000"/>
+          </a:xfrm>
+          <a:prstGeom prst="rect">
+            <a:avLst/>
+          </a:prstGeom>
+        </p:spPr>
+      </p:pic>
+      <p:pic>
+        <p:nvPicPr>
+          <p:cNvPr id="10" name="图片 9"/>
+          <p:cNvPicPr>
+            <a:picLocks noChangeAspect="1"/>
+          </p:cNvPicPr>
+          <p:nvPr/>
+        </p:nvPicPr>
+        <p:blipFill>
+          <a:blip r:embed="rId3"/>
+          <a:stretch>
+            <a:fillRect/>
+          </a:stretch>
+        </p:blipFill>
+        <p:spPr>
+          <a:xfrm>
+            <a:off x="7004353" y="882884"/>
+            <a:ext cx="2748080" cy="1080000"/>
+          </a:xfrm>
+          <a:prstGeom prst="rect">
+            <a:avLst/>
+          </a:prstGeom>
+          <a:ln>
+            <a:solidFill>
+              <a:schemeClr val="accent1">
+                <a:lumMod val="20000"/>
+                <a:lumOff val="80000"/>
+              </a:schemeClr>
+            </a:solidFill>
+          </a:ln>
+        </p:spPr>
+      </p:pic>
+      <p:sp>
+        <p:nvSpPr>
+          <p:cNvPr id="11" name="文本框 10"/>
+          <p:cNvSpPr txBox="1"/>
+          <p:nvPr/>
+        </p:nvSpPr>
+        <p:spPr>
+          <a:xfrm>
+            <a:off x="6570836" y="957943"/>
+            <a:ext cx="433517" cy="919482"/>
+          </a:xfrm>
+          <a:prstGeom prst="rect">
+            <a:avLst/>
+          </a:prstGeom>
+          <a:noFill/>
+        </p:spPr>
+        <p:txBody>
+          <a:bodyPr vert="eaVert" wrap="none" rtlCol="0">
+            <a:spAutoFit/>
+          </a:bodyPr>
+          <a:lstStyle/>
+          <a:p>
+            <a:r>
+              <a:rPr lang="zh-CN" altLang="en-US" sz="1617" dirty="0">
+                <a:solidFill>
+                  <a:srgbClr val="FF0000"/>
+                </a:solidFill>
+                <a:latin typeface="微软雅黑" panose="020B0503020204020204" pitchFamily="34" charset="-122"/>
+                <a:ea typeface="微软雅黑" panose="020B0503020204020204" pitchFamily="34" charset="-122"/>
+              </a:rPr>
+              <a:t>工业标签</a:t>
+            </a:r>
+          </a:p>
+        </p:txBody>
+      </p:sp>
+    </p:spTree>
+    <p:extLst>
+      <p:ext uri="{BB962C8B-B14F-4D97-AF65-F5344CB8AC3E}">
+        <p14:creationId xmlns:p14="http://schemas.microsoft.com/office/powerpoint/2010/main" val="1701705112"/>
+      </p:ext>
+    </p:extLst>
+  </p:cSld>
+  <p:clrMapOvr>
+    <a:masterClrMapping/>
+  </p:clrMapOvr>
+</p:sld>
+</file>
+
+<file path=ppt/slides/slide5.xml><?xml version="1.0" encoding="utf-8"?>
+<p:sld xmlns:a="http://schemas.openxmlformats.org/drawingml/2006/main" xmlns:r="http://schemas.openxmlformats.org/officeDocument/2006/relationships" xmlns:p="http://schemas.openxmlformats.org/presentationml/2006/main">
+  <p:cSld>
+    <p:spTree>
+      <p:nvGrpSpPr>
+        <p:cNvPr id="1" name=""/>
+        <p:cNvGrpSpPr/>
+        <p:nvPr/>
+      </p:nvGrpSpPr>
+      <p:grpSpPr>
+        <a:xfrm>
+          <a:off x="0" y="0"/>
+          <a:ext cx="0" cy="0"/>
+          <a:chOff x="0" y="0"/>
+          <a:chExt cx="0" cy="0"/>
+        </a:xfrm>
+      </p:grpSpPr>
+      <p:sp>
+        <p:nvSpPr>
+          <p:cNvPr id="5" name="文本占位符 1"/>
+          <p:cNvSpPr>
+            <a:spLocks noGrp="1"/>
+          </p:cNvSpPr>
+          <p:nvPr/>
+        </p:nvSpPr>
+        <p:spPr>
+          <a:xfrm>
+            <a:off x="4245613" y="2840368"/>
+            <a:ext cx="5680477" cy="1281904"/>
+          </a:xfrm>
+          <a:prstGeom prst="rect">
+            <a:avLst/>
+          </a:prstGeom>
+        </p:spPr>
+        <p:txBody>
+          <a:bodyPr vert="horz" lIns="82248" tIns="41124" rIns="82248" bIns="41124" rtlCol="0" anchor="ctr">
+            <a:noAutofit/>
+          </a:bodyPr>
+          <a:lstStyle>
+            <a:lvl1pPr marL="0" indent="0" algn="l" defTabSz="822325" rtl="0" eaLnBrk="1" latinLnBrk="0" hangingPunct="1">
+              <a:lnSpc>
+                <a:spcPct val="90000"/>
+              </a:lnSpc>
+              <a:spcBef>
+                <a:spcPts val="900"/>
+              </a:spcBef>
+              <a:buFontTx/>
+              <a:buNone/>
+              <a:defRPr sz="3000" b="1" kern="1200">
+                <a:solidFill>
+                  <a:srgbClr val="C00000"/>
+                </a:solidFill>
+                <a:latin typeface="微软雅黑" panose="020B0503020204020204" charset="-122"/>
+                <a:ea typeface="微软雅黑" panose="020B0503020204020204" charset="-122"/>
+                <a:cs typeface="微软雅黑" panose="020B0503020204020204" charset="-122"/>
+              </a:defRPr>
+            </a:lvl1pPr>
+            <a:lvl2pPr marL="616585" indent="-205740" algn="l" defTabSz="822325" rtl="0" eaLnBrk="1" latinLnBrk="0" hangingPunct="1">
+              <a:lnSpc>
+                <a:spcPct val="90000"/>
+              </a:lnSpc>
+              <a:spcBef>
+                <a:spcPts val="450"/>
+              </a:spcBef>
+              <a:buFont typeface="Arial" pitchFamily="34" charset="0"/>
+              <a:buChar char="•"/>
+              <a:defRPr sz="2200" kern="1200">
+                <a:solidFill>
+                  <a:schemeClr val="tx1"/>
+                </a:solidFill>
+                <a:latin typeface="+mn-lt"/>
+                <a:ea typeface="+mn-ea"/>
+                <a:cs typeface="+mn-cs"/>
+              </a:defRPr>
+            </a:lvl2pPr>
+            <a:lvl3pPr marL="1028065" indent="-205740" algn="l" defTabSz="822325" rtl="0" eaLnBrk="1" latinLnBrk="0" hangingPunct="1">
+              <a:lnSpc>
+                <a:spcPct val="90000"/>
+              </a:lnSpc>
+              <a:spcBef>
+                <a:spcPts val="450"/>
+              </a:spcBef>
+              <a:buFont typeface="Arial" pitchFamily="34" charset="0"/>
+              <a:buChar char="•"/>
+              <a:defRPr sz="1800" kern="1200">
+                <a:solidFill>
+                  <a:schemeClr val="tx1"/>
+                </a:solidFill>
+                <a:latin typeface="+mn-lt"/>
+                <a:ea typeface="+mn-ea"/>
+                <a:cs typeface="+mn-cs"/>
+              </a:defRPr>
+            </a:lvl3pPr>
+            <a:lvl4pPr marL="1439545" indent="-205740" algn="l" defTabSz="822325" rtl="0" eaLnBrk="1" latinLnBrk="0" hangingPunct="1">
+              <a:lnSpc>
+                <a:spcPct val="90000"/>
+              </a:lnSpc>
+              <a:spcBef>
+                <a:spcPts val="450"/>
+              </a:spcBef>
+              <a:buFont typeface="Arial" pitchFamily="34" charset="0"/>
+              <a:buChar char="•"/>
+              <a:defRPr sz="1600" kern="1200">
+                <a:solidFill>
+                  <a:schemeClr val="tx1"/>
+                </a:solidFill>
+                <a:latin typeface="+mn-lt"/>
+                <a:ea typeface="+mn-ea"/>
+                <a:cs typeface="+mn-cs"/>
+              </a:defRPr>
+            </a:lvl4pPr>
+            <a:lvl5pPr marL="1850390" indent="-205740" algn="l" defTabSz="822325" rtl="0" eaLnBrk="1" latinLnBrk="0" hangingPunct="1">
+              <a:lnSpc>
+                <a:spcPct val="90000"/>
+              </a:lnSpc>
+              <a:spcBef>
+                <a:spcPts val="450"/>
+              </a:spcBef>
+              <a:buFont typeface="Arial" pitchFamily="34" charset="0"/>
+              <a:buChar char="•"/>
+              <a:defRPr sz="1600" kern="1200">
+                <a:solidFill>
+                  <a:schemeClr val="tx1"/>
+                </a:solidFill>
+                <a:latin typeface="+mn-lt"/>
+                <a:ea typeface="+mn-ea"/>
+                <a:cs typeface="+mn-cs"/>
+              </a:defRPr>
+            </a:lvl5pPr>
+            <a:lvl6pPr marL="2261870" indent="-205740" algn="l" defTabSz="822325" rtl="0" eaLnBrk="1" latinLnBrk="0" hangingPunct="1">
+              <a:lnSpc>
+                <a:spcPct val="90000"/>
+              </a:lnSpc>
+              <a:spcBef>
+                <a:spcPts val="450"/>
+              </a:spcBef>
+              <a:buFont typeface="Arial" pitchFamily="34" charset="0"/>
+              <a:buChar char="•"/>
+              <a:defRPr sz="1600" kern="1200">
+                <a:solidFill>
+                  <a:schemeClr val="tx1"/>
+                </a:solidFill>
+                <a:latin typeface="+mn-lt"/>
+                <a:ea typeface="+mn-ea"/>
+                <a:cs typeface="+mn-cs"/>
+              </a:defRPr>
+            </a:lvl6pPr>
+            <a:lvl7pPr marL="2673350" indent="-205740" algn="l" defTabSz="822325" rtl="0" eaLnBrk="1" latinLnBrk="0" hangingPunct="1">
+              <a:lnSpc>
+                <a:spcPct val="90000"/>
+              </a:lnSpc>
+              <a:spcBef>
+                <a:spcPts val="450"/>
+              </a:spcBef>
+              <a:buFont typeface="Arial" pitchFamily="34" charset="0"/>
+              <a:buChar char="•"/>
+              <a:defRPr sz="1600" kern="1200">
+                <a:solidFill>
+                  <a:schemeClr val="tx1"/>
+                </a:solidFill>
+                <a:latin typeface="+mn-lt"/>
+                <a:ea typeface="+mn-ea"/>
+                <a:cs typeface="+mn-cs"/>
+              </a:defRPr>
+            </a:lvl7pPr>
+            <a:lvl8pPr marL="3084195" indent="-205740" algn="l" defTabSz="822325" rtl="0" eaLnBrk="1" latinLnBrk="0" hangingPunct="1">
+              <a:lnSpc>
+                <a:spcPct val="90000"/>
+              </a:lnSpc>
+              <a:spcBef>
+                <a:spcPts val="450"/>
+              </a:spcBef>
+              <a:buFont typeface="Arial" pitchFamily="34" charset="0"/>
+              <a:buChar char="•"/>
+              <a:defRPr sz="1600" kern="1200">
+                <a:solidFill>
+                  <a:schemeClr val="tx1"/>
+                </a:solidFill>
+                <a:latin typeface="+mn-lt"/>
+                <a:ea typeface="+mn-ea"/>
+                <a:cs typeface="+mn-cs"/>
+              </a:defRPr>
+            </a:lvl8pPr>
+            <a:lvl9pPr marL="3495675" indent="-205740" algn="l" defTabSz="822325" rtl="0" eaLnBrk="1" latinLnBrk="0" hangingPunct="1">
+              <a:lnSpc>
+                <a:spcPct val="90000"/>
+              </a:lnSpc>
+              <a:spcBef>
+                <a:spcPts val="450"/>
+              </a:spcBef>
+              <a:buFont typeface="Arial" pitchFamily="34" charset="0"/>
+              <a:buChar char="•"/>
+              <a:defRPr sz="1600" kern="1200">
+                <a:solidFill>
+                  <a:schemeClr val="tx1"/>
+                </a:solidFill>
+                <a:latin typeface="+mn-lt"/>
+                <a:ea typeface="+mn-ea"/>
+                <a:cs typeface="+mn-cs"/>
+              </a:defRPr>
+            </a:lvl9pPr>
+          </a:lstStyle>
+          <a:p>
+            <a:pPr marL="457200" indent="-457200">
+              <a:buFont typeface="Wingdings" panose="05000000000000000000" pitchFamily="2" charset="2"/>
+              <a:buChar char="l"/>
+            </a:pPr>
+            <a:r>
+              <a:rPr lang="zh-CN" altLang="en-US" sz="2400" dirty="0"/>
+              <a:t>营销投放基础平台</a:t>
+            </a:r>
+            <a:endParaRPr lang="en-US" altLang="zh-CN" sz="2400" dirty="0"/>
+          </a:p>
+          <a:p>
+            <a:pPr marL="457200" indent="-457200">
+              <a:buFont typeface="Wingdings" panose="05000000000000000000" pitchFamily="2" charset="2"/>
+              <a:buChar char="l"/>
+            </a:pPr>
+            <a:r>
+              <a:rPr lang="zh-CN" altLang="en-US" sz="2000" b="0" dirty="0"/>
+              <a:t>东家小院</a:t>
+            </a:r>
+            <a:endParaRPr lang="en-US" altLang="zh-CN" sz="2000" b="0" dirty="0"/>
+          </a:p>
+          <a:p>
+            <a:pPr marL="457200" indent="-457200">
+              <a:buFont typeface="Wingdings" panose="05000000000000000000" pitchFamily="2" charset="2"/>
+              <a:buChar char="l"/>
+            </a:pPr>
+            <a:r>
+              <a:rPr lang="zh-CN" altLang="en-US" sz="2000" b="0" dirty="0"/>
+              <a:t>店铺与创新</a:t>
+            </a:r>
+            <a:endParaRPr lang="en-US" altLang="zh-CN" sz="2000" b="0" dirty="0"/>
+          </a:p>
+        </p:txBody>
+      </p:sp>
+      <p:sp>
+        <p:nvSpPr>
+          <p:cNvPr id="6" name="文本占位符 1"/>
+          <p:cNvSpPr txBox="1">
+            <a:spLocks/>
+          </p:cNvSpPr>
+          <p:nvPr/>
+        </p:nvSpPr>
+        <p:spPr>
+          <a:xfrm>
+            <a:off x="2305878" y="1767901"/>
+            <a:ext cx="6261652" cy="593751"/>
+          </a:xfrm>
+          <a:prstGeom prst="rect">
+            <a:avLst/>
+          </a:prstGeom>
+        </p:spPr>
+        <p:txBody>
+          <a:bodyPr vert="horz" lIns="82248" tIns="41124" rIns="82248" bIns="41124" rtlCol="0" anchor="ctr">
+            <a:noAutofit/>
+          </a:bodyPr>
+          <a:lstStyle>
+            <a:defPPr>
+              <a:defRPr lang="zh-CN"/>
+            </a:defPPr>
+            <a:lvl1pPr marL="0" algn="l" defTabSz="822325" rtl="0" eaLnBrk="1" latinLnBrk="0" hangingPunct="1">
+              <a:defRPr sz="1600" kern="1200">
+                <a:solidFill>
+                  <a:schemeClr val="tx1"/>
+                </a:solidFill>
+                <a:latin typeface="+mn-lt"/>
+                <a:ea typeface="+mn-ea"/>
+                <a:cs typeface="+mn-cs"/>
+              </a:defRPr>
+            </a:lvl1pPr>
+            <a:lvl2pPr marL="411480" algn="l" defTabSz="822325" rtl="0" eaLnBrk="1" latinLnBrk="0" hangingPunct="1">
+              <a:defRPr sz="1600" kern="1200">
+                <a:solidFill>
+                  <a:schemeClr val="tx1"/>
+                </a:solidFill>
+                <a:latin typeface="+mn-lt"/>
+                <a:ea typeface="+mn-ea"/>
+                <a:cs typeface="+mn-cs"/>
+              </a:defRPr>
+            </a:lvl2pPr>
+            <a:lvl3pPr marL="822325" algn="l" defTabSz="822325" rtl="0" eaLnBrk="1" latinLnBrk="0" hangingPunct="1">
+              <a:defRPr sz="1600" kern="1200">
+                <a:solidFill>
+                  <a:schemeClr val="tx1"/>
+                </a:solidFill>
+                <a:latin typeface="+mn-lt"/>
+                <a:ea typeface="+mn-ea"/>
+                <a:cs typeface="+mn-cs"/>
+              </a:defRPr>
+            </a:lvl3pPr>
+            <a:lvl4pPr marL="1233805" algn="l" defTabSz="822325" rtl="0" eaLnBrk="1" latinLnBrk="0" hangingPunct="1">
+              <a:defRPr sz="1600" kern="1200">
+                <a:solidFill>
+                  <a:schemeClr val="tx1"/>
+                </a:solidFill>
+                <a:latin typeface="+mn-lt"/>
+                <a:ea typeface="+mn-ea"/>
+                <a:cs typeface="+mn-cs"/>
+              </a:defRPr>
+            </a:lvl4pPr>
+            <a:lvl5pPr marL="1644650" algn="l" defTabSz="822325" rtl="0" eaLnBrk="1" latinLnBrk="0" hangingPunct="1">
+              <a:defRPr sz="1600" kern="1200">
+                <a:solidFill>
+                  <a:schemeClr val="tx1"/>
+                </a:solidFill>
+                <a:latin typeface="+mn-lt"/>
+                <a:ea typeface="+mn-ea"/>
+                <a:cs typeface="+mn-cs"/>
+              </a:defRPr>
+            </a:lvl5pPr>
+            <a:lvl6pPr marL="2056130" algn="l" defTabSz="822325" rtl="0" eaLnBrk="1" latinLnBrk="0" hangingPunct="1">
+              <a:defRPr sz="1600" kern="1200">
+                <a:solidFill>
+                  <a:schemeClr val="tx1"/>
+                </a:solidFill>
+                <a:latin typeface="+mn-lt"/>
+                <a:ea typeface="+mn-ea"/>
+                <a:cs typeface="+mn-cs"/>
+              </a:defRPr>
+            </a:lvl6pPr>
+            <a:lvl7pPr marL="2467610" algn="l" defTabSz="822325" rtl="0" eaLnBrk="1" latinLnBrk="0" hangingPunct="1">
+              <a:defRPr sz="1600" kern="1200">
+                <a:solidFill>
+                  <a:schemeClr val="tx1"/>
+                </a:solidFill>
+                <a:latin typeface="+mn-lt"/>
+                <a:ea typeface="+mn-ea"/>
+                <a:cs typeface="+mn-cs"/>
+              </a:defRPr>
+            </a:lvl7pPr>
+            <a:lvl8pPr marL="2878455" algn="l" defTabSz="822325" rtl="0" eaLnBrk="1" latinLnBrk="0" hangingPunct="1">
+              <a:defRPr sz="1600" kern="1200">
+                <a:solidFill>
+                  <a:schemeClr val="tx1"/>
+                </a:solidFill>
+                <a:latin typeface="+mn-lt"/>
+                <a:ea typeface="+mn-ea"/>
+                <a:cs typeface="+mn-cs"/>
+              </a:defRPr>
+            </a:lvl8pPr>
+            <a:lvl9pPr marL="3289935" algn="l" defTabSz="822325" rtl="0" eaLnBrk="1" latinLnBrk="0" hangingPunct="1">
+              <a:defRPr sz="1600" kern="1200">
+                <a:solidFill>
+                  <a:schemeClr val="tx1"/>
+                </a:solidFill>
+                <a:latin typeface="+mn-lt"/>
+                <a:ea typeface="+mn-ea"/>
+                <a:cs typeface="+mn-cs"/>
+              </a:defRPr>
+            </a:lvl9pPr>
+          </a:lstStyle>
+          <a:p>
+            <a:pPr marL="457200" indent="-457200" algn="ctr" defTabSz="914400">
+              <a:buFont typeface="Wingdings" panose="05000000000000000000" pitchFamily="2" charset="2"/>
+              <a:buNone/>
+              <a:defRPr/>
+            </a:pPr>
+            <a:r>
+              <a:rPr lang="zh-Hans" altLang="en-US" sz="3600" b="1" dirty="0">
+                <a:solidFill>
+                  <a:srgbClr val="C00000"/>
+                </a:solidFill>
+                <a:latin typeface="Microsoft YaHei" charset="-122"/>
+                <a:ea typeface="Microsoft YaHei" charset="-122"/>
+                <a:cs typeface="Microsoft YaHei" charset="-122"/>
+              </a:rPr>
+              <a:t>数组双向绑定原理及其特殊性</a:t>
+            </a:r>
+            <a:endParaRPr lang="zh-CN" altLang="en-US" sz="3600" b="1" dirty="0">
+              <a:solidFill>
+                <a:srgbClr val="C00000"/>
+              </a:solidFill>
+              <a:latin typeface="Microsoft YaHei" charset="-122"/>
+              <a:ea typeface="Microsoft YaHei" charset="-122"/>
+              <a:cs typeface="Microsoft YaHei" charset="-122"/>
+            </a:endParaRPr>
+          </a:p>
+        </p:txBody>
+      </p:sp>
+    </p:spTree>
+    <p:extLst>
+      <p:ext uri="{BB962C8B-B14F-4D97-AF65-F5344CB8AC3E}">
+        <p14:creationId xmlns:p14="http://schemas.microsoft.com/office/powerpoint/2010/main" val="3064401468"/>
+      </p:ext>
+    </p:extLst>
+  </p:cSld>
+  <p:clrMapOvr>
+    <a:masterClrMapping/>
+  </p:clrMapOvr>
+</p:sld>
+</file>
+
+<file path=ppt/slides/slide6.xml><?xml version="1.0" encoding="utf-8"?>
+<p:sld xmlns:a="http://schemas.openxmlformats.org/drawingml/2006/main" xmlns:r="http://schemas.openxmlformats.org/officeDocument/2006/relationships" xmlns:p="http://schemas.openxmlformats.org/presentationml/2006/main">
+  <p:cSld>
+    <p:spTree>
+      <p:nvGrpSpPr>
+        <p:cNvPr id="1" name=""/>
+        <p:cNvGrpSpPr/>
+        <p:nvPr/>
+      </p:nvGrpSpPr>
+      <p:grpSpPr>
+        <a:xfrm>
+          <a:off x="0" y="0"/>
+          <a:ext cx="0" cy="0"/>
+          <a:chOff x="0" y="0"/>
+          <a:chExt cx="0" cy="0"/>
+        </a:xfrm>
+      </p:grpSpPr>
+      <p:sp>
+        <p:nvSpPr>
+          <p:cNvPr id="5" name="文本占位符 1"/>
+          <p:cNvSpPr>
+            <a:spLocks noGrp="1"/>
+          </p:cNvSpPr>
+          <p:nvPr/>
+        </p:nvSpPr>
+        <p:spPr>
+          <a:xfrm>
+            <a:off x="4245613" y="2840368"/>
+            <a:ext cx="5680477" cy="1281904"/>
+          </a:xfrm>
+          <a:prstGeom prst="rect">
+            <a:avLst/>
+          </a:prstGeom>
+        </p:spPr>
+        <p:txBody>
+          <a:bodyPr vert="horz" lIns="82248" tIns="41124" rIns="82248" bIns="41124" rtlCol="0" anchor="ctr">
+            <a:noAutofit/>
+          </a:bodyPr>
+          <a:lstStyle>
+            <a:lvl1pPr marL="0" indent="0" algn="l" defTabSz="822325" rtl="0" eaLnBrk="1" latinLnBrk="0" hangingPunct="1">
+              <a:lnSpc>
+                <a:spcPct val="90000"/>
+              </a:lnSpc>
+              <a:spcBef>
+                <a:spcPts val="900"/>
+              </a:spcBef>
+              <a:buFontTx/>
+              <a:buNone/>
+              <a:defRPr sz="3000" b="1" kern="1200">
+                <a:solidFill>
+                  <a:srgbClr val="C00000"/>
+                </a:solidFill>
+                <a:latin typeface="微软雅黑" panose="020B0503020204020204" charset="-122"/>
+                <a:ea typeface="微软雅黑" panose="020B0503020204020204" charset="-122"/>
+                <a:cs typeface="微软雅黑" panose="020B0503020204020204" charset="-122"/>
+              </a:defRPr>
+            </a:lvl1pPr>
+            <a:lvl2pPr marL="616585" indent="-205740" algn="l" defTabSz="822325" rtl="0" eaLnBrk="1" latinLnBrk="0" hangingPunct="1">
+              <a:lnSpc>
+                <a:spcPct val="90000"/>
+              </a:lnSpc>
+              <a:spcBef>
+                <a:spcPts val="450"/>
+              </a:spcBef>
+              <a:buFont typeface="Arial" pitchFamily="34" charset="0"/>
+              <a:buChar char="•"/>
+              <a:defRPr sz="2200" kern="1200">
+                <a:solidFill>
+                  <a:schemeClr val="tx1"/>
+                </a:solidFill>
+                <a:latin typeface="+mn-lt"/>
+                <a:ea typeface="+mn-ea"/>
+                <a:cs typeface="+mn-cs"/>
+              </a:defRPr>
+            </a:lvl2pPr>
+            <a:lvl3pPr marL="1028065" indent="-205740" algn="l" defTabSz="822325" rtl="0" eaLnBrk="1" latinLnBrk="0" hangingPunct="1">
+              <a:lnSpc>
+                <a:spcPct val="90000"/>
+              </a:lnSpc>
+              <a:spcBef>
+                <a:spcPts val="450"/>
+              </a:spcBef>
+              <a:buFont typeface="Arial" pitchFamily="34" charset="0"/>
+              <a:buChar char="•"/>
+              <a:defRPr sz="1800" kern="1200">
+                <a:solidFill>
+                  <a:schemeClr val="tx1"/>
+                </a:solidFill>
+                <a:latin typeface="+mn-lt"/>
+                <a:ea typeface="+mn-ea"/>
+                <a:cs typeface="+mn-cs"/>
+              </a:defRPr>
+            </a:lvl3pPr>
+            <a:lvl4pPr marL="1439545" indent="-205740" algn="l" defTabSz="822325" rtl="0" eaLnBrk="1" latinLnBrk="0" hangingPunct="1">
+              <a:lnSpc>
+                <a:spcPct val="90000"/>
+              </a:lnSpc>
+              <a:spcBef>
+                <a:spcPts val="450"/>
+              </a:spcBef>
+              <a:buFont typeface="Arial" pitchFamily="34" charset="0"/>
+              <a:buChar char="•"/>
+              <a:defRPr sz="1600" kern="1200">
+                <a:solidFill>
+                  <a:schemeClr val="tx1"/>
+                </a:solidFill>
+                <a:latin typeface="+mn-lt"/>
+                <a:ea typeface="+mn-ea"/>
+                <a:cs typeface="+mn-cs"/>
+              </a:defRPr>
+            </a:lvl4pPr>
+            <a:lvl5pPr marL="1850390" indent="-205740" algn="l" defTabSz="822325" rtl="0" eaLnBrk="1" latinLnBrk="0" hangingPunct="1">
+              <a:lnSpc>
+                <a:spcPct val="90000"/>
+              </a:lnSpc>
+              <a:spcBef>
+                <a:spcPts val="450"/>
+              </a:spcBef>
+              <a:buFont typeface="Arial" pitchFamily="34" charset="0"/>
+              <a:buChar char="•"/>
+              <a:defRPr sz="1600" kern="1200">
+                <a:solidFill>
+                  <a:schemeClr val="tx1"/>
+                </a:solidFill>
+                <a:latin typeface="+mn-lt"/>
+                <a:ea typeface="+mn-ea"/>
+                <a:cs typeface="+mn-cs"/>
+              </a:defRPr>
+            </a:lvl5pPr>
+            <a:lvl6pPr marL="2261870" indent="-205740" algn="l" defTabSz="822325" rtl="0" eaLnBrk="1" latinLnBrk="0" hangingPunct="1">
+              <a:lnSpc>
+                <a:spcPct val="90000"/>
+              </a:lnSpc>
+              <a:spcBef>
+                <a:spcPts val="450"/>
+              </a:spcBef>
+              <a:buFont typeface="Arial" pitchFamily="34" charset="0"/>
+              <a:buChar char="•"/>
+              <a:defRPr sz="1600" kern="1200">
+                <a:solidFill>
+                  <a:schemeClr val="tx1"/>
+                </a:solidFill>
+                <a:latin typeface="+mn-lt"/>
+                <a:ea typeface="+mn-ea"/>
+                <a:cs typeface="+mn-cs"/>
+              </a:defRPr>
+            </a:lvl6pPr>
+            <a:lvl7pPr marL="2673350" indent="-205740" algn="l" defTabSz="822325" rtl="0" eaLnBrk="1" latinLnBrk="0" hangingPunct="1">
+              <a:lnSpc>
+                <a:spcPct val="90000"/>
+              </a:lnSpc>
+              <a:spcBef>
+                <a:spcPts val="450"/>
+              </a:spcBef>
+              <a:buFont typeface="Arial" pitchFamily="34" charset="0"/>
+              <a:buChar char="•"/>
+              <a:defRPr sz="1600" kern="1200">
+                <a:solidFill>
+                  <a:schemeClr val="tx1"/>
+                </a:solidFill>
+                <a:latin typeface="+mn-lt"/>
+                <a:ea typeface="+mn-ea"/>
+                <a:cs typeface="+mn-cs"/>
+              </a:defRPr>
+            </a:lvl7pPr>
+            <a:lvl8pPr marL="3084195" indent="-205740" algn="l" defTabSz="822325" rtl="0" eaLnBrk="1" latinLnBrk="0" hangingPunct="1">
+              <a:lnSpc>
+                <a:spcPct val="90000"/>
+              </a:lnSpc>
+              <a:spcBef>
+                <a:spcPts val="450"/>
+              </a:spcBef>
+              <a:buFont typeface="Arial" pitchFamily="34" charset="0"/>
+              <a:buChar char="•"/>
+              <a:defRPr sz="1600" kern="1200">
+                <a:solidFill>
+                  <a:schemeClr val="tx1"/>
+                </a:solidFill>
+                <a:latin typeface="+mn-lt"/>
+                <a:ea typeface="+mn-ea"/>
+                <a:cs typeface="+mn-cs"/>
+              </a:defRPr>
+            </a:lvl8pPr>
+            <a:lvl9pPr marL="3495675" indent="-205740" algn="l" defTabSz="822325" rtl="0" eaLnBrk="1" latinLnBrk="0" hangingPunct="1">
+              <a:lnSpc>
+                <a:spcPct val="90000"/>
+              </a:lnSpc>
+              <a:spcBef>
+                <a:spcPts val="450"/>
+              </a:spcBef>
+              <a:buFont typeface="Arial" pitchFamily="34" charset="0"/>
+              <a:buChar char="•"/>
+              <a:defRPr sz="1600" kern="1200">
+                <a:solidFill>
+                  <a:schemeClr val="tx1"/>
+                </a:solidFill>
+                <a:latin typeface="+mn-lt"/>
+                <a:ea typeface="+mn-ea"/>
+                <a:cs typeface="+mn-cs"/>
+              </a:defRPr>
+            </a:lvl9pPr>
+          </a:lstStyle>
+          <a:p>
+            <a:pPr marL="457200" indent="-457200">
+              <a:buFont typeface="Wingdings" panose="05000000000000000000" pitchFamily="2" charset="2"/>
+              <a:buChar char="l"/>
+            </a:pPr>
+            <a:r>
+              <a:rPr lang="zh-CN" altLang="en-US" sz="2400" dirty="0"/>
+              <a:t>营销投放基础平台</a:t>
+            </a:r>
+            <a:endParaRPr lang="en-US" altLang="zh-CN" sz="2400" dirty="0"/>
+          </a:p>
+          <a:p>
+            <a:pPr marL="457200" indent="-457200">
+              <a:buFont typeface="Wingdings" panose="05000000000000000000" pitchFamily="2" charset="2"/>
+              <a:buChar char="l"/>
+            </a:pPr>
+            <a:r>
+              <a:rPr lang="zh-CN" altLang="en-US" sz="2000" b="0" dirty="0"/>
+              <a:t>东家小院</a:t>
+            </a:r>
+            <a:endParaRPr lang="en-US" altLang="zh-CN" sz="2000" b="0" dirty="0"/>
+          </a:p>
+          <a:p>
+            <a:pPr marL="457200" indent="-457200">
+              <a:buFont typeface="Wingdings" panose="05000000000000000000" pitchFamily="2" charset="2"/>
+              <a:buChar char="l"/>
+            </a:pPr>
+            <a:r>
+              <a:rPr lang="zh-CN" altLang="en-US" sz="2000" b="0" dirty="0"/>
+              <a:t>店铺与创新</a:t>
+            </a:r>
+            <a:endParaRPr lang="en-US" altLang="zh-CN" sz="2000" b="0" dirty="0"/>
+          </a:p>
+        </p:txBody>
+      </p:sp>
+      <p:sp>
+        <p:nvSpPr>
+          <p:cNvPr id="6" name="文本占位符 1"/>
+          <p:cNvSpPr txBox="1">
+            <a:spLocks/>
+          </p:cNvSpPr>
+          <p:nvPr/>
+        </p:nvSpPr>
+        <p:spPr>
+          <a:xfrm>
+            <a:off x="2305878" y="1767901"/>
+            <a:ext cx="6261652" cy="593751"/>
+          </a:xfrm>
+          <a:prstGeom prst="rect">
+            <a:avLst/>
+          </a:prstGeom>
+        </p:spPr>
+        <p:txBody>
+          <a:bodyPr vert="horz" lIns="82248" tIns="41124" rIns="82248" bIns="41124" rtlCol="0" anchor="ctr">
+            <a:noAutofit/>
+          </a:bodyPr>
+          <a:lstStyle>
+            <a:defPPr>
+              <a:defRPr lang="zh-CN"/>
+            </a:defPPr>
+            <a:lvl1pPr marL="0" algn="l" defTabSz="822325" rtl="0" eaLnBrk="1" latinLnBrk="0" hangingPunct="1">
+              <a:defRPr sz="1600" kern="1200">
+                <a:solidFill>
+                  <a:schemeClr val="tx1"/>
+                </a:solidFill>
+                <a:latin typeface="+mn-lt"/>
+                <a:ea typeface="+mn-ea"/>
+                <a:cs typeface="+mn-cs"/>
+              </a:defRPr>
+            </a:lvl1pPr>
+            <a:lvl2pPr marL="411480" algn="l" defTabSz="822325" rtl="0" eaLnBrk="1" latinLnBrk="0" hangingPunct="1">
+              <a:defRPr sz="1600" kern="1200">
+                <a:solidFill>
+                  <a:schemeClr val="tx1"/>
+                </a:solidFill>
+                <a:latin typeface="+mn-lt"/>
+                <a:ea typeface="+mn-ea"/>
+                <a:cs typeface="+mn-cs"/>
+              </a:defRPr>
+            </a:lvl2pPr>
+            <a:lvl3pPr marL="822325" algn="l" defTabSz="822325" rtl="0" eaLnBrk="1" latinLnBrk="0" hangingPunct="1">
+              <a:defRPr sz="1600" kern="1200">
+                <a:solidFill>
+                  <a:schemeClr val="tx1"/>
+                </a:solidFill>
+                <a:latin typeface="+mn-lt"/>
+                <a:ea typeface="+mn-ea"/>
+                <a:cs typeface="+mn-cs"/>
+              </a:defRPr>
+            </a:lvl3pPr>
+            <a:lvl4pPr marL="1233805" algn="l" defTabSz="822325" rtl="0" eaLnBrk="1" latinLnBrk="0" hangingPunct="1">
+              <a:defRPr sz="1600" kern="1200">
+                <a:solidFill>
+                  <a:schemeClr val="tx1"/>
+                </a:solidFill>
+                <a:latin typeface="+mn-lt"/>
+                <a:ea typeface="+mn-ea"/>
+                <a:cs typeface="+mn-cs"/>
+              </a:defRPr>
+            </a:lvl4pPr>
+            <a:lvl5pPr marL="1644650" algn="l" defTabSz="822325" rtl="0" eaLnBrk="1" latinLnBrk="0" hangingPunct="1">
+              <a:defRPr sz="1600" kern="1200">
+                <a:solidFill>
+                  <a:schemeClr val="tx1"/>
+                </a:solidFill>
+                <a:latin typeface="+mn-lt"/>
+                <a:ea typeface="+mn-ea"/>
+                <a:cs typeface="+mn-cs"/>
+              </a:defRPr>
+            </a:lvl5pPr>
+            <a:lvl6pPr marL="2056130" algn="l" defTabSz="822325" rtl="0" eaLnBrk="1" latinLnBrk="0" hangingPunct="1">
+              <a:defRPr sz="1600" kern="1200">
+                <a:solidFill>
+                  <a:schemeClr val="tx1"/>
+                </a:solidFill>
+                <a:latin typeface="+mn-lt"/>
+                <a:ea typeface="+mn-ea"/>
+                <a:cs typeface="+mn-cs"/>
+              </a:defRPr>
+            </a:lvl6pPr>
+            <a:lvl7pPr marL="2467610" algn="l" defTabSz="822325" rtl="0" eaLnBrk="1" latinLnBrk="0" hangingPunct="1">
+              <a:defRPr sz="1600" kern="1200">
+                <a:solidFill>
+                  <a:schemeClr val="tx1"/>
+                </a:solidFill>
+                <a:latin typeface="+mn-lt"/>
+                <a:ea typeface="+mn-ea"/>
+                <a:cs typeface="+mn-cs"/>
+              </a:defRPr>
+            </a:lvl7pPr>
+            <a:lvl8pPr marL="2878455" algn="l" defTabSz="822325" rtl="0" eaLnBrk="1" latinLnBrk="0" hangingPunct="1">
+              <a:defRPr sz="1600" kern="1200">
+                <a:solidFill>
+                  <a:schemeClr val="tx1"/>
+                </a:solidFill>
+                <a:latin typeface="+mn-lt"/>
+                <a:ea typeface="+mn-ea"/>
+                <a:cs typeface="+mn-cs"/>
+              </a:defRPr>
+            </a:lvl8pPr>
+            <a:lvl9pPr marL="3289935" algn="l" defTabSz="822325" rtl="0" eaLnBrk="1" latinLnBrk="0" hangingPunct="1">
+              <a:defRPr sz="1600" kern="1200">
+                <a:solidFill>
+                  <a:schemeClr val="tx1"/>
+                </a:solidFill>
+                <a:latin typeface="+mn-lt"/>
+                <a:ea typeface="+mn-ea"/>
+                <a:cs typeface="+mn-cs"/>
+              </a:defRPr>
+            </a:lvl9pPr>
+          </a:lstStyle>
+          <a:p>
+            <a:pPr marL="457200" indent="-457200" algn="ctr" defTabSz="914400">
+              <a:buFont typeface="Wingdings" panose="05000000000000000000" pitchFamily="2" charset="2"/>
+              <a:buNone/>
+              <a:defRPr/>
+            </a:pPr>
+            <a:r>
+              <a:rPr lang="en-US" altLang="zh-Hans" sz="3600" b="1" dirty="0">
+                <a:solidFill>
+                  <a:srgbClr val="C00000"/>
+                </a:solidFill>
+                <a:latin typeface="Microsoft YaHei" charset="-122"/>
+                <a:ea typeface="Microsoft YaHei" charset="-122"/>
+                <a:cs typeface="Microsoft YaHei" charset="-122"/>
+              </a:rPr>
+              <a:t>Vue</a:t>
+            </a:r>
+            <a:r>
+              <a:rPr lang="zh-Hans" altLang="en-US" sz="3600" b="1" dirty="0">
+                <a:solidFill>
+                  <a:srgbClr val="C00000"/>
+                </a:solidFill>
+                <a:latin typeface="Microsoft YaHei" charset="-122"/>
+                <a:ea typeface="Microsoft YaHei" charset="-122"/>
+                <a:cs typeface="Microsoft YaHei" charset="-122"/>
+              </a:rPr>
+              <a:t>数组之使用</a:t>
+            </a:r>
+            <a:endParaRPr lang="zh-CN" altLang="en-US" sz="3600" b="1" dirty="0">
+              <a:solidFill>
+                <a:srgbClr val="C00000"/>
+              </a:solidFill>
+              <a:latin typeface="Microsoft YaHei" charset="-122"/>
+              <a:ea typeface="Microsoft YaHei" charset="-122"/>
+              <a:cs typeface="Microsoft YaHei" charset="-122"/>
+            </a:endParaRPr>
+          </a:p>
+        </p:txBody>
+      </p:sp>
+    </p:spTree>
+    <p:extLst>
+      <p:ext uri="{BB962C8B-B14F-4D97-AF65-F5344CB8AC3E}">
+        <p14:creationId xmlns:p14="http://schemas.microsoft.com/office/powerpoint/2010/main" val="1448798920"/>
+      </p:ext>
+    </p:extLst>
+  </p:cSld>
+  <p:clrMapOvr>
+    <a:masterClrMapping/>
+  </p:clrMapOvr>
+</p:sld>
+</file>
+
+<file path=ppt/slides/slide7.xml><?xml version="1.0" encoding="utf-8"?>
 <p:sld xmlns:a="http://schemas.openxmlformats.org/drawingml/2006/main" xmlns:r="http://schemas.openxmlformats.org/officeDocument/2006/relationships" xmlns:p="http://schemas.openxmlformats.org/presentationml/2006/main">
   <p:cSld>
     <p:spTree>
@@ -26124,7 +29375,7 @@
 </p:sld>
 </file>
 
-<file path=ppt/slides/slide5.xml><?xml version="1.0" encoding="utf-8"?>
+<file path=ppt/slides/slide8.xml><?xml version="1.0" encoding="utf-8"?>
 <p:sld xmlns:a="http://schemas.openxmlformats.org/drawingml/2006/main" xmlns:r="http://schemas.openxmlformats.org/officeDocument/2006/relationships" xmlns:p="http://schemas.openxmlformats.org/presentationml/2006/main">
   <p:cSld>
     <p:spTree>
@@ -27083,7 +30334,7 @@
 </p:sld>
 </file>
 
-<file path=ppt/slides/slide6.xml><?xml version="1.0" encoding="utf-8"?>
+<file path=ppt/slides/slide9.xml><?xml version="1.0" encoding="utf-8"?>
 <p:sld xmlns:a="http://schemas.openxmlformats.org/drawingml/2006/main" xmlns:r="http://schemas.openxmlformats.org/officeDocument/2006/relationships" xmlns:p="http://schemas.openxmlformats.org/presentationml/2006/main">
   <p:cSld>
     <p:spTree>
@@ -27692,1772 +30943,6 @@
     <p:extLst>
       <p:ext uri="{BB962C8B-B14F-4D97-AF65-F5344CB8AC3E}">
         <p14:creationId xmlns:p14="http://schemas.microsoft.com/office/powerpoint/2010/main" val="1985363375"/>
-      </p:ext>
-    </p:extLst>
-  </p:cSld>
-  <p:clrMapOvr>
-    <a:masterClrMapping/>
-  </p:clrMapOvr>
-</p:sld>
-</file>
-
-<file path=ppt/slides/slide7.xml><?xml version="1.0" encoding="utf-8"?>
-<p:sld xmlns:a="http://schemas.openxmlformats.org/drawingml/2006/main" xmlns:r="http://schemas.openxmlformats.org/officeDocument/2006/relationships" xmlns:p="http://schemas.openxmlformats.org/presentationml/2006/main">
-  <p:cSld>
-    <p:spTree>
-      <p:nvGrpSpPr>
-        <p:cNvPr id="1" name=""/>
-        <p:cNvGrpSpPr/>
-        <p:nvPr/>
-      </p:nvGrpSpPr>
-      <p:grpSpPr>
-        <a:xfrm>
-          <a:off x="0" y="0"/>
-          <a:ext cx="0" cy="0"/>
-          <a:chOff x="0" y="0"/>
-          <a:chExt cx="0" cy="0"/>
-        </a:xfrm>
-      </p:grpSpPr>
-      <p:sp>
-        <p:nvSpPr>
-          <p:cNvPr id="13" name="内容占位符 2"/>
-          <p:cNvSpPr txBox="1">
-            <a:spLocks/>
-          </p:cNvSpPr>
-          <p:nvPr/>
-        </p:nvSpPr>
-        <p:spPr>
-          <a:xfrm>
-            <a:off x="-1" y="957943"/>
-            <a:ext cx="10753195" cy="4571646"/>
-          </a:xfrm>
-          <a:prstGeom prst="rect">
-            <a:avLst/>
-          </a:prstGeom>
-        </p:spPr>
-        <p:txBody>
-          <a:bodyPr>
-            <a:normAutofit/>
-          </a:bodyPr>
-          <a:lstStyle>
-            <a:lvl1pPr marL="205740" indent="-205740" algn="l" defTabSz="822325" rtl="0" eaLnBrk="1" latinLnBrk="0" hangingPunct="1">
-              <a:lnSpc>
-                <a:spcPct val="90000"/>
-              </a:lnSpc>
-              <a:spcBef>
-                <a:spcPts val="900"/>
-              </a:spcBef>
-              <a:buFont typeface="Arial" pitchFamily="34" charset="0"/>
-              <a:buChar char="•"/>
-              <a:defRPr sz="2500" kern="1200">
-                <a:solidFill>
-                  <a:schemeClr val="tx1"/>
-                </a:solidFill>
-                <a:latin typeface="+mn-lt"/>
-                <a:ea typeface="+mn-ea"/>
-                <a:cs typeface="+mn-cs"/>
-              </a:defRPr>
-            </a:lvl1pPr>
-            <a:lvl2pPr marL="616585" indent="-205740" algn="l" defTabSz="822325" rtl="0" eaLnBrk="1" latinLnBrk="0" hangingPunct="1">
-              <a:lnSpc>
-                <a:spcPct val="90000"/>
-              </a:lnSpc>
-              <a:spcBef>
-                <a:spcPts val="450"/>
-              </a:spcBef>
-              <a:buFont typeface="Arial" pitchFamily="34" charset="0"/>
-              <a:buChar char="•"/>
-              <a:defRPr sz="2200" kern="1200">
-                <a:solidFill>
-                  <a:schemeClr val="tx1"/>
-                </a:solidFill>
-                <a:latin typeface="+mn-lt"/>
-                <a:ea typeface="+mn-ea"/>
-                <a:cs typeface="+mn-cs"/>
-              </a:defRPr>
-            </a:lvl2pPr>
-            <a:lvl3pPr marL="1028065" indent="-205740" algn="l" defTabSz="822325" rtl="0" eaLnBrk="1" latinLnBrk="0" hangingPunct="1">
-              <a:lnSpc>
-                <a:spcPct val="90000"/>
-              </a:lnSpc>
-              <a:spcBef>
-                <a:spcPts val="450"/>
-              </a:spcBef>
-              <a:buFont typeface="Arial" pitchFamily="34" charset="0"/>
-              <a:buChar char="•"/>
-              <a:defRPr sz="1800" kern="1200">
-                <a:solidFill>
-                  <a:schemeClr val="tx1"/>
-                </a:solidFill>
-                <a:latin typeface="+mn-lt"/>
-                <a:ea typeface="+mn-ea"/>
-                <a:cs typeface="+mn-cs"/>
-              </a:defRPr>
-            </a:lvl3pPr>
-            <a:lvl4pPr marL="1439545" indent="-205740" algn="l" defTabSz="822325" rtl="0" eaLnBrk="1" latinLnBrk="0" hangingPunct="1">
-              <a:lnSpc>
-                <a:spcPct val="90000"/>
-              </a:lnSpc>
-              <a:spcBef>
-                <a:spcPts val="450"/>
-              </a:spcBef>
-              <a:buFont typeface="Arial" pitchFamily="34" charset="0"/>
-              <a:buChar char="•"/>
-              <a:defRPr sz="1600" kern="1200">
-                <a:solidFill>
-                  <a:schemeClr val="tx1"/>
-                </a:solidFill>
-                <a:latin typeface="+mn-lt"/>
-                <a:ea typeface="+mn-ea"/>
-                <a:cs typeface="+mn-cs"/>
-              </a:defRPr>
-            </a:lvl4pPr>
-            <a:lvl5pPr marL="1850390" indent="-205740" algn="l" defTabSz="822325" rtl="0" eaLnBrk="1" latinLnBrk="0" hangingPunct="1">
-              <a:lnSpc>
-                <a:spcPct val="90000"/>
-              </a:lnSpc>
-              <a:spcBef>
-                <a:spcPts val="450"/>
-              </a:spcBef>
-              <a:buFont typeface="Arial" pitchFamily="34" charset="0"/>
-              <a:buChar char="•"/>
-              <a:defRPr sz="1600" kern="1200">
-                <a:solidFill>
-                  <a:schemeClr val="tx1"/>
-                </a:solidFill>
-                <a:latin typeface="+mn-lt"/>
-                <a:ea typeface="+mn-ea"/>
-                <a:cs typeface="+mn-cs"/>
-              </a:defRPr>
-            </a:lvl5pPr>
-            <a:lvl6pPr marL="2261870" indent="-205740" algn="l" defTabSz="822325" rtl="0" eaLnBrk="1" latinLnBrk="0" hangingPunct="1">
-              <a:lnSpc>
-                <a:spcPct val="90000"/>
-              </a:lnSpc>
-              <a:spcBef>
-                <a:spcPts val="450"/>
-              </a:spcBef>
-              <a:buFont typeface="Arial" pitchFamily="34" charset="0"/>
-              <a:buChar char="•"/>
-              <a:defRPr sz="1600" kern="1200">
-                <a:solidFill>
-                  <a:schemeClr val="tx1"/>
-                </a:solidFill>
-                <a:latin typeface="+mn-lt"/>
-                <a:ea typeface="+mn-ea"/>
-                <a:cs typeface="+mn-cs"/>
-              </a:defRPr>
-            </a:lvl6pPr>
-            <a:lvl7pPr marL="2673350" indent="-205740" algn="l" defTabSz="822325" rtl="0" eaLnBrk="1" latinLnBrk="0" hangingPunct="1">
-              <a:lnSpc>
-                <a:spcPct val="90000"/>
-              </a:lnSpc>
-              <a:spcBef>
-                <a:spcPts val="450"/>
-              </a:spcBef>
-              <a:buFont typeface="Arial" pitchFamily="34" charset="0"/>
-              <a:buChar char="•"/>
-              <a:defRPr sz="1600" kern="1200">
-                <a:solidFill>
-                  <a:schemeClr val="tx1"/>
-                </a:solidFill>
-                <a:latin typeface="+mn-lt"/>
-                <a:ea typeface="+mn-ea"/>
-                <a:cs typeface="+mn-cs"/>
-              </a:defRPr>
-            </a:lvl7pPr>
-            <a:lvl8pPr marL="3084195" indent="-205740" algn="l" defTabSz="822325" rtl="0" eaLnBrk="1" latinLnBrk="0" hangingPunct="1">
-              <a:lnSpc>
-                <a:spcPct val="90000"/>
-              </a:lnSpc>
-              <a:spcBef>
-                <a:spcPts val="450"/>
-              </a:spcBef>
-              <a:buFont typeface="Arial" pitchFamily="34" charset="0"/>
-              <a:buChar char="•"/>
-              <a:defRPr sz="1600" kern="1200">
-                <a:solidFill>
-                  <a:schemeClr val="tx1"/>
-                </a:solidFill>
-                <a:latin typeface="+mn-lt"/>
-                <a:ea typeface="+mn-ea"/>
-                <a:cs typeface="+mn-cs"/>
-              </a:defRPr>
-            </a:lvl8pPr>
-            <a:lvl9pPr marL="3495675" indent="-205740" algn="l" defTabSz="822325" rtl="0" eaLnBrk="1" latinLnBrk="0" hangingPunct="1">
-              <a:lnSpc>
-                <a:spcPct val="90000"/>
-              </a:lnSpc>
-              <a:spcBef>
-                <a:spcPts val="450"/>
-              </a:spcBef>
-              <a:buFont typeface="Arial" pitchFamily="34" charset="0"/>
-              <a:buChar char="•"/>
-              <a:defRPr sz="1600" kern="1200">
-                <a:solidFill>
-                  <a:schemeClr val="tx1"/>
-                </a:solidFill>
-                <a:latin typeface="+mn-lt"/>
-                <a:ea typeface="+mn-ea"/>
-                <a:cs typeface="+mn-cs"/>
-              </a:defRPr>
-            </a:lvl9pPr>
-          </a:lstStyle>
-          <a:p>
-            <a:pPr marL="457189" indent="-457189">
-              <a:buFont typeface="+mj-lt"/>
-              <a:buAutoNum type="arabicPeriod" startAt="2"/>
-            </a:pPr>
-            <a:endParaRPr lang="en-US" altLang="zh-CN" sz="1900" dirty="0">
-              <a:solidFill>
-                <a:schemeClr val="tx1">
-                  <a:lumMod val="75000"/>
-                  <a:lumOff val="25000"/>
-                </a:schemeClr>
-              </a:solidFill>
-              <a:latin typeface="微软雅黑" panose="020B0503020204020204" pitchFamily="34" charset="-122"/>
-              <a:ea typeface="微软雅黑" panose="020B0503020204020204" pitchFamily="34" charset="-122"/>
-            </a:endParaRPr>
-          </a:p>
-        </p:txBody>
-      </p:sp>
-      <p:sp>
-        <p:nvSpPr>
-          <p:cNvPr id="2" name="文本占位符 1"/>
-          <p:cNvSpPr>
-            <a:spLocks noGrp="1"/>
-          </p:cNvSpPr>
-          <p:nvPr>
-            <p:ph type="body" sz="quarter" idx="10"/>
-          </p:nvPr>
-        </p:nvSpPr>
-        <p:spPr>
-          <a:xfrm>
-            <a:off x="2637934" y="2650015"/>
-            <a:ext cx="5680477" cy="593751"/>
-          </a:xfrm>
-        </p:spPr>
-        <p:txBody>
-          <a:bodyPr anchor="ctr">
-            <a:normAutofit/>
-          </a:bodyPr>
-          <a:lstStyle/>
-          <a:p>
-            <a:pPr marL="457200" indent="-457200" algn="ctr">
-              <a:buFont typeface="Wingdings" panose="05000000000000000000" pitchFamily="2" charset="2"/>
-              <a:buChar char="l"/>
-            </a:pPr>
-            <a:r>
-              <a:rPr lang="zh-CN" altLang="en-US" sz="3200" dirty="0"/>
-              <a:t>营销投放基础平台</a:t>
-            </a:r>
-            <a:r>
-              <a:rPr lang="zh-CN" altLang="en-US" dirty="0"/>
-              <a:t>需求</a:t>
-            </a:r>
-            <a:r>
-              <a:rPr lang="en-US" altLang="zh-CN" dirty="0"/>
-              <a:t>list</a:t>
-            </a:r>
-            <a:endParaRPr lang="zh-CN" altLang="en-US" dirty="0"/>
-          </a:p>
-        </p:txBody>
-      </p:sp>
-    </p:spTree>
-    <p:extLst>
-      <p:ext uri="{BB962C8B-B14F-4D97-AF65-F5344CB8AC3E}">
-        <p14:creationId xmlns:p14="http://schemas.microsoft.com/office/powerpoint/2010/main" val="1170838755"/>
-      </p:ext>
-    </p:extLst>
-  </p:cSld>
-  <p:clrMapOvr>
-    <a:masterClrMapping/>
-  </p:clrMapOvr>
-</p:sld>
-</file>
-
-<file path=ppt/slides/slide8.xml><?xml version="1.0" encoding="utf-8"?>
-<p:sld xmlns:a="http://schemas.openxmlformats.org/drawingml/2006/main" xmlns:r="http://schemas.openxmlformats.org/officeDocument/2006/relationships" xmlns:p="http://schemas.openxmlformats.org/presentationml/2006/main">
-  <p:cSld>
-    <p:spTree>
-      <p:nvGrpSpPr>
-        <p:cNvPr id="1" name=""/>
-        <p:cNvGrpSpPr/>
-        <p:nvPr/>
-      </p:nvGrpSpPr>
-      <p:grpSpPr>
-        <a:xfrm>
-          <a:off x="0" y="0"/>
-          <a:ext cx="0" cy="0"/>
-          <a:chOff x="0" y="0"/>
-          <a:chExt cx="0" cy="0"/>
-        </a:xfrm>
-      </p:grpSpPr>
-      <p:sp>
-        <p:nvSpPr>
-          <p:cNvPr id="12" name="标题 1"/>
-          <p:cNvSpPr txBox="1">
-            <a:spLocks/>
-          </p:cNvSpPr>
-          <p:nvPr/>
-        </p:nvSpPr>
-        <p:spPr>
-          <a:xfrm>
-            <a:off x="0" y="102276"/>
-            <a:ext cx="11521280" cy="562075"/>
-          </a:xfrm>
-          <a:prstGeom prst="rect">
-            <a:avLst/>
-          </a:prstGeom>
-        </p:spPr>
-        <p:txBody>
-          <a:bodyPr/>
-          <a:lstStyle>
-            <a:lvl1pPr algn="l" defTabSz="822325" rtl="0" eaLnBrk="1" latinLnBrk="0" hangingPunct="1">
-              <a:lnSpc>
-                <a:spcPct val="90000"/>
-              </a:lnSpc>
-              <a:spcBef>
-                <a:spcPct val="0"/>
-              </a:spcBef>
-              <a:buNone/>
-              <a:defRPr sz="4000" kern="1200">
-                <a:solidFill>
-                  <a:schemeClr val="tx1"/>
-                </a:solidFill>
-                <a:latin typeface="+mj-lt"/>
-                <a:ea typeface="+mj-ea"/>
-                <a:cs typeface="+mj-cs"/>
-              </a:defRPr>
-            </a:lvl1pPr>
-          </a:lstStyle>
-          <a:p>
-            <a:r>
-              <a:rPr lang="zh-CN" altLang="en-US" sz="2800" b="1" dirty="0">
-                <a:solidFill>
-                  <a:schemeClr val="tx1">
-                    <a:lumMod val="75000"/>
-                    <a:lumOff val="25000"/>
-                  </a:schemeClr>
-                </a:solidFill>
-                <a:latin typeface="微软雅黑" panose="020B0503020204020204" pitchFamily="34" charset="-122"/>
-                <a:ea typeface="微软雅黑" panose="020B0503020204020204" pitchFamily="34" charset="-122"/>
-              </a:rPr>
-              <a:t>需求列表</a:t>
-            </a:r>
-            <a:r>
-              <a:rPr lang="en-US" altLang="zh-CN" sz="2800" b="1" dirty="0">
-                <a:solidFill>
-                  <a:schemeClr val="tx1">
-                    <a:lumMod val="75000"/>
-                    <a:lumOff val="25000"/>
-                  </a:schemeClr>
-                </a:solidFill>
-                <a:latin typeface="微软雅黑" panose="020B0503020204020204" pitchFamily="34" charset="-122"/>
-                <a:ea typeface="微软雅黑" panose="020B0503020204020204" pitchFamily="34" charset="-122"/>
-              </a:rPr>
-              <a:t>-</a:t>
-            </a:r>
-            <a:r>
-              <a:rPr lang="zh-CN" altLang="en-US" sz="2800" b="1" dirty="0">
-                <a:solidFill>
-                  <a:schemeClr val="tx1">
-                    <a:lumMod val="75000"/>
-                    <a:lumOff val="25000"/>
-                  </a:schemeClr>
-                </a:solidFill>
-                <a:latin typeface="微软雅黑" panose="020B0503020204020204" pitchFamily="34" charset="-122"/>
-                <a:ea typeface="微软雅黑" panose="020B0503020204020204" pitchFamily="34" charset="-122"/>
-              </a:rPr>
-              <a:t>平台服务能力</a:t>
-            </a:r>
-            <a:endParaRPr lang="en-US" altLang="zh-CN" sz="2800" b="1" dirty="0">
-              <a:solidFill>
-                <a:schemeClr val="tx1">
-                  <a:lumMod val="75000"/>
-                  <a:lumOff val="25000"/>
-                </a:schemeClr>
-              </a:solidFill>
-              <a:latin typeface="微软雅黑" panose="020B0503020204020204" pitchFamily="34" charset="-122"/>
-              <a:ea typeface="微软雅黑" panose="020B0503020204020204" pitchFamily="34" charset="-122"/>
-            </a:endParaRPr>
-          </a:p>
-        </p:txBody>
-      </p:sp>
-      <p:sp>
-        <p:nvSpPr>
-          <p:cNvPr id="13" name="内容占位符 2"/>
-          <p:cNvSpPr txBox="1">
-            <a:spLocks/>
-          </p:cNvSpPr>
-          <p:nvPr/>
-        </p:nvSpPr>
-        <p:spPr>
-          <a:xfrm>
-            <a:off x="-1" y="957943"/>
-            <a:ext cx="10753195" cy="4571646"/>
-          </a:xfrm>
-          <a:prstGeom prst="rect">
-            <a:avLst/>
-          </a:prstGeom>
-        </p:spPr>
-        <p:txBody>
-          <a:bodyPr>
-            <a:normAutofit/>
-          </a:bodyPr>
-          <a:lstStyle>
-            <a:lvl1pPr marL="205740" indent="-205740" algn="l" defTabSz="822325" rtl="0" eaLnBrk="1" latinLnBrk="0" hangingPunct="1">
-              <a:lnSpc>
-                <a:spcPct val="90000"/>
-              </a:lnSpc>
-              <a:spcBef>
-                <a:spcPts val="900"/>
-              </a:spcBef>
-              <a:buFont typeface="Arial" pitchFamily="34" charset="0"/>
-              <a:buChar char="•"/>
-              <a:defRPr sz="2500" kern="1200">
-                <a:solidFill>
-                  <a:schemeClr val="tx1"/>
-                </a:solidFill>
-                <a:latin typeface="+mn-lt"/>
-                <a:ea typeface="+mn-ea"/>
-                <a:cs typeface="+mn-cs"/>
-              </a:defRPr>
-            </a:lvl1pPr>
-            <a:lvl2pPr marL="616585" indent="-205740" algn="l" defTabSz="822325" rtl="0" eaLnBrk="1" latinLnBrk="0" hangingPunct="1">
-              <a:lnSpc>
-                <a:spcPct val="90000"/>
-              </a:lnSpc>
-              <a:spcBef>
-                <a:spcPts val="450"/>
-              </a:spcBef>
-              <a:buFont typeface="Arial" pitchFamily="34" charset="0"/>
-              <a:buChar char="•"/>
-              <a:defRPr sz="2200" kern="1200">
-                <a:solidFill>
-                  <a:schemeClr val="tx1"/>
-                </a:solidFill>
-                <a:latin typeface="+mn-lt"/>
-                <a:ea typeface="+mn-ea"/>
-                <a:cs typeface="+mn-cs"/>
-              </a:defRPr>
-            </a:lvl2pPr>
-            <a:lvl3pPr marL="1028065" indent="-205740" algn="l" defTabSz="822325" rtl="0" eaLnBrk="1" latinLnBrk="0" hangingPunct="1">
-              <a:lnSpc>
-                <a:spcPct val="90000"/>
-              </a:lnSpc>
-              <a:spcBef>
-                <a:spcPts val="450"/>
-              </a:spcBef>
-              <a:buFont typeface="Arial" pitchFamily="34" charset="0"/>
-              <a:buChar char="•"/>
-              <a:defRPr sz="1800" kern="1200">
-                <a:solidFill>
-                  <a:schemeClr val="tx1"/>
-                </a:solidFill>
-                <a:latin typeface="+mn-lt"/>
-                <a:ea typeface="+mn-ea"/>
-                <a:cs typeface="+mn-cs"/>
-              </a:defRPr>
-            </a:lvl3pPr>
-            <a:lvl4pPr marL="1439545" indent="-205740" algn="l" defTabSz="822325" rtl="0" eaLnBrk="1" latinLnBrk="0" hangingPunct="1">
-              <a:lnSpc>
-                <a:spcPct val="90000"/>
-              </a:lnSpc>
-              <a:spcBef>
-                <a:spcPts val="450"/>
-              </a:spcBef>
-              <a:buFont typeface="Arial" pitchFamily="34" charset="0"/>
-              <a:buChar char="•"/>
-              <a:defRPr sz="1600" kern="1200">
-                <a:solidFill>
-                  <a:schemeClr val="tx1"/>
-                </a:solidFill>
-                <a:latin typeface="+mn-lt"/>
-                <a:ea typeface="+mn-ea"/>
-                <a:cs typeface="+mn-cs"/>
-              </a:defRPr>
-            </a:lvl4pPr>
-            <a:lvl5pPr marL="1850390" indent="-205740" algn="l" defTabSz="822325" rtl="0" eaLnBrk="1" latinLnBrk="0" hangingPunct="1">
-              <a:lnSpc>
-                <a:spcPct val="90000"/>
-              </a:lnSpc>
-              <a:spcBef>
-                <a:spcPts val="450"/>
-              </a:spcBef>
-              <a:buFont typeface="Arial" pitchFamily="34" charset="0"/>
-              <a:buChar char="•"/>
-              <a:defRPr sz="1600" kern="1200">
-                <a:solidFill>
-                  <a:schemeClr val="tx1"/>
-                </a:solidFill>
-                <a:latin typeface="+mn-lt"/>
-                <a:ea typeface="+mn-ea"/>
-                <a:cs typeface="+mn-cs"/>
-              </a:defRPr>
-            </a:lvl5pPr>
-            <a:lvl6pPr marL="2261870" indent="-205740" algn="l" defTabSz="822325" rtl="0" eaLnBrk="1" latinLnBrk="0" hangingPunct="1">
-              <a:lnSpc>
-                <a:spcPct val="90000"/>
-              </a:lnSpc>
-              <a:spcBef>
-                <a:spcPts val="450"/>
-              </a:spcBef>
-              <a:buFont typeface="Arial" pitchFamily="34" charset="0"/>
-              <a:buChar char="•"/>
-              <a:defRPr sz="1600" kern="1200">
-                <a:solidFill>
-                  <a:schemeClr val="tx1"/>
-                </a:solidFill>
-                <a:latin typeface="+mn-lt"/>
-                <a:ea typeface="+mn-ea"/>
-                <a:cs typeface="+mn-cs"/>
-              </a:defRPr>
-            </a:lvl6pPr>
-            <a:lvl7pPr marL="2673350" indent="-205740" algn="l" defTabSz="822325" rtl="0" eaLnBrk="1" latinLnBrk="0" hangingPunct="1">
-              <a:lnSpc>
-                <a:spcPct val="90000"/>
-              </a:lnSpc>
-              <a:spcBef>
-                <a:spcPts val="450"/>
-              </a:spcBef>
-              <a:buFont typeface="Arial" pitchFamily="34" charset="0"/>
-              <a:buChar char="•"/>
-              <a:defRPr sz="1600" kern="1200">
-                <a:solidFill>
-                  <a:schemeClr val="tx1"/>
-                </a:solidFill>
-                <a:latin typeface="+mn-lt"/>
-                <a:ea typeface="+mn-ea"/>
-                <a:cs typeface="+mn-cs"/>
-              </a:defRPr>
-            </a:lvl7pPr>
-            <a:lvl8pPr marL="3084195" indent="-205740" algn="l" defTabSz="822325" rtl="0" eaLnBrk="1" latinLnBrk="0" hangingPunct="1">
-              <a:lnSpc>
-                <a:spcPct val="90000"/>
-              </a:lnSpc>
-              <a:spcBef>
-                <a:spcPts val="450"/>
-              </a:spcBef>
-              <a:buFont typeface="Arial" pitchFamily="34" charset="0"/>
-              <a:buChar char="•"/>
-              <a:defRPr sz="1600" kern="1200">
-                <a:solidFill>
-                  <a:schemeClr val="tx1"/>
-                </a:solidFill>
-                <a:latin typeface="+mn-lt"/>
-                <a:ea typeface="+mn-ea"/>
-                <a:cs typeface="+mn-cs"/>
-              </a:defRPr>
-            </a:lvl8pPr>
-            <a:lvl9pPr marL="3495675" indent="-205740" algn="l" defTabSz="822325" rtl="0" eaLnBrk="1" latinLnBrk="0" hangingPunct="1">
-              <a:lnSpc>
-                <a:spcPct val="90000"/>
-              </a:lnSpc>
-              <a:spcBef>
-                <a:spcPts val="450"/>
-              </a:spcBef>
-              <a:buFont typeface="Arial" pitchFamily="34" charset="0"/>
-              <a:buChar char="•"/>
-              <a:defRPr sz="1600" kern="1200">
-                <a:solidFill>
-                  <a:schemeClr val="tx1"/>
-                </a:solidFill>
-                <a:latin typeface="+mn-lt"/>
-                <a:ea typeface="+mn-ea"/>
-                <a:cs typeface="+mn-cs"/>
-              </a:defRPr>
-            </a:lvl9pPr>
-          </a:lstStyle>
-          <a:p>
-            <a:pPr marL="457189" indent="-457189">
-              <a:buFont typeface="+mj-lt"/>
-              <a:buAutoNum type="arabicPeriod" startAt="2"/>
-            </a:pPr>
-            <a:endParaRPr lang="en-US" altLang="zh-CN" sz="1900" dirty="0">
-              <a:solidFill>
-                <a:schemeClr val="tx1">
-                  <a:lumMod val="75000"/>
-                  <a:lumOff val="25000"/>
-                </a:schemeClr>
-              </a:solidFill>
-              <a:latin typeface="微软雅黑" panose="020B0503020204020204" pitchFamily="34" charset="-122"/>
-              <a:ea typeface="微软雅黑" panose="020B0503020204020204" pitchFamily="34" charset="-122"/>
-            </a:endParaRPr>
-          </a:p>
-        </p:txBody>
-      </p:sp>
-      <p:graphicFrame>
-        <p:nvGraphicFramePr>
-          <p:cNvPr id="2" name="表格 1"/>
-          <p:cNvGraphicFramePr>
-            <a:graphicFrameLocks noGrp="1"/>
-          </p:cNvGraphicFramePr>
-          <p:nvPr>
-            <p:extLst>
-              <p:ext uri="{D42A27DB-BD31-4B8C-83A1-F6EECF244321}">
-                <p14:modId xmlns:p14="http://schemas.microsoft.com/office/powerpoint/2010/main" val="2572845227"/>
-              </p:ext>
-            </p:extLst>
-          </p:nvPr>
-        </p:nvGraphicFramePr>
-        <p:xfrm>
-          <a:off x="455383" y="957943"/>
-          <a:ext cx="9842426" cy="938496"/>
-        </p:xfrm>
-        <a:graphic>
-          <a:graphicData uri="http://schemas.openxmlformats.org/drawingml/2006/table">
-            <a:tbl>
-              <a:tblPr firstRow="1" bandRow="1">
-                <a:tableStyleId>{72833802-FEF1-4C79-8D5D-14CF1EAF98D9}</a:tableStyleId>
-              </a:tblPr>
-              <a:tblGrid>
-                <a:gridCol w="680748">
-                  <a:extLst>
-                    <a:ext uri="{9D8B030D-6E8A-4147-A177-3AD203B41FA5}">
-                      <a16:colId xmlns:a16="http://schemas.microsoft.com/office/drawing/2014/main" val="20000"/>
-                    </a:ext>
-                  </a:extLst>
-                </a:gridCol>
-                <a:gridCol w="3138391">
-                  <a:extLst>
-                    <a:ext uri="{9D8B030D-6E8A-4147-A177-3AD203B41FA5}">
-                      <a16:colId xmlns:a16="http://schemas.microsoft.com/office/drawing/2014/main" val="20001"/>
-                    </a:ext>
-                  </a:extLst>
-                </a:gridCol>
-                <a:gridCol w="3340585">
-                  <a:extLst>
-                    <a:ext uri="{9D8B030D-6E8A-4147-A177-3AD203B41FA5}">
-                      <a16:colId xmlns:a16="http://schemas.microsoft.com/office/drawing/2014/main" val="20002"/>
-                    </a:ext>
-                  </a:extLst>
-                </a:gridCol>
-                <a:gridCol w="1373891">
-                  <a:extLst>
-                    <a:ext uri="{9D8B030D-6E8A-4147-A177-3AD203B41FA5}">
-                      <a16:colId xmlns:a16="http://schemas.microsoft.com/office/drawing/2014/main" val="20003"/>
-                    </a:ext>
-                  </a:extLst>
-                </a:gridCol>
-                <a:gridCol w="1308811">
-                  <a:extLst>
-                    <a:ext uri="{9D8B030D-6E8A-4147-A177-3AD203B41FA5}">
-                      <a16:colId xmlns:a16="http://schemas.microsoft.com/office/drawing/2014/main" val="20004"/>
-                    </a:ext>
-                  </a:extLst>
-                </a:gridCol>
-              </a:tblGrid>
-              <a:tr h="469248">
-                <a:tc>
-                  <a:txBody>
-                    <a:bodyPr/>
-                    <a:lstStyle/>
-                    <a:p>
-                      <a:pPr algn="ctr"/>
-                      <a:r>
-                        <a:rPr lang="zh-CN" altLang="en-US" dirty="0">
-                          <a:latin typeface="微软雅黑" panose="020B0503020204020204" pitchFamily="34" charset="-122"/>
-                          <a:ea typeface="微软雅黑" panose="020B0503020204020204" pitchFamily="34" charset="-122"/>
-                        </a:rPr>
-                        <a:t>编号</a:t>
-                      </a:r>
-                    </a:p>
-                  </a:txBody>
-                  <a:tcPr anchor="ctr">
-                    <a:lnL w="3175" cap="flat" cmpd="sng" algn="ctr">
-                      <a:solidFill>
-                        <a:srgbClr val="C00000"/>
-                      </a:solidFill>
-                      <a:prstDash val="solid"/>
-                      <a:round/>
-                      <a:headEnd type="none" w="med" len="med"/>
-                      <a:tailEnd type="none" w="med" len="med"/>
-                    </a:lnL>
-                    <a:lnR w="3175" cap="flat" cmpd="sng" algn="ctr">
-                      <a:solidFill>
-                        <a:srgbClr val="C00000"/>
-                      </a:solidFill>
-                      <a:prstDash val="solid"/>
-                      <a:round/>
-                      <a:headEnd type="none" w="med" len="med"/>
-                      <a:tailEnd type="none" w="med" len="med"/>
-                    </a:lnR>
-                    <a:lnT w="3175" cap="flat" cmpd="sng" algn="ctr">
-                      <a:solidFill>
-                        <a:srgbClr val="C00000"/>
-                      </a:solidFill>
-                      <a:prstDash val="solid"/>
-                      <a:round/>
-                      <a:headEnd type="none" w="med" len="med"/>
-                      <a:tailEnd type="none" w="med" len="med"/>
-                    </a:lnT>
-                    <a:lnB w="3175" cap="flat" cmpd="sng" algn="ctr">
-                      <a:solidFill>
-                        <a:srgbClr val="C00000"/>
-                      </a:solidFill>
-                      <a:prstDash val="solid"/>
-                      <a:round/>
-                      <a:headEnd type="none" w="med" len="med"/>
-                      <a:tailEnd type="none" w="med" len="med"/>
-                    </a:lnB>
-                    <a:solidFill>
-                      <a:srgbClr val="C00000"/>
-                    </a:solidFill>
-                  </a:tcPr>
-                </a:tc>
-                <a:tc>
-                  <a:txBody>
-                    <a:bodyPr/>
-                    <a:lstStyle/>
-                    <a:p>
-                      <a:pPr algn="ctr"/>
-                      <a:r>
-                        <a:rPr lang="zh-CN" altLang="en-US">
-                          <a:latin typeface="微软雅黑" panose="020B0503020204020204" pitchFamily="34" charset="-122"/>
-                          <a:ea typeface="微软雅黑" panose="020B0503020204020204" pitchFamily="34" charset="-122"/>
-                        </a:rPr>
-                        <a:t>需求名称</a:t>
-                      </a:r>
-                      <a:endParaRPr lang="zh-CN" altLang="en-US" dirty="0">
-                        <a:latin typeface="微软雅黑" panose="020B0503020204020204" pitchFamily="34" charset="-122"/>
-                        <a:ea typeface="微软雅黑" panose="020B0503020204020204" pitchFamily="34" charset="-122"/>
-                      </a:endParaRPr>
-                    </a:p>
-                  </a:txBody>
-                  <a:tcPr anchor="ctr">
-                    <a:lnL w="3175" cap="flat" cmpd="sng" algn="ctr">
-                      <a:solidFill>
-                        <a:srgbClr val="C00000"/>
-                      </a:solidFill>
-                      <a:prstDash val="solid"/>
-                      <a:round/>
-                      <a:headEnd type="none" w="med" len="med"/>
-                      <a:tailEnd type="none" w="med" len="med"/>
-                    </a:lnL>
-                    <a:lnR w="3175" cap="flat" cmpd="sng" algn="ctr">
-                      <a:solidFill>
-                        <a:srgbClr val="C00000"/>
-                      </a:solidFill>
-                      <a:prstDash val="solid"/>
-                      <a:round/>
-                      <a:headEnd type="none" w="med" len="med"/>
-                      <a:tailEnd type="none" w="med" len="med"/>
-                    </a:lnR>
-                    <a:lnT w="3175" cap="flat" cmpd="sng" algn="ctr">
-                      <a:solidFill>
-                        <a:srgbClr val="C00000"/>
-                      </a:solidFill>
-                      <a:prstDash val="solid"/>
-                      <a:round/>
-                      <a:headEnd type="none" w="med" len="med"/>
-                      <a:tailEnd type="none" w="med" len="med"/>
-                    </a:lnT>
-                    <a:lnB w="3175" cap="flat" cmpd="sng" algn="ctr">
-                      <a:solidFill>
-                        <a:srgbClr val="C00000"/>
-                      </a:solidFill>
-                      <a:prstDash val="solid"/>
-                      <a:round/>
-                      <a:headEnd type="none" w="med" len="med"/>
-                      <a:tailEnd type="none" w="med" len="med"/>
-                    </a:lnB>
-                    <a:solidFill>
-                      <a:srgbClr val="C00000"/>
-                    </a:solidFill>
-                  </a:tcPr>
-                </a:tc>
-                <a:tc>
-                  <a:txBody>
-                    <a:bodyPr/>
-                    <a:lstStyle/>
-                    <a:p>
-                      <a:pPr algn="ctr"/>
-                      <a:r>
-                        <a:rPr lang="zh-CN" altLang="en-US">
-                          <a:latin typeface="微软雅黑" panose="020B0503020204020204" pitchFamily="34" charset="-122"/>
-                          <a:ea typeface="微软雅黑" panose="020B0503020204020204" pitchFamily="34" charset="-122"/>
-                        </a:rPr>
-                        <a:t>描述</a:t>
-                      </a:r>
-                      <a:endParaRPr lang="zh-CN" altLang="en-US" dirty="0">
-                        <a:latin typeface="微软雅黑" panose="020B0503020204020204" pitchFamily="34" charset="-122"/>
-                        <a:ea typeface="微软雅黑" panose="020B0503020204020204" pitchFamily="34" charset="-122"/>
-                      </a:endParaRPr>
-                    </a:p>
-                  </a:txBody>
-                  <a:tcPr anchor="ctr">
-                    <a:lnL w="3175" cap="flat" cmpd="sng" algn="ctr">
-                      <a:solidFill>
-                        <a:srgbClr val="C00000"/>
-                      </a:solidFill>
-                      <a:prstDash val="solid"/>
-                      <a:round/>
-                      <a:headEnd type="none" w="med" len="med"/>
-                      <a:tailEnd type="none" w="med" len="med"/>
-                    </a:lnL>
-                    <a:lnR w="3175" cap="flat" cmpd="sng" algn="ctr">
-                      <a:solidFill>
-                        <a:srgbClr val="C00000"/>
-                      </a:solidFill>
-                      <a:prstDash val="solid"/>
-                      <a:round/>
-                      <a:headEnd type="none" w="med" len="med"/>
-                      <a:tailEnd type="none" w="med" len="med"/>
-                    </a:lnR>
-                    <a:lnT w="3175" cap="flat" cmpd="sng" algn="ctr">
-                      <a:solidFill>
-                        <a:srgbClr val="C00000"/>
-                      </a:solidFill>
-                      <a:prstDash val="solid"/>
-                      <a:round/>
-                      <a:headEnd type="none" w="med" len="med"/>
-                      <a:tailEnd type="none" w="med" len="med"/>
-                    </a:lnT>
-                    <a:lnB w="3175" cap="flat" cmpd="sng" algn="ctr">
-                      <a:solidFill>
-                        <a:srgbClr val="C00000"/>
-                      </a:solidFill>
-                      <a:prstDash val="solid"/>
-                      <a:round/>
-                      <a:headEnd type="none" w="med" len="med"/>
-                      <a:tailEnd type="none" w="med" len="med"/>
-                    </a:lnB>
-                    <a:solidFill>
-                      <a:srgbClr val="C00000"/>
-                    </a:solidFill>
-                  </a:tcPr>
-                </a:tc>
-                <a:tc>
-                  <a:txBody>
-                    <a:bodyPr/>
-                    <a:lstStyle/>
-                    <a:p>
-                      <a:pPr algn="ctr"/>
-                      <a:r>
-                        <a:rPr lang="zh-CN" altLang="en-US">
-                          <a:latin typeface="微软雅黑" panose="020B0503020204020204" pitchFamily="34" charset="-122"/>
-                          <a:ea typeface="微软雅黑" panose="020B0503020204020204" pitchFamily="34" charset="-122"/>
-                        </a:rPr>
-                        <a:t>优先级</a:t>
-                      </a:r>
-                      <a:endParaRPr lang="zh-CN" altLang="en-US" dirty="0">
-                        <a:latin typeface="微软雅黑" panose="020B0503020204020204" pitchFamily="34" charset="-122"/>
-                        <a:ea typeface="微软雅黑" panose="020B0503020204020204" pitchFamily="34" charset="-122"/>
-                      </a:endParaRPr>
-                    </a:p>
-                  </a:txBody>
-                  <a:tcPr anchor="ctr">
-                    <a:lnL w="3175" cap="flat" cmpd="sng" algn="ctr">
-                      <a:solidFill>
-                        <a:srgbClr val="C00000"/>
-                      </a:solidFill>
-                      <a:prstDash val="solid"/>
-                      <a:round/>
-                      <a:headEnd type="none" w="med" len="med"/>
-                      <a:tailEnd type="none" w="med" len="med"/>
-                    </a:lnL>
-                    <a:lnR w="3175" cap="flat" cmpd="sng" algn="ctr">
-                      <a:solidFill>
-                        <a:srgbClr val="C00000"/>
-                      </a:solidFill>
-                      <a:prstDash val="solid"/>
-                      <a:round/>
-                      <a:headEnd type="none" w="med" len="med"/>
-                      <a:tailEnd type="none" w="med" len="med"/>
-                    </a:lnR>
-                    <a:lnT w="3175" cap="flat" cmpd="sng" algn="ctr">
-                      <a:solidFill>
-                        <a:srgbClr val="C00000"/>
-                      </a:solidFill>
-                      <a:prstDash val="solid"/>
-                      <a:round/>
-                      <a:headEnd type="none" w="med" len="med"/>
-                      <a:tailEnd type="none" w="med" len="med"/>
-                    </a:lnT>
-                    <a:lnB w="3175" cap="flat" cmpd="sng" algn="ctr">
-                      <a:solidFill>
-                        <a:srgbClr val="C00000"/>
-                      </a:solidFill>
-                      <a:prstDash val="solid"/>
-                      <a:round/>
-                      <a:headEnd type="none" w="med" len="med"/>
-                      <a:tailEnd type="none" w="med" len="med"/>
-                    </a:lnB>
-                    <a:solidFill>
-                      <a:srgbClr val="C00000"/>
-                    </a:solidFill>
-                  </a:tcPr>
-                </a:tc>
-                <a:tc>
-                  <a:txBody>
-                    <a:bodyPr/>
-                    <a:lstStyle/>
-                    <a:p>
-                      <a:pPr algn="ctr"/>
-                      <a:r>
-                        <a:rPr lang="zh-CN" altLang="en-US">
-                          <a:latin typeface="微软雅黑" panose="020B0503020204020204" pitchFamily="34" charset="-122"/>
-                          <a:ea typeface="微软雅黑" panose="020B0503020204020204" pitchFamily="34" charset="-122"/>
-                        </a:rPr>
-                        <a:t>预期版本</a:t>
-                      </a:r>
-                      <a:endParaRPr lang="zh-CN" altLang="en-US" dirty="0">
-                        <a:latin typeface="微软雅黑" panose="020B0503020204020204" pitchFamily="34" charset="-122"/>
-                        <a:ea typeface="微软雅黑" panose="020B0503020204020204" pitchFamily="34" charset="-122"/>
-                      </a:endParaRPr>
-                    </a:p>
-                  </a:txBody>
-                  <a:tcPr anchor="ctr">
-                    <a:lnL w="3175" cap="flat" cmpd="sng" algn="ctr">
-                      <a:solidFill>
-                        <a:srgbClr val="C00000"/>
-                      </a:solidFill>
-                      <a:prstDash val="solid"/>
-                      <a:round/>
-                      <a:headEnd type="none" w="med" len="med"/>
-                      <a:tailEnd type="none" w="med" len="med"/>
-                    </a:lnL>
-                    <a:lnR w="3175" cap="flat" cmpd="sng" algn="ctr">
-                      <a:solidFill>
-                        <a:srgbClr val="C00000"/>
-                      </a:solidFill>
-                      <a:prstDash val="solid"/>
-                      <a:round/>
-                      <a:headEnd type="none" w="med" len="med"/>
-                      <a:tailEnd type="none" w="med" len="med"/>
-                    </a:lnR>
-                    <a:lnT w="3175" cap="flat" cmpd="sng" algn="ctr">
-                      <a:solidFill>
-                        <a:srgbClr val="C00000"/>
-                      </a:solidFill>
-                      <a:prstDash val="solid"/>
-                      <a:round/>
-                      <a:headEnd type="none" w="med" len="med"/>
-                      <a:tailEnd type="none" w="med" len="med"/>
-                    </a:lnT>
-                    <a:lnB w="3175" cap="flat" cmpd="sng" algn="ctr">
-                      <a:solidFill>
-                        <a:srgbClr val="C00000"/>
-                      </a:solidFill>
-                      <a:prstDash val="solid"/>
-                      <a:round/>
-                      <a:headEnd type="none" w="med" len="med"/>
-                      <a:tailEnd type="none" w="med" len="med"/>
-                    </a:lnB>
-                    <a:solidFill>
-                      <a:srgbClr val="C00000"/>
-                    </a:solidFill>
-                  </a:tcPr>
-                </a:tc>
-                <a:extLst>
-                  <a:ext uri="{0D108BD9-81ED-4DB2-BD59-A6C34878D82A}">
-                    <a16:rowId xmlns:a16="http://schemas.microsoft.com/office/drawing/2014/main" val="10000"/>
-                  </a:ext>
-                </a:extLst>
-              </a:tr>
-              <a:tr h="469248">
-                <a:tc>
-                  <a:txBody>
-                    <a:bodyPr/>
-                    <a:lstStyle/>
-                    <a:p>
-                      <a:pPr algn="ctr"/>
-                      <a:r>
-                        <a:rPr lang="en-US" altLang="zh-CN" sz="1100" dirty="0">
-                          <a:solidFill>
-                            <a:schemeClr val="tx1">
-                              <a:lumMod val="75000"/>
-                              <a:lumOff val="25000"/>
-                            </a:schemeClr>
-                          </a:solidFill>
-                          <a:latin typeface="微软雅黑" panose="020B0503020204020204" pitchFamily="34" charset="-122"/>
-                          <a:ea typeface="微软雅黑" panose="020B0503020204020204" pitchFamily="34" charset="-122"/>
-                        </a:rPr>
-                        <a:t>1</a:t>
-                      </a:r>
-                      <a:endParaRPr lang="zh-CN" altLang="en-US" sz="1100" dirty="0">
-                        <a:solidFill>
-                          <a:schemeClr val="tx1">
-                            <a:lumMod val="75000"/>
-                            <a:lumOff val="25000"/>
-                          </a:schemeClr>
-                        </a:solidFill>
-                        <a:latin typeface="微软雅黑" panose="020B0503020204020204" pitchFamily="34" charset="-122"/>
-                        <a:ea typeface="微软雅黑" panose="020B0503020204020204" pitchFamily="34" charset="-122"/>
-                      </a:endParaRPr>
-                    </a:p>
-                  </a:txBody>
-                  <a:tcPr anchor="ctr">
-                    <a:lnL w="3175" cap="flat" cmpd="sng" algn="ctr">
-                      <a:solidFill>
-                        <a:srgbClr val="C00000"/>
-                      </a:solidFill>
-                      <a:prstDash val="solid"/>
-                      <a:round/>
-                      <a:headEnd type="none" w="med" len="med"/>
-                      <a:tailEnd type="none" w="med" len="med"/>
-                    </a:lnL>
-                    <a:lnR w="3175" cap="flat" cmpd="sng" algn="ctr">
-                      <a:solidFill>
-                        <a:srgbClr val="C00000"/>
-                      </a:solidFill>
-                      <a:prstDash val="solid"/>
-                      <a:round/>
-                      <a:headEnd type="none" w="med" len="med"/>
-                      <a:tailEnd type="none" w="med" len="med"/>
-                    </a:lnR>
-                    <a:lnT w="3175" cap="flat" cmpd="sng" algn="ctr">
-                      <a:solidFill>
-                        <a:srgbClr val="C00000"/>
-                      </a:solidFill>
-                      <a:prstDash val="solid"/>
-                      <a:round/>
-                      <a:headEnd type="none" w="med" len="med"/>
-                      <a:tailEnd type="none" w="med" len="med"/>
-                    </a:lnT>
-                    <a:lnB w="3175" cap="flat" cmpd="sng" algn="ctr">
-                      <a:solidFill>
-                        <a:srgbClr val="C00000"/>
-                      </a:solidFill>
-                      <a:prstDash val="solid"/>
-                      <a:round/>
-                      <a:headEnd type="none" w="med" len="med"/>
-                      <a:tailEnd type="none" w="med" len="med"/>
-                    </a:lnB>
-                    <a:solidFill>
-                      <a:schemeClr val="accent2">
-                        <a:lumMod val="40000"/>
-                        <a:lumOff val="60000"/>
-                      </a:schemeClr>
-                    </a:solidFill>
-                  </a:tcPr>
-                </a:tc>
-                <a:tc>
-                  <a:txBody>
-                    <a:bodyPr/>
-                    <a:lstStyle/>
-                    <a:p>
-                      <a:pPr algn="ctr"/>
-                      <a:r>
-                        <a:rPr lang="zh-CN" altLang="en-US" sz="1100" dirty="0">
-                          <a:solidFill>
-                            <a:schemeClr val="tx1">
-                              <a:lumMod val="75000"/>
-                              <a:lumOff val="25000"/>
-                            </a:schemeClr>
-                          </a:solidFill>
-                          <a:latin typeface="微软雅黑" panose="020B0503020204020204" pitchFamily="34" charset="-122"/>
-                          <a:ea typeface="微软雅黑" panose="020B0503020204020204" pitchFamily="34" charset="-122"/>
-                        </a:rPr>
-                        <a:t>可视化改版</a:t>
-                      </a:r>
-                    </a:p>
-                  </a:txBody>
-                  <a:tcPr marL="118866" marR="118866" marT="59432" marB="59432" anchor="ctr">
-                    <a:lnL w="3175" cap="flat" cmpd="sng" algn="ctr">
-                      <a:solidFill>
-                        <a:srgbClr val="C00000"/>
-                      </a:solidFill>
-                      <a:prstDash val="solid"/>
-                      <a:round/>
-                      <a:headEnd type="none" w="med" len="med"/>
-                      <a:tailEnd type="none" w="med" len="med"/>
-                    </a:lnL>
-                    <a:lnR w="3175" cap="flat" cmpd="sng" algn="ctr">
-                      <a:solidFill>
-                        <a:srgbClr val="C00000"/>
-                      </a:solidFill>
-                      <a:prstDash val="solid"/>
-                      <a:round/>
-                      <a:headEnd type="none" w="med" len="med"/>
-                      <a:tailEnd type="none" w="med" len="med"/>
-                    </a:lnR>
-                    <a:lnT w="3175" cap="flat" cmpd="sng" algn="ctr">
-                      <a:solidFill>
-                        <a:srgbClr val="C00000"/>
-                      </a:solidFill>
-                      <a:prstDash val="solid"/>
-                      <a:round/>
-                      <a:headEnd type="none" w="med" len="med"/>
-                      <a:tailEnd type="none" w="med" len="med"/>
-                    </a:lnT>
-                    <a:lnB w="3175" cap="flat" cmpd="sng" algn="ctr">
-                      <a:solidFill>
-                        <a:srgbClr val="C00000"/>
-                      </a:solidFill>
-                      <a:prstDash val="solid"/>
-                      <a:round/>
-                      <a:headEnd type="none" w="med" len="med"/>
-                      <a:tailEnd type="none" w="med" len="med"/>
-                    </a:lnB>
-                    <a:solidFill>
-                      <a:schemeClr val="accent2">
-                        <a:lumMod val="40000"/>
-                        <a:lumOff val="60000"/>
-                      </a:schemeClr>
-                    </a:solidFill>
-                  </a:tcPr>
-                </a:tc>
-                <a:tc>
-                  <a:txBody>
-                    <a:bodyPr/>
-                    <a:lstStyle/>
-                    <a:p>
-                      <a:pPr marL="0" marR="0" indent="0" algn="l" defTabSz="822325" rtl="0" eaLnBrk="1" fontAlgn="auto" latinLnBrk="0" hangingPunct="1">
-                        <a:lnSpc>
-                          <a:spcPct val="100000"/>
-                        </a:lnSpc>
-                        <a:spcBef>
-                          <a:spcPts val="0"/>
-                        </a:spcBef>
-                        <a:spcAft>
-                          <a:spcPts val="0"/>
-                        </a:spcAft>
-                        <a:buClrTx/>
-                        <a:buSzTx/>
-                        <a:buFontTx/>
-                        <a:buNone/>
-                        <a:tabLst/>
-                        <a:defRPr/>
-                      </a:pPr>
-                      <a:r>
-                        <a:rPr lang="zh-CN" altLang="en-US" sz="1100" dirty="0">
-                          <a:solidFill>
-                            <a:schemeClr val="tx1">
-                              <a:lumMod val="75000"/>
-                              <a:lumOff val="25000"/>
-                            </a:schemeClr>
-                          </a:solidFill>
-                          <a:latin typeface="微软雅黑" panose="020B0503020204020204" pitchFamily="34" charset="-122"/>
-                          <a:ea typeface="微软雅黑" panose="020B0503020204020204" pitchFamily="34" charset="-122"/>
-                        </a:rPr>
-                        <a:t>一期已上线，二期进行中，主要内容包括商品组和广告组。</a:t>
-                      </a:r>
-                    </a:p>
-                  </a:txBody>
-                  <a:tcPr marL="118866" marR="118866" marT="59432" marB="59432" anchor="ctr">
-                    <a:lnL w="3175" cap="flat" cmpd="sng" algn="ctr">
-                      <a:solidFill>
-                        <a:srgbClr val="C00000"/>
-                      </a:solidFill>
-                      <a:prstDash val="solid"/>
-                      <a:round/>
-                      <a:headEnd type="none" w="med" len="med"/>
-                      <a:tailEnd type="none" w="med" len="med"/>
-                    </a:lnL>
-                    <a:lnR w="3175" cap="flat" cmpd="sng" algn="ctr">
-                      <a:solidFill>
-                        <a:srgbClr val="C00000"/>
-                      </a:solidFill>
-                      <a:prstDash val="solid"/>
-                      <a:round/>
-                      <a:headEnd type="none" w="med" len="med"/>
-                      <a:tailEnd type="none" w="med" len="med"/>
-                    </a:lnR>
-                    <a:lnT w="3175" cap="flat" cmpd="sng" algn="ctr">
-                      <a:solidFill>
-                        <a:srgbClr val="C00000"/>
-                      </a:solidFill>
-                      <a:prstDash val="solid"/>
-                      <a:round/>
-                      <a:headEnd type="none" w="med" len="med"/>
-                      <a:tailEnd type="none" w="med" len="med"/>
-                    </a:lnT>
-                    <a:lnB w="3175" cap="flat" cmpd="sng" algn="ctr">
-                      <a:solidFill>
-                        <a:srgbClr val="C00000"/>
-                      </a:solidFill>
-                      <a:prstDash val="solid"/>
-                      <a:round/>
-                      <a:headEnd type="none" w="med" len="med"/>
-                      <a:tailEnd type="none" w="med" len="med"/>
-                    </a:lnB>
-                    <a:solidFill>
-                      <a:schemeClr val="accent2">
-                        <a:lumMod val="40000"/>
-                        <a:lumOff val="60000"/>
-                      </a:schemeClr>
-                    </a:solidFill>
-                  </a:tcPr>
-                </a:tc>
-                <a:tc>
-                  <a:txBody>
-                    <a:bodyPr/>
-                    <a:lstStyle/>
-                    <a:p>
-                      <a:pPr algn="ctr"/>
-                      <a:r>
-                        <a:rPr lang="en-US" altLang="zh-CN" sz="1100" dirty="0">
-                          <a:solidFill>
-                            <a:schemeClr val="tx1">
-                              <a:lumMod val="75000"/>
-                              <a:lumOff val="25000"/>
-                            </a:schemeClr>
-                          </a:solidFill>
-                          <a:latin typeface="微软雅黑" panose="020B0503020204020204" pitchFamily="34" charset="-122"/>
-                          <a:ea typeface="微软雅黑" panose="020B0503020204020204" pitchFamily="34" charset="-122"/>
-                        </a:rPr>
-                        <a:t>P0</a:t>
-                      </a:r>
-                      <a:endParaRPr lang="zh-CN" altLang="en-US" sz="1100" dirty="0">
-                        <a:solidFill>
-                          <a:schemeClr val="tx1">
-                            <a:lumMod val="75000"/>
-                            <a:lumOff val="25000"/>
-                          </a:schemeClr>
-                        </a:solidFill>
-                        <a:latin typeface="微软雅黑" panose="020B0503020204020204" pitchFamily="34" charset="-122"/>
-                        <a:ea typeface="微软雅黑" panose="020B0503020204020204" pitchFamily="34" charset="-122"/>
-                      </a:endParaRPr>
-                    </a:p>
-                  </a:txBody>
-                  <a:tcPr marL="118866" marR="118866" marT="59432" marB="59432" anchor="ctr">
-                    <a:lnL w="3175" cap="flat" cmpd="sng" algn="ctr">
-                      <a:solidFill>
-                        <a:srgbClr val="C00000"/>
-                      </a:solidFill>
-                      <a:prstDash val="solid"/>
-                      <a:round/>
-                      <a:headEnd type="none" w="med" len="med"/>
-                      <a:tailEnd type="none" w="med" len="med"/>
-                    </a:lnL>
-                    <a:lnR w="3175" cap="flat" cmpd="sng" algn="ctr">
-                      <a:solidFill>
-                        <a:srgbClr val="C00000"/>
-                      </a:solidFill>
-                      <a:prstDash val="solid"/>
-                      <a:round/>
-                      <a:headEnd type="none" w="med" len="med"/>
-                      <a:tailEnd type="none" w="med" len="med"/>
-                    </a:lnR>
-                    <a:lnT w="3175" cap="flat" cmpd="sng" algn="ctr">
-                      <a:solidFill>
-                        <a:srgbClr val="C00000"/>
-                      </a:solidFill>
-                      <a:prstDash val="solid"/>
-                      <a:round/>
-                      <a:headEnd type="none" w="med" len="med"/>
-                      <a:tailEnd type="none" w="med" len="med"/>
-                    </a:lnT>
-                    <a:lnB w="3175" cap="flat" cmpd="sng" algn="ctr">
-                      <a:solidFill>
-                        <a:srgbClr val="C00000"/>
-                      </a:solidFill>
-                      <a:prstDash val="solid"/>
-                      <a:round/>
-                      <a:headEnd type="none" w="med" len="med"/>
-                      <a:tailEnd type="none" w="med" len="med"/>
-                    </a:lnB>
-                    <a:solidFill>
-                      <a:schemeClr val="accent2">
-                        <a:lumMod val="40000"/>
-                        <a:lumOff val="60000"/>
-                      </a:schemeClr>
-                    </a:solidFill>
-                  </a:tcPr>
-                </a:tc>
-                <a:tc>
-                  <a:txBody>
-                    <a:bodyPr/>
-                    <a:lstStyle/>
-                    <a:p>
-                      <a:pPr algn="ctr"/>
-                      <a:r>
-                        <a:rPr lang="en-US" altLang="zh-CN" sz="1100" dirty="0">
-                          <a:solidFill>
-                            <a:schemeClr val="tx1">
-                              <a:lumMod val="75000"/>
-                              <a:lumOff val="25000"/>
-                            </a:schemeClr>
-                          </a:solidFill>
-                          <a:latin typeface="微软雅黑" panose="020B0503020204020204" pitchFamily="34" charset="-122"/>
-                          <a:ea typeface="微软雅黑" panose="020B0503020204020204" pitchFamily="34" charset="-122"/>
-                        </a:rPr>
-                        <a:t>8</a:t>
-                      </a:r>
-                      <a:r>
-                        <a:rPr lang="zh-CN" altLang="en-US" sz="1100" dirty="0">
-                          <a:solidFill>
-                            <a:schemeClr val="tx1">
-                              <a:lumMod val="75000"/>
-                              <a:lumOff val="25000"/>
-                            </a:schemeClr>
-                          </a:solidFill>
-                          <a:latin typeface="微软雅黑" panose="020B0503020204020204" pitchFamily="34" charset="-122"/>
-                          <a:ea typeface="微软雅黑" panose="020B0503020204020204" pitchFamily="34" charset="-122"/>
-                        </a:rPr>
-                        <a:t>月中</a:t>
-                      </a:r>
-                    </a:p>
-                  </a:txBody>
-                  <a:tcPr marL="118866" marR="118866" marT="59432" marB="59432" anchor="ctr">
-                    <a:lnL w="3175" cap="flat" cmpd="sng" algn="ctr">
-                      <a:solidFill>
-                        <a:srgbClr val="C00000"/>
-                      </a:solidFill>
-                      <a:prstDash val="solid"/>
-                      <a:round/>
-                      <a:headEnd type="none" w="med" len="med"/>
-                      <a:tailEnd type="none" w="med" len="med"/>
-                    </a:lnL>
-                    <a:lnR w="3175" cap="flat" cmpd="sng" algn="ctr">
-                      <a:solidFill>
-                        <a:srgbClr val="C00000"/>
-                      </a:solidFill>
-                      <a:prstDash val="solid"/>
-                      <a:round/>
-                      <a:headEnd type="none" w="med" len="med"/>
-                      <a:tailEnd type="none" w="med" len="med"/>
-                    </a:lnR>
-                    <a:lnT w="3175" cap="flat" cmpd="sng" algn="ctr">
-                      <a:solidFill>
-                        <a:srgbClr val="C00000"/>
-                      </a:solidFill>
-                      <a:prstDash val="solid"/>
-                      <a:round/>
-                      <a:headEnd type="none" w="med" len="med"/>
-                      <a:tailEnd type="none" w="med" len="med"/>
-                    </a:lnT>
-                    <a:lnB w="3175" cap="flat" cmpd="sng" algn="ctr">
-                      <a:solidFill>
-                        <a:srgbClr val="C00000"/>
-                      </a:solidFill>
-                      <a:prstDash val="solid"/>
-                      <a:round/>
-                      <a:headEnd type="none" w="med" len="med"/>
-                      <a:tailEnd type="none" w="med" len="med"/>
-                    </a:lnB>
-                    <a:solidFill>
-                      <a:schemeClr val="accent2">
-                        <a:lumMod val="40000"/>
-                        <a:lumOff val="60000"/>
-                      </a:schemeClr>
-                    </a:solidFill>
-                  </a:tcPr>
-                </a:tc>
-                <a:extLst>
-                  <a:ext uri="{0D108BD9-81ED-4DB2-BD59-A6C34878D82A}">
-                    <a16:rowId xmlns:a16="http://schemas.microsoft.com/office/drawing/2014/main" val="10001"/>
-                  </a:ext>
-                </a:extLst>
-              </a:tr>
-            </a:tbl>
-          </a:graphicData>
-        </a:graphic>
-      </p:graphicFrame>
-    </p:spTree>
-    <p:extLst>
-      <p:ext uri="{BB962C8B-B14F-4D97-AF65-F5344CB8AC3E}">
-        <p14:creationId xmlns:p14="http://schemas.microsoft.com/office/powerpoint/2010/main" val="43910676"/>
-      </p:ext>
-    </p:extLst>
-  </p:cSld>
-  <p:clrMapOvr>
-    <a:masterClrMapping/>
-  </p:clrMapOvr>
-</p:sld>
-</file>
-
-<file path=ppt/slides/slide9.xml><?xml version="1.0" encoding="utf-8"?>
-<p:sld xmlns:a="http://schemas.openxmlformats.org/drawingml/2006/main" xmlns:r="http://schemas.openxmlformats.org/officeDocument/2006/relationships" xmlns:p="http://schemas.openxmlformats.org/presentationml/2006/main">
-  <p:cSld>
-    <p:spTree>
-      <p:nvGrpSpPr>
-        <p:cNvPr id="1" name=""/>
-        <p:cNvGrpSpPr/>
-        <p:nvPr/>
-      </p:nvGrpSpPr>
-      <p:grpSpPr>
-        <a:xfrm>
-          <a:off x="0" y="0"/>
-          <a:ext cx="0" cy="0"/>
-          <a:chOff x="0" y="0"/>
-          <a:chExt cx="0" cy="0"/>
-        </a:xfrm>
-      </p:grpSpPr>
-      <p:sp>
-        <p:nvSpPr>
-          <p:cNvPr id="5" name="文本占位符 1"/>
-          <p:cNvSpPr>
-            <a:spLocks noGrp="1"/>
-          </p:cNvSpPr>
-          <p:nvPr/>
-        </p:nvSpPr>
-        <p:spPr>
-          <a:xfrm>
-            <a:off x="4245613" y="2840368"/>
-            <a:ext cx="5680477" cy="1281904"/>
-          </a:xfrm>
-          <a:prstGeom prst="rect">
-            <a:avLst/>
-          </a:prstGeom>
-        </p:spPr>
-        <p:txBody>
-          <a:bodyPr vert="horz" lIns="82248" tIns="41124" rIns="82248" bIns="41124" rtlCol="0" anchor="ctr">
-            <a:noAutofit/>
-          </a:bodyPr>
-          <a:lstStyle>
-            <a:lvl1pPr marL="0" indent="0" algn="l" defTabSz="822325" rtl="0" eaLnBrk="1" latinLnBrk="0" hangingPunct="1">
-              <a:lnSpc>
-                <a:spcPct val="90000"/>
-              </a:lnSpc>
-              <a:spcBef>
-                <a:spcPts val="900"/>
-              </a:spcBef>
-              <a:buFontTx/>
-              <a:buNone/>
-              <a:defRPr sz="3000" b="1" kern="1200">
-                <a:solidFill>
-                  <a:srgbClr val="C00000"/>
-                </a:solidFill>
-                <a:latin typeface="微软雅黑" panose="020B0503020204020204" charset="-122"/>
-                <a:ea typeface="微软雅黑" panose="020B0503020204020204" charset="-122"/>
-                <a:cs typeface="微软雅黑" panose="020B0503020204020204" charset="-122"/>
-              </a:defRPr>
-            </a:lvl1pPr>
-            <a:lvl2pPr marL="616585" indent="-205740" algn="l" defTabSz="822325" rtl="0" eaLnBrk="1" latinLnBrk="0" hangingPunct="1">
-              <a:lnSpc>
-                <a:spcPct val="90000"/>
-              </a:lnSpc>
-              <a:spcBef>
-                <a:spcPts val="450"/>
-              </a:spcBef>
-              <a:buFont typeface="Arial" pitchFamily="34" charset="0"/>
-              <a:buChar char="•"/>
-              <a:defRPr sz="2200" kern="1200">
-                <a:solidFill>
-                  <a:schemeClr val="tx1"/>
-                </a:solidFill>
-                <a:latin typeface="+mn-lt"/>
-                <a:ea typeface="+mn-ea"/>
-                <a:cs typeface="+mn-cs"/>
-              </a:defRPr>
-            </a:lvl2pPr>
-            <a:lvl3pPr marL="1028065" indent="-205740" algn="l" defTabSz="822325" rtl="0" eaLnBrk="1" latinLnBrk="0" hangingPunct="1">
-              <a:lnSpc>
-                <a:spcPct val="90000"/>
-              </a:lnSpc>
-              <a:spcBef>
-                <a:spcPts val="450"/>
-              </a:spcBef>
-              <a:buFont typeface="Arial" pitchFamily="34" charset="0"/>
-              <a:buChar char="•"/>
-              <a:defRPr sz="1800" kern="1200">
-                <a:solidFill>
-                  <a:schemeClr val="tx1"/>
-                </a:solidFill>
-                <a:latin typeface="+mn-lt"/>
-                <a:ea typeface="+mn-ea"/>
-                <a:cs typeface="+mn-cs"/>
-              </a:defRPr>
-            </a:lvl3pPr>
-            <a:lvl4pPr marL="1439545" indent="-205740" algn="l" defTabSz="822325" rtl="0" eaLnBrk="1" latinLnBrk="0" hangingPunct="1">
-              <a:lnSpc>
-                <a:spcPct val="90000"/>
-              </a:lnSpc>
-              <a:spcBef>
-                <a:spcPts val="450"/>
-              </a:spcBef>
-              <a:buFont typeface="Arial" pitchFamily="34" charset="0"/>
-              <a:buChar char="•"/>
-              <a:defRPr sz="1600" kern="1200">
-                <a:solidFill>
-                  <a:schemeClr val="tx1"/>
-                </a:solidFill>
-                <a:latin typeface="+mn-lt"/>
-                <a:ea typeface="+mn-ea"/>
-                <a:cs typeface="+mn-cs"/>
-              </a:defRPr>
-            </a:lvl4pPr>
-            <a:lvl5pPr marL="1850390" indent="-205740" algn="l" defTabSz="822325" rtl="0" eaLnBrk="1" latinLnBrk="0" hangingPunct="1">
-              <a:lnSpc>
-                <a:spcPct val="90000"/>
-              </a:lnSpc>
-              <a:spcBef>
-                <a:spcPts val="450"/>
-              </a:spcBef>
-              <a:buFont typeface="Arial" pitchFamily="34" charset="0"/>
-              <a:buChar char="•"/>
-              <a:defRPr sz="1600" kern="1200">
-                <a:solidFill>
-                  <a:schemeClr val="tx1"/>
-                </a:solidFill>
-                <a:latin typeface="+mn-lt"/>
-                <a:ea typeface="+mn-ea"/>
-                <a:cs typeface="+mn-cs"/>
-              </a:defRPr>
-            </a:lvl5pPr>
-            <a:lvl6pPr marL="2261870" indent="-205740" algn="l" defTabSz="822325" rtl="0" eaLnBrk="1" latinLnBrk="0" hangingPunct="1">
-              <a:lnSpc>
-                <a:spcPct val="90000"/>
-              </a:lnSpc>
-              <a:spcBef>
-                <a:spcPts val="450"/>
-              </a:spcBef>
-              <a:buFont typeface="Arial" pitchFamily="34" charset="0"/>
-              <a:buChar char="•"/>
-              <a:defRPr sz="1600" kern="1200">
-                <a:solidFill>
-                  <a:schemeClr val="tx1"/>
-                </a:solidFill>
-                <a:latin typeface="+mn-lt"/>
-                <a:ea typeface="+mn-ea"/>
-                <a:cs typeface="+mn-cs"/>
-              </a:defRPr>
-            </a:lvl6pPr>
-            <a:lvl7pPr marL="2673350" indent="-205740" algn="l" defTabSz="822325" rtl="0" eaLnBrk="1" latinLnBrk="0" hangingPunct="1">
-              <a:lnSpc>
-                <a:spcPct val="90000"/>
-              </a:lnSpc>
-              <a:spcBef>
-                <a:spcPts val="450"/>
-              </a:spcBef>
-              <a:buFont typeface="Arial" pitchFamily="34" charset="0"/>
-              <a:buChar char="•"/>
-              <a:defRPr sz="1600" kern="1200">
-                <a:solidFill>
-                  <a:schemeClr val="tx1"/>
-                </a:solidFill>
-                <a:latin typeface="+mn-lt"/>
-                <a:ea typeface="+mn-ea"/>
-                <a:cs typeface="+mn-cs"/>
-              </a:defRPr>
-            </a:lvl7pPr>
-            <a:lvl8pPr marL="3084195" indent="-205740" algn="l" defTabSz="822325" rtl="0" eaLnBrk="1" latinLnBrk="0" hangingPunct="1">
-              <a:lnSpc>
-                <a:spcPct val="90000"/>
-              </a:lnSpc>
-              <a:spcBef>
-                <a:spcPts val="450"/>
-              </a:spcBef>
-              <a:buFont typeface="Arial" pitchFamily="34" charset="0"/>
-              <a:buChar char="•"/>
-              <a:defRPr sz="1600" kern="1200">
-                <a:solidFill>
-                  <a:schemeClr val="tx1"/>
-                </a:solidFill>
-                <a:latin typeface="+mn-lt"/>
-                <a:ea typeface="+mn-ea"/>
-                <a:cs typeface="+mn-cs"/>
-              </a:defRPr>
-            </a:lvl8pPr>
-            <a:lvl9pPr marL="3495675" indent="-205740" algn="l" defTabSz="822325" rtl="0" eaLnBrk="1" latinLnBrk="0" hangingPunct="1">
-              <a:lnSpc>
-                <a:spcPct val="90000"/>
-              </a:lnSpc>
-              <a:spcBef>
-                <a:spcPts val="450"/>
-              </a:spcBef>
-              <a:buFont typeface="Arial" pitchFamily="34" charset="0"/>
-              <a:buChar char="•"/>
-              <a:defRPr sz="1600" kern="1200">
-                <a:solidFill>
-                  <a:schemeClr val="tx1"/>
-                </a:solidFill>
-                <a:latin typeface="+mn-lt"/>
-                <a:ea typeface="+mn-ea"/>
-                <a:cs typeface="+mn-cs"/>
-              </a:defRPr>
-            </a:lvl9pPr>
-          </a:lstStyle>
-          <a:p>
-            <a:pPr marL="457200" indent="-457200">
-              <a:buFont typeface="Wingdings" panose="05000000000000000000" pitchFamily="2" charset="2"/>
-              <a:buChar char="l"/>
-            </a:pPr>
-            <a:r>
-              <a:rPr lang="zh-CN" altLang="en-US" sz="2000" b="0" dirty="0"/>
-              <a:t>营销投放基础平台</a:t>
-            </a:r>
-            <a:endParaRPr lang="en-US" altLang="zh-CN" sz="2000" b="0" dirty="0"/>
-          </a:p>
-          <a:p>
-            <a:pPr marL="457200" indent="-457200">
-              <a:buFont typeface="Wingdings" panose="05000000000000000000" pitchFamily="2" charset="2"/>
-              <a:buChar char="l"/>
-            </a:pPr>
-            <a:r>
-              <a:rPr lang="zh-CN" altLang="en-US" sz="2400" dirty="0"/>
-              <a:t>东家小院</a:t>
-            </a:r>
-            <a:endParaRPr lang="en-US" altLang="zh-CN" sz="2400" dirty="0"/>
-          </a:p>
-          <a:p>
-            <a:pPr marL="457200" indent="-457200">
-              <a:buFont typeface="Wingdings" panose="05000000000000000000" pitchFamily="2" charset="2"/>
-              <a:buChar char="l"/>
-            </a:pPr>
-            <a:r>
-              <a:rPr lang="zh-CN" altLang="en-US" sz="2000" b="0" dirty="0"/>
-              <a:t>店铺与创新</a:t>
-            </a:r>
-            <a:endParaRPr lang="en-US" altLang="zh-CN" sz="2000" b="0" dirty="0"/>
-          </a:p>
-        </p:txBody>
-      </p:sp>
-      <p:sp>
-        <p:nvSpPr>
-          <p:cNvPr id="6" name="文本占位符 1"/>
-          <p:cNvSpPr txBox="1">
-            <a:spLocks/>
-          </p:cNvSpPr>
-          <p:nvPr/>
-        </p:nvSpPr>
-        <p:spPr>
-          <a:xfrm>
-            <a:off x="2291308" y="1767901"/>
-            <a:ext cx="5680477" cy="593751"/>
-          </a:xfrm>
-          <a:prstGeom prst="rect">
-            <a:avLst/>
-          </a:prstGeom>
-        </p:spPr>
-        <p:txBody>
-          <a:bodyPr vert="horz" lIns="82248" tIns="41124" rIns="82248" bIns="41124" rtlCol="0" anchor="ctr">
-            <a:noAutofit/>
-          </a:bodyPr>
-          <a:lstStyle>
-            <a:defPPr>
-              <a:defRPr lang="zh-CN"/>
-            </a:defPPr>
-            <a:lvl1pPr marL="0" algn="l" defTabSz="822325" rtl="0" eaLnBrk="1" latinLnBrk="0" hangingPunct="1">
-              <a:defRPr sz="1600" kern="1200">
-                <a:solidFill>
-                  <a:schemeClr val="tx1"/>
-                </a:solidFill>
-                <a:latin typeface="+mn-lt"/>
-                <a:ea typeface="+mn-ea"/>
-                <a:cs typeface="+mn-cs"/>
-              </a:defRPr>
-            </a:lvl1pPr>
-            <a:lvl2pPr marL="411480" algn="l" defTabSz="822325" rtl="0" eaLnBrk="1" latinLnBrk="0" hangingPunct="1">
-              <a:defRPr sz="1600" kern="1200">
-                <a:solidFill>
-                  <a:schemeClr val="tx1"/>
-                </a:solidFill>
-                <a:latin typeface="+mn-lt"/>
-                <a:ea typeface="+mn-ea"/>
-                <a:cs typeface="+mn-cs"/>
-              </a:defRPr>
-            </a:lvl2pPr>
-            <a:lvl3pPr marL="822325" algn="l" defTabSz="822325" rtl="0" eaLnBrk="1" latinLnBrk="0" hangingPunct="1">
-              <a:defRPr sz="1600" kern="1200">
-                <a:solidFill>
-                  <a:schemeClr val="tx1"/>
-                </a:solidFill>
-                <a:latin typeface="+mn-lt"/>
-                <a:ea typeface="+mn-ea"/>
-                <a:cs typeface="+mn-cs"/>
-              </a:defRPr>
-            </a:lvl3pPr>
-            <a:lvl4pPr marL="1233805" algn="l" defTabSz="822325" rtl="0" eaLnBrk="1" latinLnBrk="0" hangingPunct="1">
-              <a:defRPr sz="1600" kern="1200">
-                <a:solidFill>
-                  <a:schemeClr val="tx1"/>
-                </a:solidFill>
-                <a:latin typeface="+mn-lt"/>
-                <a:ea typeface="+mn-ea"/>
-                <a:cs typeface="+mn-cs"/>
-              </a:defRPr>
-            </a:lvl4pPr>
-            <a:lvl5pPr marL="1644650" algn="l" defTabSz="822325" rtl="0" eaLnBrk="1" latinLnBrk="0" hangingPunct="1">
-              <a:defRPr sz="1600" kern="1200">
-                <a:solidFill>
-                  <a:schemeClr val="tx1"/>
-                </a:solidFill>
-                <a:latin typeface="+mn-lt"/>
-                <a:ea typeface="+mn-ea"/>
-                <a:cs typeface="+mn-cs"/>
-              </a:defRPr>
-            </a:lvl5pPr>
-            <a:lvl6pPr marL="2056130" algn="l" defTabSz="822325" rtl="0" eaLnBrk="1" latinLnBrk="0" hangingPunct="1">
-              <a:defRPr sz="1600" kern="1200">
-                <a:solidFill>
-                  <a:schemeClr val="tx1"/>
-                </a:solidFill>
-                <a:latin typeface="+mn-lt"/>
-                <a:ea typeface="+mn-ea"/>
-                <a:cs typeface="+mn-cs"/>
-              </a:defRPr>
-            </a:lvl6pPr>
-            <a:lvl7pPr marL="2467610" algn="l" defTabSz="822325" rtl="0" eaLnBrk="1" latinLnBrk="0" hangingPunct="1">
-              <a:defRPr sz="1600" kern="1200">
-                <a:solidFill>
-                  <a:schemeClr val="tx1"/>
-                </a:solidFill>
-                <a:latin typeface="+mn-lt"/>
-                <a:ea typeface="+mn-ea"/>
-                <a:cs typeface="+mn-cs"/>
-              </a:defRPr>
-            </a:lvl7pPr>
-            <a:lvl8pPr marL="2878455" algn="l" defTabSz="822325" rtl="0" eaLnBrk="1" latinLnBrk="0" hangingPunct="1">
-              <a:defRPr sz="1600" kern="1200">
-                <a:solidFill>
-                  <a:schemeClr val="tx1"/>
-                </a:solidFill>
-                <a:latin typeface="+mn-lt"/>
-                <a:ea typeface="+mn-ea"/>
-                <a:cs typeface="+mn-cs"/>
-              </a:defRPr>
-            </a:lvl8pPr>
-            <a:lvl9pPr marL="3289935" algn="l" defTabSz="822325" rtl="0" eaLnBrk="1" latinLnBrk="0" hangingPunct="1">
-              <a:defRPr sz="1600" kern="1200">
-                <a:solidFill>
-                  <a:schemeClr val="tx1"/>
-                </a:solidFill>
-                <a:latin typeface="+mn-lt"/>
-                <a:ea typeface="+mn-ea"/>
-                <a:cs typeface="+mn-cs"/>
-              </a:defRPr>
-            </a:lvl9pPr>
-          </a:lstStyle>
-          <a:p>
-            <a:pPr marL="457200" indent="-457200" algn="ctr" defTabSz="914400">
-              <a:buFont typeface="Wingdings" panose="05000000000000000000" pitchFamily="2" charset="2"/>
-              <a:buNone/>
-              <a:defRPr/>
-            </a:pPr>
-            <a:r>
-              <a:rPr lang="zh-CN" altLang="en-US" sz="3600" b="1" dirty="0">
-                <a:solidFill>
-                  <a:srgbClr val="C00000"/>
-                </a:solidFill>
-                <a:latin typeface="Microsoft YaHei" charset="-122"/>
-                <a:ea typeface="Microsoft YaHei" charset="-122"/>
-                <a:cs typeface="Microsoft YaHei" charset="-122"/>
-              </a:rPr>
-              <a:t>营销中心</a:t>
-            </a:r>
-            <a:r>
-              <a:rPr lang="en-US" altLang="zh-CN" sz="3600" b="1" dirty="0">
-                <a:solidFill>
-                  <a:srgbClr val="C00000"/>
-                </a:solidFill>
-                <a:latin typeface="Microsoft YaHei" charset="-122"/>
-                <a:ea typeface="Microsoft YaHei" charset="-122"/>
-                <a:cs typeface="Microsoft YaHei" charset="-122"/>
-              </a:rPr>
-              <a:t>-</a:t>
-            </a:r>
-            <a:r>
-              <a:rPr lang="zh-CN" altLang="en-US" sz="3600" b="1" dirty="0">
-                <a:solidFill>
-                  <a:srgbClr val="C00000"/>
-                </a:solidFill>
-                <a:latin typeface="Microsoft YaHei" charset="-122"/>
-                <a:ea typeface="Microsoft YaHei" charset="-122"/>
-                <a:cs typeface="Microsoft YaHei" charset="-122"/>
-              </a:rPr>
-              <a:t>投放平台</a:t>
-            </a:r>
-          </a:p>
-        </p:txBody>
-      </p:sp>
-    </p:spTree>
-    <p:extLst>
-      <p:ext uri="{BB962C8B-B14F-4D97-AF65-F5344CB8AC3E}">
-        <p14:creationId xmlns:p14="http://schemas.microsoft.com/office/powerpoint/2010/main" val="3595003691"/>
       </p:ext>
     </p:extLst>
   </p:cSld>
